--- a/Report Files/Custom Rom(15-06-2023).pptx
+++ b/Report Files/Custom Rom(15-06-2023).pptx
@@ -3,7 +3,7 @@
 <p:presentation xmlns:a="http://schemas.openxmlformats.org/drawingml/2006/main" xmlns:r="http://schemas.openxmlformats.org/officeDocument/2006/relationships" xmlns:p="http://schemas.openxmlformats.org/presentationml/2006/main" saveSubsetFonts="1" autoCompressPictures="0">
   <p:sldMasterIdLst>
     <p:sldMasterId id="2147483702" r:id="rId1"/>
-    <p:sldMasterId id="2147483720" r:id="rId2"/>
+    <p:sldMasterId id="2147483737" r:id="rId2"/>
   </p:sldMasterIdLst>
   <p:sldIdLst>
     <p:sldId id="256" r:id="rId3"/>
@@ -642,7 +642,7 @@
           <a:p>
             <a:fld id="{74CECDD8-AECE-0D4A-A402-9518D275F65F}" type="datetimeFigureOut">
               <a:rPr lang="en-US" smtClean="0"/>
-              <a:t>6/15/23</a:t>
+              <a:t>8/9/2023</a:t>
             </a:fld>
             <a:endParaRPr lang="en-US"/>
           </a:p>
@@ -938,7 +938,7 @@
           <a:p>
             <a:fld id="{74CECDD8-AECE-0D4A-A402-9518D275F65F}" type="datetimeFigureOut">
               <a:rPr lang="en-US" smtClean="0"/>
-              <a:t>6/15/23</a:t>
+              <a:t>8/9/2023</a:t>
             </a:fld>
             <a:endParaRPr lang="en-US"/>
           </a:p>
@@ -1186,7 +1186,7 @@
           <a:p>
             <a:fld id="{74CECDD8-AECE-0D4A-A402-9518D275F65F}" type="datetimeFigureOut">
               <a:rPr lang="en-US" smtClean="0"/>
-              <a:t>6/15/23</a:t>
+              <a:t>8/9/2023</a:t>
             </a:fld>
             <a:endParaRPr lang="en-US"/>
           </a:p>
@@ -1726,7 +1726,7 @@
           <a:p>
             <a:fld id="{74CECDD8-AECE-0D4A-A402-9518D275F65F}" type="datetimeFigureOut">
               <a:rPr lang="en-US" smtClean="0"/>
-              <a:t>6/15/23</a:t>
+              <a:t>8/9/2023</a:t>
             </a:fld>
             <a:endParaRPr lang="en-US"/>
           </a:p>
@@ -1974,7 +1974,7 @@
           <a:p>
             <a:fld id="{74CECDD8-AECE-0D4A-A402-9518D275F65F}" type="datetimeFigureOut">
               <a:rPr lang="en-US" smtClean="0"/>
-              <a:t>6/15/23</a:t>
+              <a:t>8/9/2023</a:t>
             </a:fld>
             <a:endParaRPr lang="en-US"/>
           </a:p>
@@ -2506,7 +2506,7 @@
           <a:p>
             <a:fld id="{74CECDD8-AECE-0D4A-A402-9518D275F65F}" type="datetimeFigureOut">
               <a:rPr lang="en-US" smtClean="0"/>
-              <a:t>6/15/23</a:t>
+              <a:t>8/9/2023</a:t>
             </a:fld>
             <a:endParaRPr lang="en-US"/>
           </a:p>
@@ -2803,7 +2803,7 @@
           <a:p>
             <a:fld id="{74CECDD8-AECE-0D4A-A402-9518D275F65F}" type="datetimeFigureOut">
               <a:rPr lang="en-US" smtClean="0"/>
-              <a:t>6/15/23</a:t>
+              <a:t>8/9/2023</a:t>
             </a:fld>
             <a:endParaRPr lang="en-US"/>
           </a:p>
@@ -2977,7 +2977,7 @@
           <a:p>
             <a:fld id="{74CECDD8-AECE-0D4A-A402-9518D275F65F}" type="datetimeFigureOut">
               <a:rPr lang="en-US" smtClean="0"/>
-              <a:t>6/15/23</a:t>
+              <a:t>8/9/2023</a:t>
             </a:fld>
             <a:endParaRPr lang="en-US"/>
           </a:p>
@@ -3157,7 +3157,7 @@
           <a:p>
             <a:fld id="{74CECDD8-AECE-0D4A-A402-9518D275F65F}" type="datetimeFigureOut">
               <a:rPr lang="en-US" smtClean="0"/>
-              <a:t>6/15/23</a:t>
+              <a:t>8/9/2023</a:t>
             </a:fld>
             <a:endParaRPr lang="en-US"/>
           </a:p>
@@ -3237,7 +3237,13 @@
       </p:grpSpPr>
       <p:sp>
         <p:nvSpPr>
-          <p:cNvPr id="2" name="Title 1"/>
+          <p:cNvPr id="2" name="Title 1">
+            <a:extLst>
+              <a:ext uri="{FF2B5EF4-FFF2-40B4-BE49-F238E27FC236}">
+                <a16:creationId xmlns:a16="http://schemas.microsoft.com/office/drawing/2014/main" id="{D38DD7D4-BCDD-668F-6C0D-469DBD87632C}"/>
+              </a:ext>
+            </a:extLst>
+          </p:cNvPr>
           <p:cNvSpPr>
             <a:spLocks noGrp="1"/>
           </p:cNvSpPr>
@@ -3247,17 +3253,15 @@
         </p:nvSpPr>
         <p:spPr>
           <a:xfrm>
-            <a:off x="2589213" y="2514600"/>
-            <a:ext cx="8915399" cy="2262781"/>
+            <a:off x="1524000" y="1122363"/>
+            <a:ext cx="9144000" cy="2387600"/>
           </a:xfrm>
         </p:spPr>
         <p:txBody>
-          <a:bodyPr anchor="b">
-            <a:normAutofit/>
-          </a:bodyPr>
+          <a:bodyPr anchor="b"/>
           <a:lstStyle>
-            <a:lvl1pPr>
-              <a:defRPr sz="5400"/>
+            <a:lvl1pPr algn="ctr">
+              <a:defRPr sz="6000"/>
             </a:lvl1pPr>
           </a:lstStyle>
           <a:p>
@@ -3265,13 +3269,18 @@
               <a:rPr lang="en-US"/>
               <a:t>Click to edit Master title style</a:t>
             </a:r>
-            <a:endParaRPr lang="en-US" dirty="0"/>
-          </a:p>
-        </p:txBody>
-      </p:sp>
-      <p:sp>
-        <p:nvSpPr>
-          <p:cNvPr id="3" name="Subtitle 2"/>
+          </a:p>
+        </p:txBody>
+      </p:sp>
+      <p:sp>
+        <p:nvSpPr>
+          <p:cNvPr id="3" name="Subtitle 2">
+            <a:extLst>
+              <a:ext uri="{FF2B5EF4-FFF2-40B4-BE49-F238E27FC236}">
+                <a16:creationId xmlns:a16="http://schemas.microsoft.com/office/drawing/2014/main" id="{9109FF7B-AEE0-A310-207D-6AD6741E6C27}"/>
+              </a:ext>
+            </a:extLst>
+          </p:cNvPr>
           <p:cNvSpPr>
             <a:spLocks noGrp="1"/>
           </p:cNvSpPr>
@@ -3281,103 +3290,48 @@
         </p:nvSpPr>
         <p:spPr>
           <a:xfrm>
-            <a:off x="2589213" y="4777379"/>
-            <a:ext cx="8915399" cy="1126283"/>
+            <a:off x="1524000" y="3602038"/>
+            <a:ext cx="9144000" cy="1655762"/>
           </a:xfrm>
         </p:spPr>
         <p:txBody>
-          <a:bodyPr anchor="t"/>
+          <a:bodyPr/>
           <a:lstStyle>
-            <a:lvl1pPr marL="0" indent="0" algn="l">
-              <a:buNone/>
-              <a:defRPr>
-                <a:solidFill>
-                  <a:schemeClr val="tx1">
-                    <a:lumMod val="65000"/>
-                    <a:lumOff val="35000"/>
-                  </a:schemeClr>
-                </a:solidFill>
-              </a:defRPr>
+            <a:lvl1pPr marL="0" indent="0" algn="ctr">
+              <a:buNone/>
+              <a:defRPr sz="2400"/>
             </a:lvl1pPr>
             <a:lvl2pPr marL="457200" indent="0" algn="ctr">
               <a:buNone/>
-              <a:defRPr>
-                <a:solidFill>
-                  <a:schemeClr val="tx1">
-                    <a:tint val="75000"/>
-                  </a:schemeClr>
-                </a:solidFill>
-              </a:defRPr>
+              <a:defRPr sz="2000"/>
             </a:lvl2pPr>
             <a:lvl3pPr marL="914400" indent="0" algn="ctr">
               <a:buNone/>
-              <a:defRPr>
-                <a:solidFill>
-                  <a:schemeClr val="tx1">
-                    <a:tint val="75000"/>
-                  </a:schemeClr>
-                </a:solidFill>
-              </a:defRPr>
+              <a:defRPr sz="1800"/>
             </a:lvl3pPr>
             <a:lvl4pPr marL="1371600" indent="0" algn="ctr">
               <a:buNone/>
-              <a:defRPr>
-                <a:solidFill>
-                  <a:schemeClr val="tx1">
-                    <a:tint val="75000"/>
-                  </a:schemeClr>
-                </a:solidFill>
-              </a:defRPr>
+              <a:defRPr sz="1600"/>
             </a:lvl4pPr>
             <a:lvl5pPr marL="1828800" indent="0" algn="ctr">
               <a:buNone/>
-              <a:defRPr>
-                <a:solidFill>
-                  <a:schemeClr val="tx1">
-                    <a:tint val="75000"/>
-                  </a:schemeClr>
-                </a:solidFill>
-              </a:defRPr>
+              <a:defRPr sz="1600"/>
             </a:lvl5pPr>
             <a:lvl6pPr marL="2286000" indent="0" algn="ctr">
               <a:buNone/>
-              <a:defRPr>
-                <a:solidFill>
-                  <a:schemeClr val="tx1">
-                    <a:tint val="75000"/>
-                  </a:schemeClr>
-                </a:solidFill>
-              </a:defRPr>
+              <a:defRPr sz="1600"/>
             </a:lvl6pPr>
             <a:lvl7pPr marL="2743200" indent="0" algn="ctr">
               <a:buNone/>
-              <a:defRPr>
-                <a:solidFill>
-                  <a:schemeClr val="tx1">
-                    <a:tint val="75000"/>
-                  </a:schemeClr>
-                </a:solidFill>
-              </a:defRPr>
+              <a:defRPr sz="1600"/>
             </a:lvl7pPr>
             <a:lvl8pPr marL="3200400" indent="0" algn="ctr">
               <a:buNone/>
-              <a:defRPr>
-                <a:solidFill>
-                  <a:schemeClr val="tx1">
-                    <a:tint val="75000"/>
-                  </a:schemeClr>
-                </a:solidFill>
-              </a:defRPr>
+              <a:defRPr sz="1600"/>
             </a:lvl8pPr>
             <a:lvl9pPr marL="3657600" indent="0" algn="ctr">
               <a:buNone/>
-              <a:defRPr>
-                <a:solidFill>
-                  <a:schemeClr val="tx1">
-                    <a:tint val="75000"/>
-                  </a:schemeClr>
-                </a:solidFill>
-              </a:defRPr>
+              <a:defRPr sz="1600"/>
             </a:lvl9pPr>
           </a:lstStyle>
           <a:p>
@@ -3385,13 +3339,18 @@
               <a:rPr lang="en-US"/>
               <a:t>Click to edit Master subtitle style</a:t>
             </a:r>
-            <a:endParaRPr lang="en-US" dirty="0"/>
-          </a:p>
-        </p:txBody>
-      </p:sp>
-      <p:sp>
-        <p:nvSpPr>
-          <p:cNvPr id="4" name="Date Placeholder 3"/>
+          </a:p>
+        </p:txBody>
+      </p:sp>
+      <p:sp>
+        <p:nvSpPr>
+          <p:cNvPr id="4" name="Date Placeholder 3">
+            <a:extLst>
+              <a:ext uri="{FF2B5EF4-FFF2-40B4-BE49-F238E27FC236}">
+                <a16:creationId xmlns:a16="http://schemas.microsoft.com/office/drawing/2014/main" id="{6C6523AA-33C8-B0EE-793E-E20BD987BEFC}"/>
+              </a:ext>
+            </a:extLst>
+          </p:cNvPr>
           <p:cNvSpPr>
             <a:spLocks noGrp="1"/>
           </p:cNvSpPr>
@@ -3406,7 +3365,7 @@
           <a:p>
             <a:fld id="{74CECDD8-AECE-0D4A-A402-9518D275F65F}" type="datetimeFigureOut">
               <a:rPr lang="en-US" smtClean="0"/>
-              <a:t>6/15/23</a:t>
+              <a:t>8/9/2023</a:t>
             </a:fld>
             <a:endParaRPr lang="en-US"/>
           </a:p>
@@ -3414,7 +3373,13 @@
       </p:sp>
       <p:sp>
         <p:nvSpPr>
-          <p:cNvPr id="5" name="Footer Placeholder 4"/>
+          <p:cNvPr id="5" name="Footer Placeholder 4">
+            <a:extLst>
+              <a:ext uri="{FF2B5EF4-FFF2-40B4-BE49-F238E27FC236}">
+                <a16:creationId xmlns:a16="http://schemas.microsoft.com/office/drawing/2014/main" id="{59D72750-DDBE-A144-085B-863DCE2B0421}"/>
+              </a:ext>
+            </a:extLst>
+          </p:cNvPr>
           <p:cNvSpPr>
             <a:spLocks noGrp="1"/>
           </p:cNvSpPr>
@@ -3433,89 +3398,13 @@
       </p:sp>
       <p:sp>
         <p:nvSpPr>
-          <p:cNvPr id="7" name="Freeform 6"/>
-          <p:cNvSpPr/>
-          <p:nvPr/>
-        </p:nvSpPr>
-        <p:spPr bwMode="auto">
-          <a:xfrm>
-            <a:off x="0" y="4323810"/>
-            <a:ext cx="1744652" cy="778589"/>
-          </a:xfrm>
-          <a:custGeom>
-            <a:avLst/>
-            <a:gdLst/>
-            <a:ahLst/>
-            <a:cxnLst/>
-            <a:rect l="0" t="0" r="r" b="b"/>
-            <a:pathLst>
-              <a:path w="372" h="166">
-                <a:moveTo>
-                  <a:pt x="287" y="166"/>
-                </a:moveTo>
-                <a:cubicBezTo>
-                  <a:pt x="290" y="166"/>
-                  <a:pt x="292" y="165"/>
-                  <a:pt x="293" y="164"/>
-                </a:cubicBezTo>
-                <a:cubicBezTo>
-                  <a:pt x="293" y="163"/>
-                  <a:pt x="294" y="163"/>
-                  <a:pt x="294" y="163"/>
-                </a:cubicBezTo>
-                <a:cubicBezTo>
-                  <a:pt x="370" y="87"/>
-                  <a:pt x="370" y="87"/>
-                  <a:pt x="370" y="87"/>
-                </a:cubicBezTo>
-                <a:cubicBezTo>
-                  <a:pt x="372" y="85"/>
-                  <a:pt x="372" y="81"/>
-                  <a:pt x="370" y="78"/>
-                </a:cubicBezTo>
-                <a:cubicBezTo>
-                  <a:pt x="294" y="3"/>
-                  <a:pt x="294" y="3"/>
-                  <a:pt x="294" y="3"/>
-                </a:cubicBezTo>
-                <a:cubicBezTo>
-                  <a:pt x="294" y="2"/>
-                  <a:pt x="293" y="2"/>
-                  <a:pt x="293" y="2"/>
-                </a:cubicBezTo>
-                <a:cubicBezTo>
-                  <a:pt x="292" y="1"/>
-                  <a:pt x="290" y="0"/>
-                  <a:pt x="287" y="0"/>
-                </a:cubicBezTo>
-                <a:cubicBezTo>
-                  <a:pt x="0" y="0"/>
-                  <a:pt x="0" y="0"/>
-                  <a:pt x="0" y="0"/>
-                </a:cubicBezTo>
-                <a:cubicBezTo>
-                  <a:pt x="0" y="166"/>
-                  <a:pt x="0" y="166"/>
-                  <a:pt x="0" y="166"/>
-                </a:cubicBezTo>
-                <a:lnTo>
-                  <a:pt x="287" y="166"/>
-                </a:lnTo>
-                <a:close/>
-              </a:path>
-            </a:pathLst>
-          </a:custGeom>
-          <a:solidFill>
-            <a:schemeClr val="accent1"/>
-          </a:solidFill>
-          <a:ln>
-            <a:noFill/>
-          </a:ln>
-        </p:spPr>
-      </p:sp>
-      <p:sp>
-        <p:nvSpPr>
-          <p:cNvPr id="6" name="Slide Number Placeholder 5"/>
+          <p:cNvPr id="6" name="Slide Number Placeholder 5">
+            <a:extLst>
+              <a:ext uri="{FF2B5EF4-FFF2-40B4-BE49-F238E27FC236}">
+                <a16:creationId xmlns:a16="http://schemas.microsoft.com/office/drawing/2014/main" id="{EE4FBFD7-6F9F-2D29-1C7D-29CBEB503C82}"/>
+              </a:ext>
+            </a:extLst>
+          </p:cNvPr>
           <p:cNvSpPr>
             <a:spLocks noGrp="1"/>
           </p:cNvSpPr>
@@ -3523,12 +3412,7 @@
             <p:ph type="sldNum" sz="quarter" idx="12"/>
           </p:nvPr>
         </p:nvSpPr>
-        <p:spPr>
-          <a:xfrm>
-            <a:off x="531812" y="4529540"/>
-            <a:ext cx="779767" cy="365125"/>
-          </a:xfrm>
-        </p:spPr>
+        <p:spPr/>
         <p:txBody>
           <a:bodyPr/>
           <a:lstStyle/>
@@ -3544,7 +3428,7 @@
     </p:spTree>
     <p:extLst>
       <p:ext uri="{BB962C8B-B14F-4D97-AF65-F5344CB8AC3E}">
-        <p14:creationId xmlns:p14="http://schemas.microsoft.com/office/powerpoint/2010/main" val="2283831385"/>
+        <p14:creationId xmlns:p14="http://schemas.microsoft.com/office/powerpoint/2010/main" val="3318960327"/>
       </p:ext>
     </p:extLst>
   </p:cSld>
@@ -3573,7 +3457,13 @@
       </p:grpSpPr>
       <p:sp>
         <p:nvSpPr>
-          <p:cNvPr id="2" name="Title 1"/>
+          <p:cNvPr id="2" name="Title 1">
+            <a:extLst>
+              <a:ext uri="{FF2B5EF4-FFF2-40B4-BE49-F238E27FC236}">
+                <a16:creationId xmlns:a16="http://schemas.microsoft.com/office/drawing/2014/main" id="{28BE6ADD-489B-DEFF-70AD-D16693B010DA}"/>
+              </a:ext>
+            </a:extLst>
+          </p:cNvPr>
           <p:cNvSpPr>
             <a:spLocks noGrp="1"/>
           </p:cNvSpPr>
@@ -3581,12 +3471,7 @@
             <p:ph type="title"/>
           </p:nvPr>
         </p:nvSpPr>
-        <p:spPr>
-          <a:xfrm>
-            <a:off x="2592925" y="624110"/>
-            <a:ext cx="8911687" cy="1280890"/>
-          </a:xfrm>
-        </p:spPr>
+        <p:spPr/>
         <p:txBody>
           <a:bodyPr/>
           <a:lstStyle/>
@@ -3595,13 +3480,18 @@
               <a:rPr lang="en-US"/>
               <a:t>Click to edit Master title style</a:t>
             </a:r>
-            <a:endParaRPr lang="en-US" dirty="0"/>
-          </a:p>
-        </p:txBody>
-      </p:sp>
-      <p:sp>
-        <p:nvSpPr>
-          <p:cNvPr id="3" name="Content Placeholder 2"/>
+          </a:p>
+        </p:txBody>
+      </p:sp>
+      <p:sp>
+        <p:nvSpPr>
+          <p:cNvPr id="3" name="Content Placeholder 2">
+            <a:extLst>
+              <a:ext uri="{FF2B5EF4-FFF2-40B4-BE49-F238E27FC236}">
+                <a16:creationId xmlns:a16="http://schemas.microsoft.com/office/drawing/2014/main" id="{BA672A92-137F-8787-172E-280FBA6E05D6}"/>
+              </a:ext>
+            </a:extLst>
+          </p:cNvPr>
           <p:cNvSpPr>
             <a:spLocks noGrp="1"/>
           </p:cNvSpPr>
@@ -3609,12 +3499,7 @@
             <p:ph idx="1"/>
           </p:nvPr>
         </p:nvSpPr>
-        <p:spPr>
-          <a:xfrm>
-            <a:off x="2589212" y="2133600"/>
-            <a:ext cx="8915400" cy="3777622"/>
-          </a:xfrm>
-        </p:spPr>
+        <p:spPr/>
         <p:txBody>
           <a:bodyPr/>
           <a:lstStyle/>
@@ -3652,13 +3537,18 @@
               <a:rPr lang="en-US"/>
               <a:t>Fifth level</a:t>
             </a:r>
-            <a:endParaRPr lang="en-US" dirty="0"/>
-          </a:p>
-        </p:txBody>
-      </p:sp>
-      <p:sp>
-        <p:nvSpPr>
-          <p:cNvPr id="4" name="Date Placeholder 3"/>
+          </a:p>
+        </p:txBody>
+      </p:sp>
+      <p:sp>
+        <p:nvSpPr>
+          <p:cNvPr id="4" name="Date Placeholder 3">
+            <a:extLst>
+              <a:ext uri="{FF2B5EF4-FFF2-40B4-BE49-F238E27FC236}">
+                <a16:creationId xmlns:a16="http://schemas.microsoft.com/office/drawing/2014/main" id="{CAA40C89-9BB4-EDEF-00EA-A47C45DE677D}"/>
+              </a:ext>
+            </a:extLst>
+          </p:cNvPr>
           <p:cNvSpPr>
             <a:spLocks noGrp="1"/>
           </p:cNvSpPr>
@@ -3673,7 +3563,7 @@
           <a:p>
             <a:fld id="{74CECDD8-AECE-0D4A-A402-9518D275F65F}" type="datetimeFigureOut">
               <a:rPr lang="en-US" smtClean="0"/>
-              <a:t>6/15/23</a:t>
+              <a:t>8/9/2023</a:t>
             </a:fld>
             <a:endParaRPr lang="en-US"/>
           </a:p>
@@ -3681,7 +3571,13 @@
       </p:sp>
       <p:sp>
         <p:nvSpPr>
-          <p:cNvPr id="5" name="Footer Placeholder 4"/>
+          <p:cNvPr id="5" name="Footer Placeholder 4">
+            <a:extLst>
+              <a:ext uri="{FF2B5EF4-FFF2-40B4-BE49-F238E27FC236}">
+                <a16:creationId xmlns:a16="http://schemas.microsoft.com/office/drawing/2014/main" id="{F20241BF-FB04-AB0F-6939-BE64F75487F2}"/>
+              </a:ext>
+            </a:extLst>
+          </p:cNvPr>
           <p:cNvSpPr>
             <a:spLocks noGrp="1"/>
           </p:cNvSpPr>
@@ -3700,89 +3596,13 @@
       </p:sp>
       <p:sp>
         <p:nvSpPr>
-          <p:cNvPr id="8" name="Freeform 11"/>
-          <p:cNvSpPr/>
-          <p:nvPr/>
-        </p:nvSpPr>
-        <p:spPr bwMode="auto">
-          <a:xfrm flipV="1">
-            <a:off x="-4189" y="714375"/>
-            <a:ext cx="1588527" cy="507297"/>
-          </a:xfrm>
-          <a:custGeom>
-            <a:avLst/>
-            <a:gdLst/>
-            <a:ahLst/>
-            <a:cxnLst/>
-            <a:rect l="l" t="t" r="r" b="b"/>
-            <a:pathLst>
-              <a:path w="9248" h="10000">
-                <a:moveTo>
-                  <a:pt x="9248" y="4701"/>
-                </a:moveTo>
-                <a:lnTo>
-                  <a:pt x="7915" y="188"/>
-                </a:lnTo>
-                <a:cubicBezTo>
-                  <a:pt x="7906" y="156"/>
-                  <a:pt x="7895" y="126"/>
-                  <a:pt x="7886" y="94"/>
-                </a:cubicBezTo>
-                <a:cubicBezTo>
-                  <a:pt x="7859" y="0"/>
-                  <a:pt x="7831" y="0"/>
-                  <a:pt x="7803" y="0"/>
-                </a:cubicBezTo>
-                <a:lnTo>
-                  <a:pt x="7275" y="0"/>
-                </a:lnTo>
-                <a:lnTo>
-                  <a:pt x="0" y="70"/>
-                </a:lnTo>
-                <a:cubicBezTo>
-                  <a:pt x="8" y="3380"/>
-                  <a:pt x="17" y="6690"/>
-                  <a:pt x="25" y="10000"/>
-                </a:cubicBezTo>
-                <a:lnTo>
-                  <a:pt x="7275" y="9966"/>
-                </a:lnTo>
-                <a:lnTo>
-                  <a:pt x="7803" y="9966"/>
-                </a:lnTo>
-                <a:cubicBezTo>
-                  <a:pt x="7831" y="9966"/>
-                  <a:pt x="7859" y="9872"/>
-                  <a:pt x="7886" y="9872"/>
-                </a:cubicBezTo>
-                <a:cubicBezTo>
-                  <a:pt x="7886" y="9778"/>
-                  <a:pt x="7915" y="9778"/>
-                  <a:pt x="7915" y="9778"/>
-                </a:cubicBezTo>
-                <a:lnTo>
-                  <a:pt x="9248" y="5265"/>
-                </a:lnTo>
-                <a:cubicBezTo>
-                  <a:pt x="9303" y="5077"/>
-                  <a:pt x="9303" y="4889"/>
-                  <a:pt x="9248" y="4701"/>
-                </a:cubicBezTo>
-                <a:close/>
-              </a:path>
-            </a:pathLst>
-          </a:custGeom>
-          <a:solidFill>
-            <a:schemeClr val="accent1"/>
-          </a:solidFill>
-          <a:ln>
-            <a:noFill/>
-          </a:ln>
-        </p:spPr>
-      </p:sp>
-      <p:sp>
-        <p:nvSpPr>
-          <p:cNvPr id="6" name="Slide Number Placeholder 5"/>
+          <p:cNvPr id="6" name="Slide Number Placeholder 5">
+            <a:extLst>
+              <a:ext uri="{FF2B5EF4-FFF2-40B4-BE49-F238E27FC236}">
+                <a16:creationId xmlns:a16="http://schemas.microsoft.com/office/drawing/2014/main" id="{68B710CD-E6E5-AE32-302A-2A4693266815}"/>
+              </a:ext>
+            </a:extLst>
+          </p:cNvPr>
           <p:cNvSpPr>
             <a:spLocks noGrp="1"/>
           </p:cNvSpPr>
@@ -3806,7 +3626,7 @@
     </p:spTree>
     <p:extLst>
       <p:ext uri="{BB962C8B-B14F-4D97-AF65-F5344CB8AC3E}">
-        <p14:creationId xmlns:p14="http://schemas.microsoft.com/office/powerpoint/2010/main" val="4226636278"/>
+        <p14:creationId xmlns:p14="http://schemas.microsoft.com/office/powerpoint/2010/main" val="2671780220"/>
       </p:ext>
     </p:extLst>
   </p:cSld>
@@ -3925,7 +3745,7 @@
           <a:p>
             <a:fld id="{74CECDD8-AECE-0D4A-A402-9518D275F65F}" type="datetimeFigureOut">
               <a:rPr lang="en-US" smtClean="0"/>
-              <a:t>6/15/23</a:t>
+              <a:t>8/9/2023</a:t>
             </a:fld>
             <a:endParaRPr lang="en-US"/>
           </a:p>
@@ -4010,7 +3830,13 @@
       </p:grpSpPr>
       <p:sp>
         <p:nvSpPr>
-          <p:cNvPr id="2" name="Title 1"/>
+          <p:cNvPr id="2" name="Title 1">
+            <a:extLst>
+              <a:ext uri="{FF2B5EF4-FFF2-40B4-BE49-F238E27FC236}">
+                <a16:creationId xmlns:a16="http://schemas.microsoft.com/office/drawing/2014/main" id="{E077229E-E43F-A83C-5373-7E566FEEDCAB}"/>
+              </a:ext>
+            </a:extLst>
+          </p:cNvPr>
           <p:cNvSpPr>
             <a:spLocks noGrp="1"/>
           </p:cNvSpPr>
@@ -4020,15 +3846,15 @@
         </p:nvSpPr>
         <p:spPr>
           <a:xfrm>
-            <a:off x="2589212" y="2058750"/>
-            <a:ext cx="8915399" cy="1468800"/>
+            <a:off x="831850" y="1709738"/>
+            <a:ext cx="10515600" cy="2852737"/>
           </a:xfrm>
         </p:spPr>
         <p:txBody>
           <a:bodyPr anchor="b"/>
           <a:lstStyle>
-            <a:lvl1pPr algn="l">
-              <a:defRPr sz="4000" b="0" cap="none"/>
+            <a:lvl1pPr>
+              <a:defRPr sz="6000"/>
             </a:lvl1pPr>
           </a:lstStyle>
           <a:p>
@@ -4036,13 +3862,18 @@
               <a:rPr lang="en-US"/>
               <a:t>Click to edit Master title style</a:t>
             </a:r>
-            <a:endParaRPr lang="en-US" dirty="0"/>
-          </a:p>
-        </p:txBody>
-      </p:sp>
-      <p:sp>
-        <p:nvSpPr>
-          <p:cNvPr id="3" name="Text Placeholder 2"/>
+          </a:p>
+        </p:txBody>
+      </p:sp>
+      <p:sp>
+        <p:nvSpPr>
+          <p:cNvPr id="3" name="Text Placeholder 2">
+            <a:extLst>
+              <a:ext uri="{FF2B5EF4-FFF2-40B4-BE49-F238E27FC236}">
+                <a16:creationId xmlns:a16="http://schemas.microsoft.com/office/drawing/2014/main" id="{D724BAD3-82BD-56E8-E645-F80916204552}"/>
+              </a:ext>
+            </a:extLst>
+          </p:cNvPr>
           <p:cNvSpPr>
             <a:spLocks noGrp="1"/>
           </p:cNvSpPr>
@@ -4052,27 +3883,26 @@
         </p:nvSpPr>
         <p:spPr>
           <a:xfrm>
-            <a:off x="2589212" y="3530129"/>
-            <a:ext cx="8915399" cy="860400"/>
+            <a:off x="831850" y="4589463"/>
+            <a:ext cx="10515600" cy="1500187"/>
           </a:xfrm>
         </p:spPr>
         <p:txBody>
-          <a:bodyPr anchor="t"/>
+          <a:bodyPr/>
           <a:lstStyle>
-            <a:lvl1pPr marL="0" indent="0" algn="l">
-              <a:buNone/>
-              <a:defRPr sz="2000">
+            <a:lvl1pPr marL="0" indent="0">
+              <a:buNone/>
+              <a:defRPr sz="2400">
                 <a:solidFill>
                   <a:schemeClr val="tx1">
-                    <a:lumMod val="65000"/>
-                    <a:lumOff val="35000"/>
+                    <a:tint val="75000"/>
                   </a:schemeClr>
                 </a:solidFill>
               </a:defRPr>
             </a:lvl1pPr>
             <a:lvl2pPr marL="457200" indent="0">
               <a:buNone/>
-              <a:defRPr sz="1800">
+              <a:defRPr sz="2000">
                 <a:solidFill>
                   <a:schemeClr val="tx1">
                     <a:tint val="75000"/>
@@ -4082,7 +3912,7 @@
             </a:lvl2pPr>
             <a:lvl3pPr marL="914400" indent="0">
               <a:buNone/>
-              <a:defRPr sz="1600">
+              <a:defRPr sz="1800">
                 <a:solidFill>
                   <a:schemeClr val="tx1">
                     <a:tint val="75000"/>
@@ -4092,7 +3922,7 @@
             </a:lvl3pPr>
             <a:lvl4pPr marL="1371600" indent="0">
               <a:buNone/>
-              <a:defRPr sz="1400">
+              <a:defRPr sz="1600">
                 <a:solidFill>
                   <a:schemeClr val="tx1">
                     <a:tint val="75000"/>
@@ -4102,7 +3932,7 @@
             </a:lvl4pPr>
             <a:lvl5pPr marL="1828800" indent="0">
               <a:buNone/>
-              <a:defRPr sz="1400">
+              <a:defRPr sz="1600">
                 <a:solidFill>
                   <a:schemeClr val="tx1">
                     <a:tint val="75000"/>
@@ -4112,7 +3942,7 @@
             </a:lvl5pPr>
             <a:lvl6pPr marL="2286000" indent="0">
               <a:buNone/>
-              <a:defRPr sz="1400">
+              <a:defRPr sz="1600">
                 <a:solidFill>
                   <a:schemeClr val="tx1">
                     <a:tint val="75000"/>
@@ -4122,7 +3952,7 @@
             </a:lvl6pPr>
             <a:lvl7pPr marL="2743200" indent="0">
               <a:buNone/>
-              <a:defRPr sz="1400">
+              <a:defRPr sz="1600">
                 <a:solidFill>
                   <a:schemeClr val="tx1">
                     <a:tint val="75000"/>
@@ -4132,7 +3962,7 @@
             </a:lvl7pPr>
             <a:lvl8pPr marL="3200400" indent="0">
               <a:buNone/>
-              <a:defRPr sz="1400">
+              <a:defRPr sz="1600">
                 <a:solidFill>
                   <a:schemeClr val="tx1">
                     <a:tint val="75000"/>
@@ -4142,7 +3972,7 @@
             </a:lvl8pPr>
             <a:lvl9pPr marL="3657600" indent="0">
               <a:buNone/>
-              <a:defRPr sz="1400">
+              <a:defRPr sz="1600">
                 <a:solidFill>
                   <a:schemeClr val="tx1">
                     <a:tint val="75000"/>
@@ -4162,7 +3992,13 @@
       </p:sp>
       <p:sp>
         <p:nvSpPr>
-          <p:cNvPr id="4" name="Date Placeholder 3"/>
+          <p:cNvPr id="4" name="Date Placeholder 3">
+            <a:extLst>
+              <a:ext uri="{FF2B5EF4-FFF2-40B4-BE49-F238E27FC236}">
+                <a16:creationId xmlns:a16="http://schemas.microsoft.com/office/drawing/2014/main" id="{5AE1B2BD-7D15-4D10-2C46-3B63C864A775}"/>
+              </a:ext>
+            </a:extLst>
+          </p:cNvPr>
           <p:cNvSpPr>
             <a:spLocks noGrp="1"/>
           </p:cNvSpPr>
@@ -4177,7 +4013,7 @@
           <a:p>
             <a:fld id="{74CECDD8-AECE-0D4A-A402-9518D275F65F}" type="datetimeFigureOut">
               <a:rPr lang="en-US" smtClean="0"/>
-              <a:t>6/15/23</a:t>
+              <a:t>8/9/2023</a:t>
             </a:fld>
             <a:endParaRPr lang="en-US"/>
           </a:p>
@@ -4185,7 +4021,13 @@
       </p:sp>
       <p:sp>
         <p:nvSpPr>
-          <p:cNvPr id="5" name="Footer Placeholder 4"/>
+          <p:cNvPr id="5" name="Footer Placeholder 4">
+            <a:extLst>
+              <a:ext uri="{FF2B5EF4-FFF2-40B4-BE49-F238E27FC236}">
+                <a16:creationId xmlns:a16="http://schemas.microsoft.com/office/drawing/2014/main" id="{EACC3BDF-F45F-C35E-7E79-AD4BC152C74E}"/>
+              </a:ext>
+            </a:extLst>
+          </p:cNvPr>
           <p:cNvSpPr>
             <a:spLocks noGrp="1"/>
           </p:cNvSpPr>
@@ -4204,89 +4046,13 @@
       </p:sp>
       <p:sp>
         <p:nvSpPr>
-          <p:cNvPr id="9" name="Freeform 11"/>
-          <p:cNvSpPr/>
-          <p:nvPr/>
-        </p:nvSpPr>
-        <p:spPr bwMode="auto">
-          <a:xfrm flipV="1">
-            <a:off x="-4189" y="3178175"/>
-            <a:ext cx="1588527" cy="507297"/>
-          </a:xfrm>
-          <a:custGeom>
-            <a:avLst/>
-            <a:gdLst/>
-            <a:ahLst/>
-            <a:cxnLst/>
-            <a:rect l="l" t="t" r="r" b="b"/>
-            <a:pathLst>
-              <a:path w="9248" h="10000">
-                <a:moveTo>
-                  <a:pt x="9248" y="4701"/>
-                </a:moveTo>
-                <a:lnTo>
-                  <a:pt x="7915" y="188"/>
-                </a:lnTo>
-                <a:cubicBezTo>
-                  <a:pt x="7906" y="156"/>
-                  <a:pt x="7895" y="126"/>
-                  <a:pt x="7886" y="94"/>
-                </a:cubicBezTo>
-                <a:cubicBezTo>
-                  <a:pt x="7859" y="0"/>
-                  <a:pt x="7831" y="0"/>
-                  <a:pt x="7803" y="0"/>
-                </a:cubicBezTo>
-                <a:lnTo>
-                  <a:pt x="7275" y="0"/>
-                </a:lnTo>
-                <a:lnTo>
-                  <a:pt x="0" y="70"/>
-                </a:lnTo>
-                <a:cubicBezTo>
-                  <a:pt x="8" y="3380"/>
-                  <a:pt x="17" y="6690"/>
-                  <a:pt x="25" y="10000"/>
-                </a:cubicBezTo>
-                <a:lnTo>
-                  <a:pt x="7275" y="9966"/>
-                </a:lnTo>
-                <a:lnTo>
-                  <a:pt x="7803" y="9966"/>
-                </a:lnTo>
-                <a:cubicBezTo>
-                  <a:pt x="7831" y="9966"/>
-                  <a:pt x="7859" y="9872"/>
-                  <a:pt x="7886" y="9872"/>
-                </a:cubicBezTo>
-                <a:cubicBezTo>
-                  <a:pt x="7886" y="9778"/>
-                  <a:pt x="7915" y="9778"/>
-                  <a:pt x="7915" y="9778"/>
-                </a:cubicBezTo>
-                <a:lnTo>
-                  <a:pt x="9248" y="5265"/>
-                </a:lnTo>
-                <a:cubicBezTo>
-                  <a:pt x="9303" y="5077"/>
-                  <a:pt x="9303" y="4889"/>
-                  <a:pt x="9248" y="4701"/>
-                </a:cubicBezTo>
-                <a:close/>
-              </a:path>
-            </a:pathLst>
-          </a:custGeom>
-          <a:solidFill>
-            <a:schemeClr val="accent1"/>
-          </a:solidFill>
-          <a:ln>
-            <a:noFill/>
-          </a:ln>
-        </p:spPr>
-      </p:sp>
-      <p:sp>
-        <p:nvSpPr>
-          <p:cNvPr id="6" name="Slide Number Placeholder 5"/>
+          <p:cNvPr id="6" name="Slide Number Placeholder 5">
+            <a:extLst>
+              <a:ext uri="{FF2B5EF4-FFF2-40B4-BE49-F238E27FC236}">
+                <a16:creationId xmlns:a16="http://schemas.microsoft.com/office/drawing/2014/main" id="{15EAD512-1B5D-C47B-D34C-3272E8F20A14}"/>
+              </a:ext>
+            </a:extLst>
+          </p:cNvPr>
           <p:cNvSpPr>
             <a:spLocks noGrp="1"/>
           </p:cNvSpPr>
@@ -4294,12 +4060,7 @@
             <p:ph type="sldNum" sz="quarter" idx="12"/>
           </p:nvPr>
         </p:nvSpPr>
-        <p:spPr>
-          <a:xfrm>
-            <a:off x="531812" y="3244139"/>
-            <a:ext cx="779767" cy="365125"/>
-          </a:xfrm>
-        </p:spPr>
+        <p:spPr/>
         <p:txBody>
           <a:bodyPr/>
           <a:lstStyle/>
@@ -4315,7 +4076,7 @@
     </p:spTree>
     <p:extLst>
       <p:ext uri="{BB962C8B-B14F-4D97-AF65-F5344CB8AC3E}">
-        <p14:creationId xmlns:p14="http://schemas.microsoft.com/office/powerpoint/2010/main" val="1338679535"/>
+        <p14:creationId xmlns:p14="http://schemas.microsoft.com/office/powerpoint/2010/main" val="3513836567"/>
       </p:ext>
     </p:extLst>
   </p:cSld>
@@ -4344,7 +4105,13 @@
       </p:grpSpPr>
       <p:sp>
         <p:nvSpPr>
-          <p:cNvPr id="8" name="Title 7"/>
+          <p:cNvPr id="2" name="Title 1">
+            <a:extLst>
+              <a:ext uri="{FF2B5EF4-FFF2-40B4-BE49-F238E27FC236}">
+                <a16:creationId xmlns:a16="http://schemas.microsoft.com/office/drawing/2014/main" id="{5CCC4359-7090-4DC6-D13B-4F0FC680D4EE}"/>
+              </a:ext>
+            </a:extLst>
+          </p:cNvPr>
           <p:cNvSpPr>
             <a:spLocks noGrp="1"/>
           </p:cNvSpPr>
@@ -4361,13 +4128,18 @@
               <a:rPr lang="en-US"/>
               <a:t>Click to edit Master title style</a:t>
             </a:r>
-            <a:endParaRPr lang="en-US" dirty="0"/>
-          </a:p>
-        </p:txBody>
-      </p:sp>
-      <p:sp>
-        <p:nvSpPr>
-          <p:cNvPr id="3" name="Content Placeholder 2"/>
+          </a:p>
+        </p:txBody>
+      </p:sp>
+      <p:sp>
+        <p:nvSpPr>
+          <p:cNvPr id="3" name="Content Placeholder 2">
+            <a:extLst>
+              <a:ext uri="{FF2B5EF4-FFF2-40B4-BE49-F238E27FC236}">
+                <a16:creationId xmlns:a16="http://schemas.microsoft.com/office/drawing/2014/main" id="{46C440E5-8CE2-4D04-B6B4-A4E8CB796E5D}"/>
+              </a:ext>
+            </a:extLst>
+          </p:cNvPr>
           <p:cNvSpPr>
             <a:spLocks noGrp="1"/>
           </p:cNvSpPr>
@@ -4377,14 +4149,12 @@
         </p:nvSpPr>
         <p:spPr>
           <a:xfrm>
-            <a:off x="2589212" y="2133600"/>
-            <a:ext cx="4313864" cy="3777622"/>
+            <a:off x="838200" y="1825625"/>
+            <a:ext cx="5181600" cy="4351338"/>
           </a:xfrm>
         </p:spPr>
         <p:txBody>
-          <a:bodyPr>
-            <a:normAutofit/>
-          </a:bodyPr>
+          <a:bodyPr/>
           <a:lstStyle/>
           <a:p>
             <a:pPr lvl="0"/>
@@ -4420,13 +4190,18 @@
               <a:rPr lang="en-US"/>
               <a:t>Fifth level</a:t>
             </a:r>
-            <a:endParaRPr lang="en-US" dirty="0"/>
-          </a:p>
-        </p:txBody>
-      </p:sp>
-      <p:sp>
-        <p:nvSpPr>
-          <p:cNvPr id="4" name="Content Placeholder 3"/>
+          </a:p>
+        </p:txBody>
+      </p:sp>
+      <p:sp>
+        <p:nvSpPr>
+          <p:cNvPr id="4" name="Content Placeholder 3">
+            <a:extLst>
+              <a:ext uri="{FF2B5EF4-FFF2-40B4-BE49-F238E27FC236}">
+                <a16:creationId xmlns:a16="http://schemas.microsoft.com/office/drawing/2014/main" id="{DD942F59-E131-A584-E22F-27349A2F2E6C}"/>
+              </a:ext>
+            </a:extLst>
+          </p:cNvPr>
           <p:cNvSpPr>
             <a:spLocks noGrp="1"/>
           </p:cNvSpPr>
@@ -4436,14 +4211,12 @@
         </p:nvSpPr>
         <p:spPr>
           <a:xfrm>
-            <a:off x="7190747" y="2126222"/>
-            <a:ext cx="4313864" cy="3777622"/>
+            <a:off x="6172200" y="1825625"/>
+            <a:ext cx="5181600" cy="4351338"/>
           </a:xfrm>
         </p:spPr>
         <p:txBody>
-          <a:bodyPr>
-            <a:normAutofit/>
-          </a:bodyPr>
+          <a:bodyPr/>
           <a:lstStyle/>
           <a:p>
             <a:pPr lvl="0"/>
@@ -4479,13 +4252,18 @@
               <a:rPr lang="en-US"/>
               <a:t>Fifth level</a:t>
             </a:r>
-            <a:endParaRPr lang="en-US" dirty="0"/>
-          </a:p>
-        </p:txBody>
-      </p:sp>
-      <p:sp>
-        <p:nvSpPr>
-          <p:cNvPr id="5" name="Date Placeholder 4"/>
+          </a:p>
+        </p:txBody>
+      </p:sp>
+      <p:sp>
+        <p:nvSpPr>
+          <p:cNvPr id="5" name="Date Placeholder 4">
+            <a:extLst>
+              <a:ext uri="{FF2B5EF4-FFF2-40B4-BE49-F238E27FC236}">
+                <a16:creationId xmlns:a16="http://schemas.microsoft.com/office/drawing/2014/main" id="{927F469C-E9F3-80A7-5253-58CD5A9C0C29}"/>
+              </a:ext>
+            </a:extLst>
+          </p:cNvPr>
           <p:cNvSpPr>
             <a:spLocks noGrp="1"/>
           </p:cNvSpPr>
@@ -4500,7 +4278,7 @@
           <a:p>
             <a:fld id="{74CECDD8-AECE-0D4A-A402-9518D275F65F}" type="datetimeFigureOut">
               <a:rPr lang="en-US" smtClean="0"/>
-              <a:t>6/15/23</a:t>
+              <a:t>8/9/2023</a:t>
             </a:fld>
             <a:endParaRPr lang="en-US"/>
           </a:p>
@@ -4508,7 +4286,13 @@
       </p:sp>
       <p:sp>
         <p:nvSpPr>
-          <p:cNvPr id="6" name="Footer Placeholder 5"/>
+          <p:cNvPr id="6" name="Footer Placeholder 5">
+            <a:extLst>
+              <a:ext uri="{FF2B5EF4-FFF2-40B4-BE49-F238E27FC236}">
+                <a16:creationId xmlns:a16="http://schemas.microsoft.com/office/drawing/2014/main" id="{8D9419B1-2EA9-515F-C036-4018F5F63FA7}"/>
+              </a:ext>
+            </a:extLst>
+          </p:cNvPr>
           <p:cNvSpPr>
             <a:spLocks noGrp="1"/>
           </p:cNvSpPr>
@@ -4527,89 +4311,13 @@
       </p:sp>
       <p:sp>
         <p:nvSpPr>
-          <p:cNvPr id="10" name="Freeform 11"/>
-          <p:cNvSpPr/>
-          <p:nvPr/>
-        </p:nvSpPr>
-        <p:spPr bwMode="auto">
-          <a:xfrm flipV="1">
-            <a:off x="-4189" y="714375"/>
-            <a:ext cx="1588527" cy="507297"/>
-          </a:xfrm>
-          <a:custGeom>
-            <a:avLst/>
-            <a:gdLst/>
-            <a:ahLst/>
-            <a:cxnLst/>
-            <a:rect l="l" t="t" r="r" b="b"/>
-            <a:pathLst>
-              <a:path w="9248" h="10000">
-                <a:moveTo>
-                  <a:pt x="9248" y="4701"/>
-                </a:moveTo>
-                <a:lnTo>
-                  <a:pt x="7915" y="188"/>
-                </a:lnTo>
-                <a:cubicBezTo>
-                  <a:pt x="7906" y="156"/>
-                  <a:pt x="7895" y="126"/>
-                  <a:pt x="7886" y="94"/>
-                </a:cubicBezTo>
-                <a:cubicBezTo>
-                  <a:pt x="7859" y="0"/>
-                  <a:pt x="7831" y="0"/>
-                  <a:pt x="7803" y="0"/>
-                </a:cubicBezTo>
-                <a:lnTo>
-                  <a:pt x="7275" y="0"/>
-                </a:lnTo>
-                <a:lnTo>
-                  <a:pt x="0" y="70"/>
-                </a:lnTo>
-                <a:cubicBezTo>
-                  <a:pt x="8" y="3380"/>
-                  <a:pt x="17" y="6690"/>
-                  <a:pt x="25" y="10000"/>
-                </a:cubicBezTo>
-                <a:lnTo>
-                  <a:pt x="7275" y="9966"/>
-                </a:lnTo>
-                <a:lnTo>
-                  <a:pt x="7803" y="9966"/>
-                </a:lnTo>
-                <a:cubicBezTo>
-                  <a:pt x="7831" y="9966"/>
-                  <a:pt x="7859" y="9872"/>
-                  <a:pt x="7886" y="9872"/>
-                </a:cubicBezTo>
-                <a:cubicBezTo>
-                  <a:pt x="7886" y="9778"/>
-                  <a:pt x="7915" y="9778"/>
-                  <a:pt x="7915" y="9778"/>
-                </a:cubicBezTo>
-                <a:lnTo>
-                  <a:pt x="9248" y="5265"/>
-                </a:lnTo>
-                <a:cubicBezTo>
-                  <a:pt x="9303" y="5077"/>
-                  <a:pt x="9303" y="4889"/>
-                  <a:pt x="9248" y="4701"/>
-                </a:cubicBezTo>
-                <a:close/>
-              </a:path>
-            </a:pathLst>
-          </a:custGeom>
-          <a:solidFill>
-            <a:schemeClr val="accent1"/>
-          </a:solidFill>
-          <a:ln>
-            <a:noFill/>
-          </a:ln>
-        </p:spPr>
-      </p:sp>
-      <p:sp>
-        <p:nvSpPr>
-          <p:cNvPr id="11" name="Slide Number Placeholder 5"/>
+          <p:cNvPr id="7" name="Slide Number Placeholder 6">
+            <a:extLst>
+              <a:ext uri="{FF2B5EF4-FFF2-40B4-BE49-F238E27FC236}">
+                <a16:creationId xmlns:a16="http://schemas.microsoft.com/office/drawing/2014/main" id="{2B586063-849D-AC44-4F87-13710C507A52}"/>
+              </a:ext>
+            </a:extLst>
+          </p:cNvPr>
           <p:cNvSpPr>
             <a:spLocks noGrp="1"/>
           </p:cNvSpPr>
@@ -4617,12 +4325,7 @@
             <p:ph type="sldNum" sz="quarter" idx="12"/>
           </p:nvPr>
         </p:nvSpPr>
-        <p:spPr>
-          <a:xfrm>
-            <a:off x="531812" y="787782"/>
-            <a:ext cx="779767" cy="365125"/>
-          </a:xfrm>
-        </p:spPr>
+        <p:spPr/>
         <p:txBody>
           <a:bodyPr/>
           <a:lstStyle/>
@@ -4638,7 +4341,7 @@
     </p:spTree>
     <p:extLst>
       <p:ext uri="{BB962C8B-B14F-4D97-AF65-F5344CB8AC3E}">
-        <p14:creationId xmlns:p14="http://schemas.microsoft.com/office/powerpoint/2010/main" val="3390019809"/>
+        <p14:creationId xmlns:p14="http://schemas.microsoft.com/office/powerpoint/2010/main" val="3769989136"/>
       </p:ext>
     </p:extLst>
   </p:cSld>
@@ -4667,7 +4370,13 @@
       </p:grpSpPr>
       <p:sp>
         <p:nvSpPr>
-          <p:cNvPr id="10" name="Title 9"/>
+          <p:cNvPr id="2" name="Title 1">
+            <a:extLst>
+              <a:ext uri="{FF2B5EF4-FFF2-40B4-BE49-F238E27FC236}">
+                <a16:creationId xmlns:a16="http://schemas.microsoft.com/office/drawing/2014/main" id="{DAD218EF-6204-AAEE-04A1-A33883241770}"/>
+              </a:ext>
+            </a:extLst>
+          </p:cNvPr>
           <p:cNvSpPr>
             <a:spLocks noGrp="1"/>
           </p:cNvSpPr>
@@ -4675,7 +4384,12 @@
             <p:ph type="title"/>
           </p:nvPr>
         </p:nvSpPr>
-        <p:spPr/>
+        <p:spPr>
+          <a:xfrm>
+            <a:off x="839788" y="365125"/>
+            <a:ext cx="10515600" cy="1325563"/>
+          </a:xfrm>
+        </p:spPr>
         <p:txBody>
           <a:bodyPr/>
           <a:lstStyle/>
@@ -4684,13 +4398,18 @@
               <a:rPr lang="en-US"/>
               <a:t>Click to edit Master title style</a:t>
             </a:r>
-            <a:endParaRPr lang="en-US" dirty="0"/>
-          </a:p>
-        </p:txBody>
-      </p:sp>
-      <p:sp>
-        <p:nvSpPr>
-          <p:cNvPr id="3" name="Text Placeholder 2"/>
+          </a:p>
+        </p:txBody>
+      </p:sp>
+      <p:sp>
+        <p:nvSpPr>
+          <p:cNvPr id="3" name="Text Placeholder 2">
+            <a:extLst>
+              <a:ext uri="{FF2B5EF4-FFF2-40B4-BE49-F238E27FC236}">
+                <a16:creationId xmlns:a16="http://schemas.microsoft.com/office/drawing/2014/main" id="{47EBFA97-B849-2EDD-54B3-4798A88735FE}"/>
+              </a:ext>
+            </a:extLst>
+          </p:cNvPr>
           <p:cNvSpPr>
             <a:spLocks noGrp="1"/>
           </p:cNvSpPr>
@@ -4700,18 +4419,16 @@
         </p:nvSpPr>
         <p:spPr>
           <a:xfrm>
-            <a:off x="2939373" y="1972703"/>
-            <a:ext cx="3992732" cy="576262"/>
+            <a:off x="839788" y="1681163"/>
+            <a:ext cx="5157787" cy="823912"/>
           </a:xfrm>
         </p:spPr>
         <p:txBody>
-          <a:bodyPr anchor="b">
-            <a:noAutofit/>
-          </a:bodyPr>
+          <a:bodyPr anchor="b"/>
           <a:lstStyle>
             <a:lvl1pPr marL="0" indent="0">
               <a:buNone/>
-              <a:defRPr sz="2400" b="0"/>
+              <a:defRPr sz="2400" b="1"/>
             </a:lvl1pPr>
             <a:lvl2pPr marL="457200" indent="0">
               <a:buNone/>
@@ -4757,7 +4474,13 @@
       </p:sp>
       <p:sp>
         <p:nvSpPr>
-          <p:cNvPr id="4" name="Content Placeholder 3"/>
+          <p:cNvPr id="4" name="Content Placeholder 3">
+            <a:extLst>
+              <a:ext uri="{FF2B5EF4-FFF2-40B4-BE49-F238E27FC236}">
+                <a16:creationId xmlns:a16="http://schemas.microsoft.com/office/drawing/2014/main" id="{9619D7CE-651F-9A56-608D-3FDF2CC7499F}"/>
+              </a:ext>
+            </a:extLst>
+          </p:cNvPr>
           <p:cNvSpPr>
             <a:spLocks noGrp="1"/>
           </p:cNvSpPr>
@@ -4767,14 +4490,12 @@
         </p:nvSpPr>
         <p:spPr>
           <a:xfrm>
-            <a:off x="2589212" y="2548966"/>
-            <a:ext cx="4342893" cy="3354060"/>
+            <a:off x="839788" y="2505075"/>
+            <a:ext cx="5157787" cy="3684588"/>
           </a:xfrm>
         </p:spPr>
         <p:txBody>
-          <a:bodyPr>
-            <a:normAutofit/>
-          </a:bodyPr>
+          <a:bodyPr/>
           <a:lstStyle/>
           <a:p>
             <a:pPr lvl="0"/>
@@ -4810,13 +4531,18 @@
               <a:rPr lang="en-US"/>
               <a:t>Fifth level</a:t>
             </a:r>
-            <a:endParaRPr lang="en-US" dirty="0"/>
-          </a:p>
-        </p:txBody>
-      </p:sp>
-      <p:sp>
-        <p:nvSpPr>
-          <p:cNvPr id="5" name="Text Placeholder 4"/>
+          </a:p>
+        </p:txBody>
+      </p:sp>
+      <p:sp>
+        <p:nvSpPr>
+          <p:cNvPr id="5" name="Text Placeholder 4">
+            <a:extLst>
+              <a:ext uri="{FF2B5EF4-FFF2-40B4-BE49-F238E27FC236}">
+                <a16:creationId xmlns:a16="http://schemas.microsoft.com/office/drawing/2014/main" id="{1ACAC977-BABC-3E41-D2C1-AD15C732E02E}"/>
+              </a:ext>
+            </a:extLst>
+          </p:cNvPr>
           <p:cNvSpPr>
             <a:spLocks noGrp="1"/>
           </p:cNvSpPr>
@@ -4826,18 +4552,16 @@
         </p:nvSpPr>
         <p:spPr>
           <a:xfrm>
-            <a:off x="7506629" y="1969475"/>
-            <a:ext cx="3999001" cy="576262"/>
+            <a:off x="6172200" y="1681163"/>
+            <a:ext cx="5183188" cy="823912"/>
           </a:xfrm>
         </p:spPr>
         <p:txBody>
-          <a:bodyPr anchor="b">
-            <a:noAutofit/>
-          </a:bodyPr>
+          <a:bodyPr anchor="b"/>
           <a:lstStyle>
             <a:lvl1pPr marL="0" indent="0">
               <a:buNone/>
-              <a:defRPr sz="2400" b="0"/>
+              <a:defRPr sz="2400" b="1"/>
             </a:lvl1pPr>
             <a:lvl2pPr marL="457200" indent="0">
               <a:buNone/>
@@ -4883,7 +4607,13 @@
       </p:sp>
       <p:sp>
         <p:nvSpPr>
-          <p:cNvPr id="6" name="Content Placeholder 5"/>
+          <p:cNvPr id="6" name="Content Placeholder 5">
+            <a:extLst>
+              <a:ext uri="{FF2B5EF4-FFF2-40B4-BE49-F238E27FC236}">
+                <a16:creationId xmlns:a16="http://schemas.microsoft.com/office/drawing/2014/main" id="{0DDABFFA-C9EE-1021-92EC-59D708867CAA}"/>
+              </a:ext>
+            </a:extLst>
+          </p:cNvPr>
           <p:cNvSpPr>
             <a:spLocks noGrp="1"/>
           </p:cNvSpPr>
@@ -4893,14 +4623,12 @@
         </p:nvSpPr>
         <p:spPr>
           <a:xfrm>
-            <a:off x="7166957" y="2545738"/>
-            <a:ext cx="4338674" cy="3354060"/>
+            <a:off x="6172200" y="2505075"/>
+            <a:ext cx="5183188" cy="3684588"/>
           </a:xfrm>
         </p:spPr>
         <p:txBody>
-          <a:bodyPr>
-            <a:normAutofit/>
-          </a:bodyPr>
+          <a:bodyPr/>
           <a:lstStyle/>
           <a:p>
             <a:pPr lvl="0"/>
@@ -4936,13 +4664,18 @@
               <a:rPr lang="en-US"/>
               <a:t>Fifth level</a:t>
             </a:r>
-            <a:endParaRPr lang="en-US" dirty="0"/>
-          </a:p>
-        </p:txBody>
-      </p:sp>
-      <p:sp>
-        <p:nvSpPr>
-          <p:cNvPr id="7" name="Date Placeholder 6"/>
+          </a:p>
+        </p:txBody>
+      </p:sp>
+      <p:sp>
+        <p:nvSpPr>
+          <p:cNvPr id="7" name="Date Placeholder 6">
+            <a:extLst>
+              <a:ext uri="{FF2B5EF4-FFF2-40B4-BE49-F238E27FC236}">
+                <a16:creationId xmlns:a16="http://schemas.microsoft.com/office/drawing/2014/main" id="{151D9708-2AE2-0438-CA18-3678A1DC11BC}"/>
+              </a:ext>
+            </a:extLst>
+          </p:cNvPr>
           <p:cNvSpPr>
             <a:spLocks noGrp="1"/>
           </p:cNvSpPr>
@@ -4957,7 +4690,7 @@
           <a:p>
             <a:fld id="{74CECDD8-AECE-0D4A-A402-9518D275F65F}" type="datetimeFigureOut">
               <a:rPr lang="en-US" smtClean="0"/>
-              <a:t>6/15/23</a:t>
+              <a:t>8/9/2023</a:t>
             </a:fld>
             <a:endParaRPr lang="en-US"/>
           </a:p>
@@ -4965,7 +4698,13 @@
       </p:sp>
       <p:sp>
         <p:nvSpPr>
-          <p:cNvPr id="8" name="Footer Placeholder 7"/>
+          <p:cNvPr id="8" name="Footer Placeholder 7">
+            <a:extLst>
+              <a:ext uri="{FF2B5EF4-FFF2-40B4-BE49-F238E27FC236}">
+                <a16:creationId xmlns:a16="http://schemas.microsoft.com/office/drawing/2014/main" id="{F72337DF-B06F-545D-FE69-B0A294D77154}"/>
+              </a:ext>
+            </a:extLst>
+          </p:cNvPr>
           <p:cNvSpPr>
             <a:spLocks noGrp="1"/>
           </p:cNvSpPr>
@@ -4984,89 +4723,13 @@
       </p:sp>
       <p:sp>
         <p:nvSpPr>
-          <p:cNvPr id="12" name="Freeform 11"/>
-          <p:cNvSpPr/>
-          <p:nvPr/>
-        </p:nvSpPr>
-        <p:spPr bwMode="auto">
-          <a:xfrm flipV="1">
-            <a:off x="-4189" y="714375"/>
-            <a:ext cx="1588527" cy="507297"/>
-          </a:xfrm>
-          <a:custGeom>
-            <a:avLst/>
-            <a:gdLst/>
-            <a:ahLst/>
-            <a:cxnLst/>
-            <a:rect l="l" t="t" r="r" b="b"/>
-            <a:pathLst>
-              <a:path w="9248" h="10000">
-                <a:moveTo>
-                  <a:pt x="9248" y="4701"/>
-                </a:moveTo>
-                <a:lnTo>
-                  <a:pt x="7915" y="188"/>
-                </a:lnTo>
-                <a:cubicBezTo>
-                  <a:pt x="7906" y="156"/>
-                  <a:pt x="7895" y="126"/>
-                  <a:pt x="7886" y="94"/>
-                </a:cubicBezTo>
-                <a:cubicBezTo>
-                  <a:pt x="7859" y="0"/>
-                  <a:pt x="7831" y="0"/>
-                  <a:pt x="7803" y="0"/>
-                </a:cubicBezTo>
-                <a:lnTo>
-                  <a:pt x="7275" y="0"/>
-                </a:lnTo>
-                <a:lnTo>
-                  <a:pt x="0" y="70"/>
-                </a:lnTo>
-                <a:cubicBezTo>
-                  <a:pt x="8" y="3380"/>
-                  <a:pt x="17" y="6690"/>
-                  <a:pt x="25" y="10000"/>
-                </a:cubicBezTo>
-                <a:lnTo>
-                  <a:pt x="7275" y="9966"/>
-                </a:lnTo>
-                <a:lnTo>
-                  <a:pt x="7803" y="9966"/>
-                </a:lnTo>
-                <a:cubicBezTo>
-                  <a:pt x="7831" y="9966"/>
-                  <a:pt x="7859" y="9872"/>
-                  <a:pt x="7886" y="9872"/>
-                </a:cubicBezTo>
-                <a:cubicBezTo>
-                  <a:pt x="7886" y="9778"/>
-                  <a:pt x="7915" y="9778"/>
-                  <a:pt x="7915" y="9778"/>
-                </a:cubicBezTo>
-                <a:lnTo>
-                  <a:pt x="9248" y="5265"/>
-                </a:lnTo>
-                <a:cubicBezTo>
-                  <a:pt x="9303" y="5077"/>
-                  <a:pt x="9303" y="4889"/>
-                  <a:pt x="9248" y="4701"/>
-                </a:cubicBezTo>
-                <a:close/>
-              </a:path>
-            </a:pathLst>
-          </a:custGeom>
-          <a:solidFill>
-            <a:schemeClr val="accent1"/>
-          </a:solidFill>
-          <a:ln>
-            <a:noFill/>
-          </a:ln>
-        </p:spPr>
-      </p:sp>
-      <p:sp>
-        <p:nvSpPr>
-          <p:cNvPr id="13" name="Slide Number Placeholder 5"/>
+          <p:cNvPr id="9" name="Slide Number Placeholder 8">
+            <a:extLst>
+              <a:ext uri="{FF2B5EF4-FFF2-40B4-BE49-F238E27FC236}">
+                <a16:creationId xmlns:a16="http://schemas.microsoft.com/office/drawing/2014/main" id="{61E00B05-A75A-985A-4E72-A28F421406DE}"/>
+              </a:ext>
+            </a:extLst>
+          </p:cNvPr>
           <p:cNvSpPr>
             <a:spLocks noGrp="1"/>
           </p:cNvSpPr>
@@ -5074,12 +4737,7 @@
             <p:ph type="sldNum" sz="quarter" idx="12"/>
           </p:nvPr>
         </p:nvSpPr>
-        <p:spPr>
-          <a:xfrm>
-            <a:off x="531812" y="787782"/>
-            <a:ext cx="779767" cy="365125"/>
-          </a:xfrm>
-        </p:spPr>
+        <p:spPr/>
         <p:txBody>
           <a:bodyPr/>
           <a:lstStyle/>
@@ -5095,7 +4753,7 @@
     </p:spTree>
     <p:extLst>
       <p:ext uri="{BB962C8B-B14F-4D97-AF65-F5344CB8AC3E}">
-        <p14:creationId xmlns:p14="http://schemas.microsoft.com/office/powerpoint/2010/main" val="499926881"/>
+        <p14:creationId xmlns:p14="http://schemas.microsoft.com/office/powerpoint/2010/main" val="1618452509"/>
       </p:ext>
     </p:extLst>
   </p:cSld>
@@ -5124,7 +4782,13 @@
       </p:grpSpPr>
       <p:sp>
         <p:nvSpPr>
-          <p:cNvPr id="2" name="Title 1"/>
+          <p:cNvPr id="2" name="Title 1">
+            <a:extLst>
+              <a:ext uri="{FF2B5EF4-FFF2-40B4-BE49-F238E27FC236}">
+                <a16:creationId xmlns:a16="http://schemas.microsoft.com/office/drawing/2014/main" id="{A356FA06-5B81-4667-05C6-F17B0F61D386}"/>
+              </a:ext>
+            </a:extLst>
+          </p:cNvPr>
           <p:cNvSpPr>
             <a:spLocks noGrp="1"/>
           </p:cNvSpPr>
@@ -5141,13 +4805,18 @@
               <a:rPr lang="en-US"/>
               <a:t>Click to edit Master title style</a:t>
             </a:r>
-            <a:endParaRPr lang="en-US" dirty="0"/>
-          </a:p>
-        </p:txBody>
-      </p:sp>
-      <p:sp>
-        <p:nvSpPr>
-          <p:cNvPr id="3" name="Date Placeholder 2"/>
+          </a:p>
+        </p:txBody>
+      </p:sp>
+      <p:sp>
+        <p:nvSpPr>
+          <p:cNvPr id="3" name="Date Placeholder 2">
+            <a:extLst>
+              <a:ext uri="{FF2B5EF4-FFF2-40B4-BE49-F238E27FC236}">
+                <a16:creationId xmlns:a16="http://schemas.microsoft.com/office/drawing/2014/main" id="{538B00E0-10CA-19D2-51B9-C20B9FE1791E}"/>
+              </a:ext>
+            </a:extLst>
+          </p:cNvPr>
           <p:cNvSpPr>
             <a:spLocks noGrp="1"/>
           </p:cNvSpPr>
@@ -5162,7 +4831,7 @@
           <a:p>
             <a:fld id="{74CECDD8-AECE-0D4A-A402-9518D275F65F}" type="datetimeFigureOut">
               <a:rPr lang="en-US" smtClean="0"/>
-              <a:t>6/15/23</a:t>
+              <a:t>8/9/2023</a:t>
             </a:fld>
             <a:endParaRPr lang="en-US"/>
           </a:p>
@@ -5170,7 +4839,13 @@
       </p:sp>
       <p:sp>
         <p:nvSpPr>
-          <p:cNvPr id="4" name="Footer Placeholder 3"/>
+          <p:cNvPr id="4" name="Footer Placeholder 3">
+            <a:extLst>
+              <a:ext uri="{FF2B5EF4-FFF2-40B4-BE49-F238E27FC236}">
+                <a16:creationId xmlns:a16="http://schemas.microsoft.com/office/drawing/2014/main" id="{E462937F-E0C4-E7AA-E0CB-385AA05B9461}"/>
+              </a:ext>
+            </a:extLst>
+          </p:cNvPr>
           <p:cNvSpPr>
             <a:spLocks noGrp="1"/>
           </p:cNvSpPr>
@@ -5189,89 +4864,13 @@
       </p:sp>
       <p:sp>
         <p:nvSpPr>
-          <p:cNvPr id="7" name="Freeform 11"/>
-          <p:cNvSpPr/>
-          <p:nvPr/>
-        </p:nvSpPr>
-        <p:spPr bwMode="auto">
-          <a:xfrm flipV="1">
-            <a:off x="-4189" y="714375"/>
-            <a:ext cx="1588527" cy="507297"/>
-          </a:xfrm>
-          <a:custGeom>
-            <a:avLst/>
-            <a:gdLst/>
-            <a:ahLst/>
-            <a:cxnLst/>
-            <a:rect l="l" t="t" r="r" b="b"/>
-            <a:pathLst>
-              <a:path w="9248" h="10000">
-                <a:moveTo>
-                  <a:pt x="9248" y="4701"/>
-                </a:moveTo>
-                <a:lnTo>
-                  <a:pt x="7915" y="188"/>
-                </a:lnTo>
-                <a:cubicBezTo>
-                  <a:pt x="7906" y="156"/>
-                  <a:pt x="7895" y="126"/>
-                  <a:pt x="7886" y="94"/>
-                </a:cubicBezTo>
-                <a:cubicBezTo>
-                  <a:pt x="7859" y="0"/>
-                  <a:pt x="7831" y="0"/>
-                  <a:pt x="7803" y="0"/>
-                </a:cubicBezTo>
-                <a:lnTo>
-                  <a:pt x="7275" y="0"/>
-                </a:lnTo>
-                <a:lnTo>
-                  <a:pt x="0" y="70"/>
-                </a:lnTo>
-                <a:cubicBezTo>
-                  <a:pt x="8" y="3380"/>
-                  <a:pt x="17" y="6690"/>
-                  <a:pt x="25" y="10000"/>
-                </a:cubicBezTo>
-                <a:lnTo>
-                  <a:pt x="7275" y="9966"/>
-                </a:lnTo>
-                <a:lnTo>
-                  <a:pt x="7803" y="9966"/>
-                </a:lnTo>
-                <a:cubicBezTo>
-                  <a:pt x="7831" y="9966"/>
-                  <a:pt x="7859" y="9872"/>
-                  <a:pt x="7886" y="9872"/>
-                </a:cubicBezTo>
-                <a:cubicBezTo>
-                  <a:pt x="7886" y="9778"/>
-                  <a:pt x="7915" y="9778"/>
-                  <a:pt x="7915" y="9778"/>
-                </a:cubicBezTo>
-                <a:lnTo>
-                  <a:pt x="9248" y="5265"/>
-                </a:lnTo>
-                <a:cubicBezTo>
-                  <a:pt x="9303" y="5077"/>
-                  <a:pt x="9303" y="4889"/>
-                  <a:pt x="9248" y="4701"/>
-                </a:cubicBezTo>
-                <a:close/>
-              </a:path>
-            </a:pathLst>
-          </a:custGeom>
-          <a:solidFill>
-            <a:schemeClr val="accent1"/>
-          </a:solidFill>
-          <a:ln>
-            <a:noFill/>
-          </a:ln>
-        </p:spPr>
-      </p:sp>
-      <p:sp>
-        <p:nvSpPr>
-          <p:cNvPr id="5" name="Slide Number Placeholder 4"/>
+          <p:cNvPr id="5" name="Slide Number Placeholder 4">
+            <a:extLst>
+              <a:ext uri="{FF2B5EF4-FFF2-40B4-BE49-F238E27FC236}">
+                <a16:creationId xmlns:a16="http://schemas.microsoft.com/office/drawing/2014/main" id="{9CB70363-AE4B-350F-2AA6-854557B94F63}"/>
+              </a:ext>
+            </a:extLst>
+          </p:cNvPr>
           <p:cNvSpPr>
             <a:spLocks noGrp="1"/>
           </p:cNvSpPr>
@@ -5295,7 +4894,7 @@
     </p:spTree>
     <p:extLst>
       <p:ext uri="{BB962C8B-B14F-4D97-AF65-F5344CB8AC3E}">
-        <p14:creationId xmlns:p14="http://schemas.microsoft.com/office/powerpoint/2010/main" val="3907477815"/>
+        <p14:creationId xmlns:p14="http://schemas.microsoft.com/office/powerpoint/2010/main" val="1564096307"/>
       </p:ext>
     </p:extLst>
   </p:cSld>
@@ -5324,7 +4923,13 @@
       </p:grpSpPr>
       <p:sp>
         <p:nvSpPr>
-          <p:cNvPr id="2" name="Date Placeholder 1"/>
+          <p:cNvPr id="2" name="Date Placeholder 1">
+            <a:extLst>
+              <a:ext uri="{FF2B5EF4-FFF2-40B4-BE49-F238E27FC236}">
+                <a16:creationId xmlns:a16="http://schemas.microsoft.com/office/drawing/2014/main" id="{F6C5DCB9-A8E2-A630-C549-85B4B646317B}"/>
+              </a:ext>
+            </a:extLst>
+          </p:cNvPr>
           <p:cNvSpPr>
             <a:spLocks noGrp="1"/>
           </p:cNvSpPr>
@@ -5339,7 +4944,7 @@
           <a:p>
             <a:fld id="{74CECDD8-AECE-0D4A-A402-9518D275F65F}" type="datetimeFigureOut">
               <a:rPr lang="en-US" smtClean="0"/>
-              <a:t>6/15/23</a:t>
+              <a:t>8/9/2023</a:t>
             </a:fld>
             <a:endParaRPr lang="en-US"/>
           </a:p>
@@ -5347,7 +4952,13 @@
       </p:sp>
       <p:sp>
         <p:nvSpPr>
-          <p:cNvPr id="3" name="Footer Placeholder 2"/>
+          <p:cNvPr id="3" name="Footer Placeholder 2">
+            <a:extLst>
+              <a:ext uri="{FF2B5EF4-FFF2-40B4-BE49-F238E27FC236}">
+                <a16:creationId xmlns:a16="http://schemas.microsoft.com/office/drawing/2014/main" id="{861CBCA4-710D-FDCB-5209-78373E42AA90}"/>
+              </a:ext>
+            </a:extLst>
+          </p:cNvPr>
           <p:cNvSpPr>
             <a:spLocks noGrp="1"/>
           </p:cNvSpPr>
@@ -5366,89 +4977,13 @@
       </p:sp>
       <p:sp>
         <p:nvSpPr>
-          <p:cNvPr id="6" name="Freeform 11"/>
-          <p:cNvSpPr/>
-          <p:nvPr/>
-        </p:nvSpPr>
-        <p:spPr bwMode="auto">
-          <a:xfrm flipV="1">
-            <a:off x="-4189" y="714375"/>
-            <a:ext cx="1588527" cy="507297"/>
-          </a:xfrm>
-          <a:custGeom>
-            <a:avLst/>
-            <a:gdLst/>
-            <a:ahLst/>
-            <a:cxnLst/>
-            <a:rect l="l" t="t" r="r" b="b"/>
-            <a:pathLst>
-              <a:path w="9248" h="10000">
-                <a:moveTo>
-                  <a:pt x="9248" y="4701"/>
-                </a:moveTo>
-                <a:lnTo>
-                  <a:pt x="7915" y="188"/>
-                </a:lnTo>
-                <a:cubicBezTo>
-                  <a:pt x="7906" y="156"/>
-                  <a:pt x="7895" y="126"/>
-                  <a:pt x="7886" y="94"/>
-                </a:cubicBezTo>
-                <a:cubicBezTo>
-                  <a:pt x="7859" y="0"/>
-                  <a:pt x="7831" y="0"/>
-                  <a:pt x="7803" y="0"/>
-                </a:cubicBezTo>
-                <a:lnTo>
-                  <a:pt x="7275" y="0"/>
-                </a:lnTo>
-                <a:lnTo>
-                  <a:pt x="0" y="70"/>
-                </a:lnTo>
-                <a:cubicBezTo>
-                  <a:pt x="8" y="3380"/>
-                  <a:pt x="17" y="6690"/>
-                  <a:pt x="25" y="10000"/>
-                </a:cubicBezTo>
-                <a:lnTo>
-                  <a:pt x="7275" y="9966"/>
-                </a:lnTo>
-                <a:lnTo>
-                  <a:pt x="7803" y="9966"/>
-                </a:lnTo>
-                <a:cubicBezTo>
-                  <a:pt x="7831" y="9966"/>
-                  <a:pt x="7859" y="9872"/>
-                  <a:pt x="7886" y="9872"/>
-                </a:cubicBezTo>
-                <a:cubicBezTo>
-                  <a:pt x="7886" y="9778"/>
-                  <a:pt x="7915" y="9778"/>
-                  <a:pt x="7915" y="9778"/>
-                </a:cubicBezTo>
-                <a:lnTo>
-                  <a:pt x="9248" y="5265"/>
-                </a:lnTo>
-                <a:cubicBezTo>
-                  <a:pt x="9303" y="5077"/>
-                  <a:pt x="9303" y="4889"/>
-                  <a:pt x="9248" y="4701"/>
-                </a:cubicBezTo>
-                <a:close/>
-              </a:path>
-            </a:pathLst>
-          </a:custGeom>
-          <a:solidFill>
-            <a:schemeClr val="accent1"/>
-          </a:solidFill>
-          <a:ln>
-            <a:noFill/>
-          </a:ln>
-        </p:spPr>
-      </p:sp>
-      <p:sp>
-        <p:nvSpPr>
-          <p:cNvPr id="4" name="Slide Number Placeholder 3"/>
+          <p:cNvPr id="4" name="Slide Number Placeholder 3">
+            <a:extLst>
+              <a:ext uri="{FF2B5EF4-FFF2-40B4-BE49-F238E27FC236}">
+                <a16:creationId xmlns:a16="http://schemas.microsoft.com/office/drawing/2014/main" id="{6C9863A8-EEDF-1649-3CC2-4F9B317BC111}"/>
+              </a:ext>
+            </a:extLst>
+          </p:cNvPr>
           <p:cNvSpPr>
             <a:spLocks noGrp="1"/>
           </p:cNvSpPr>
@@ -5472,7 +5007,7 @@
     </p:spTree>
     <p:extLst>
       <p:ext uri="{BB962C8B-B14F-4D97-AF65-F5344CB8AC3E}">
-        <p14:creationId xmlns:p14="http://schemas.microsoft.com/office/powerpoint/2010/main" val="492442976"/>
+        <p14:creationId xmlns:p14="http://schemas.microsoft.com/office/powerpoint/2010/main" val="3361330345"/>
       </p:ext>
     </p:extLst>
   </p:cSld>
@@ -5501,7 +5036,13 @@
       </p:grpSpPr>
       <p:sp>
         <p:nvSpPr>
-          <p:cNvPr id="2" name="Title 1"/>
+          <p:cNvPr id="2" name="Title 1">
+            <a:extLst>
+              <a:ext uri="{FF2B5EF4-FFF2-40B4-BE49-F238E27FC236}">
+                <a16:creationId xmlns:a16="http://schemas.microsoft.com/office/drawing/2014/main" id="{A3928AA7-E14D-652F-8512-103655063861}"/>
+              </a:ext>
+            </a:extLst>
+          </p:cNvPr>
           <p:cNvSpPr>
             <a:spLocks noGrp="1"/>
           </p:cNvSpPr>
@@ -5511,15 +5052,15 @@
         </p:nvSpPr>
         <p:spPr>
           <a:xfrm>
-            <a:off x="2589212" y="446088"/>
-            <a:ext cx="3505199" cy="976312"/>
+            <a:off x="839788" y="457200"/>
+            <a:ext cx="3932237" cy="1600200"/>
           </a:xfrm>
         </p:spPr>
         <p:txBody>
           <a:bodyPr anchor="b"/>
           <a:lstStyle>
-            <a:lvl1pPr algn="l">
-              <a:defRPr sz="2000" b="0"/>
+            <a:lvl1pPr>
+              <a:defRPr sz="3200"/>
             </a:lvl1pPr>
           </a:lstStyle>
           <a:p>
@@ -5527,13 +5068,18 @@
               <a:rPr lang="en-US"/>
               <a:t>Click to edit Master title style</a:t>
             </a:r>
-            <a:endParaRPr lang="en-US" dirty="0"/>
-          </a:p>
-        </p:txBody>
-      </p:sp>
-      <p:sp>
-        <p:nvSpPr>
-          <p:cNvPr id="3" name="Content Placeholder 2"/>
+          </a:p>
+        </p:txBody>
+      </p:sp>
+      <p:sp>
+        <p:nvSpPr>
+          <p:cNvPr id="3" name="Content Placeholder 2">
+            <a:extLst>
+              <a:ext uri="{FF2B5EF4-FFF2-40B4-BE49-F238E27FC236}">
+                <a16:creationId xmlns:a16="http://schemas.microsoft.com/office/drawing/2014/main" id="{255ABD1C-7B1E-E448-8113-A280C00884AA}"/>
+              </a:ext>
+            </a:extLst>
+          </p:cNvPr>
           <p:cNvSpPr>
             <a:spLocks noGrp="1"/>
           </p:cNvSpPr>
@@ -5543,15 +5089,41 @@
         </p:nvSpPr>
         <p:spPr>
           <a:xfrm>
-            <a:off x="6323012" y="446088"/>
-            <a:ext cx="5181600" cy="5414963"/>
+            <a:off x="5183188" y="987425"/>
+            <a:ext cx="6172200" cy="4873625"/>
           </a:xfrm>
         </p:spPr>
         <p:txBody>
-          <a:bodyPr anchor="ctr">
-            <a:normAutofit/>
-          </a:bodyPr>
-          <a:lstStyle/>
+          <a:bodyPr/>
+          <a:lstStyle>
+            <a:lvl1pPr>
+              <a:defRPr sz="3200"/>
+            </a:lvl1pPr>
+            <a:lvl2pPr>
+              <a:defRPr sz="2800"/>
+            </a:lvl2pPr>
+            <a:lvl3pPr>
+              <a:defRPr sz="2400"/>
+            </a:lvl3pPr>
+            <a:lvl4pPr>
+              <a:defRPr sz="2000"/>
+            </a:lvl4pPr>
+            <a:lvl5pPr>
+              <a:defRPr sz="2000"/>
+            </a:lvl5pPr>
+            <a:lvl6pPr>
+              <a:defRPr sz="2000"/>
+            </a:lvl6pPr>
+            <a:lvl7pPr>
+              <a:defRPr sz="2000"/>
+            </a:lvl7pPr>
+            <a:lvl8pPr>
+              <a:defRPr sz="2000"/>
+            </a:lvl8pPr>
+            <a:lvl9pPr>
+              <a:defRPr sz="2000"/>
+            </a:lvl9pPr>
+          </a:lstStyle>
           <a:p>
             <a:pPr lvl="0"/>
             <a:r>
@@ -5586,13 +5158,18 @@
               <a:rPr lang="en-US"/>
               <a:t>Fifth level</a:t>
             </a:r>
-            <a:endParaRPr lang="en-US" dirty="0"/>
-          </a:p>
-        </p:txBody>
-      </p:sp>
-      <p:sp>
-        <p:nvSpPr>
-          <p:cNvPr id="4" name="Text Placeholder 3"/>
+          </a:p>
+        </p:txBody>
+      </p:sp>
+      <p:sp>
+        <p:nvSpPr>
+          <p:cNvPr id="4" name="Text Placeholder 3">
+            <a:extLst>
+              <a:ext uri="{FF2B5EF4-FFF2-40B4-BE49-F238E27FC236}">
+                <a16:creationId xmlns:a16="http://schemas.microsoft.com/office/drawing/2014/main" id="{0DED7589-5A8D-599B-D629-EE341D506AA5}"/>
+              </a:ext>
+            </a:extLst>
+          </p:cNvPr>
           <p:cNvSpPr>
             <a:spLocks noGrp="1"/>
           </p:cNvSpPr>
@@ -5602,8 +5179,8 @@
         </p:nvSpPr>
         <p:spPr>
           <a:xfrm>
-            <a:off x="2589212" y="1598613"/>
-            <a:ext cx="3505199" cy="4262436"/>
+            <a:off x="839788" y="2057400"/>
+            <a:ext cx="3932237" cy="3811588"/>
           </a:xfrm>
         </p:spPr>
         <p:txBody>
@@ -5611,39 +5188,39 @@
           <a:lstStyle>
             <a:lvl1pPr marL="0" indent="0">
               <a:buNone/>
-              <a:defRPr sz="1400"/>
+              <a:defRPr sz="1600"/>
             </a:lvl1pPr>
             <a:lvl2pPr marL="457200" indent="0">
               <a:buNone/>
-              <a:defRPr sz="1200"/>
+              <a:defRPr sz="1400"/>
             </a:lvl2pPr>
             <a:lvl3pPr marL="914400" indent="0">
               <a:buNone/>
-              <a:defRPr sz="1000"/>
+              <a:defRPr sz="1200"/>
             </a:lvl3pPr>
             <a:lvl4pPr marL="1371600" indent="0">
               <a:buNone/>
-              <a:defRPr sz="900"/>
+              <a:defRPr sz="1000"/>
             </a:lvl4pPr>
             <a:lvl5pPr marL="1828800" indent="0">
               <a:buNone/>
-              <a:defRPr sz="900"/>
+              <a:defRPr sz="1000"/>
             </a:lvl5pPr>
             <a:lvl6pPr marL="2286000" indent="0">
               <a:buNone/>
-              <a:defRPr sz="900"/>
+              <a:defRPr sz="1000"/>
             </a:lvl6pPr>
             <a:lvl7pPr marL="2743200" indent="0">
               <a:buNone/>
-              <a:defRPr sz="900"/>
+              <a:defRPr sz="1000"/>
             </a:lvl7pPr>
             <a:lvl8pPr marL="3200400" indent="0">
               <a:buNone/>
-              <a:defRPr sz="900"/>
+              <a:defRPr sz="1000"/>
             </a:lvl8pPr>
             <a:lvl9pPr marL="3657600" indent="0">
               <a:buNone/>
-              <a:defRPr sz="900"/>
+              <a:defRPr sz="1000"/>
             </a:lvl9pPr>
           </a:lstStyle>
           <a:p>
@@ -5657,7 +5234,13 @@
       </p:sp>
       <p:sp>
         <p:nvSpPr>
-          <p:cNvPr id="5" name="Date Placeholder 4"/>
+          <p:cNvPr id="5" name="Date Placeholder 4">
+            <a:extLst>
+              <a:ext uri="{FF2B5EF4-FFF2-40B4-BE49-F238E27FC236}">
+                <a16:creationId xmlns:a16="http://schemas.microsoft.com/office/drawing/2014/main" id="{35D7E74E-79DD-74E1-7F23-EE0AA6F7ED92}"/>
+              </a:ext>
+            </a:extLst>
+          </p:cNvPr>
           <p:cNvSpPr>
             <a:spLocks noGrp="1"/>
           </p:cNvSpPr>
@@ -5672,7 +5255,7 @@
           <a:p>
             <a:fld id="{74CECDD8-AECE-0D4A-A402-9518D275F65F}" type="datetimeFigureOut">
               <a:rPr lang="en-US" smtClean="0"/>
-              <a:t>6/15/23</a:t>
+              <a:t>8/9/2023</a:t>
             </a:fld>
             <a:endParaRPr lang="en-US"/>
           </a:p>
@@ -5680,7 +5263,13 @@
       </p:sp>
       <p:sp>
         <p:nvSpPr>
-          <p:cNvPr id="6" name="Footer Placeholder 5"/>
+          <p:cNvPr id="6" name="Footer Placeholder 5">
+            <a:extLst>
+              <a:ext uri="{FF2B5EF4-FFF2-40B4-BE49-F238E27FC236}">
+                <a16:creationId xmlns:a16="http://schemas.microsoft.com/office/drawing/2014/main" id="{921007D7-24BF-9501-9CDB-7AB04E62A27D}"/>
+              </a:ext>
+            </a:extLst>
+          </p:cNvPr>
           <p:cNvSpPr>
             <a:spLocks noGrp="1"/>
           </p:cNvSpPr>
@@ -5699,89 +5288,13 @@
       </p:sp>
       <p:sp>
         <p:nvSpPr>
-          <p:cNvPr id="9" name="Freeform 11"/>
-          <p:cNvSpPr/>
-          <p:nvPr/>
-        </p:nvSpPr>
-        <p:spPr bwMode="auto">
-          <a:xfrm flipV="1">
-            <a:off x="-4189" y="714375"/>
-            <a:ext cx="1588527" cy="507297"/>
-          </a:xfrm>
-          <a:custGeom>
-            <a:avLst/>
-            <a:gdLst/>
-            <a:ahLst/>
-            <a:cxnLst/>
-            <a:rect l="l" t="t" r="r" b="b"/>
-            <a:pathLst>
-              <a:path w="9248" h="10000">
-                <a:moveTo>
-                  <a:pt x="9248" y="4701"/>
-                </a:moveTo>
-                <a:lnTo>
-                  <a:pt x="7915" y="188"/>
-                </a:lnTo>
-                <a:cubicBezTo>
-                  <a:pt x="7906" y="156"/>
-                  <a:pt x="7895" y="126"/>
-                  <a:pt x="7886" y="94"/>
-                </a:cubicBezTo>
-                <a:cubicBezTo>
-                  <a:pt x="7859" y="0"/>
-                  <a:pt x="7831" y="0"/>
-                  <a:pt x="7803" y="0"/>
-                </a:cubicBezTo>
-                <a:lnTo>
-                  <a:pt x="7275" y="0"/>
-                </a:lnTo>
-                <a:lnTo>
-                  <a:pt x="0" y="70"/>
-                </a:lnTo>
-                <a:cubicBezTo>
-                  <a:pt x="8" y="3380"/>
-                  <a:pt x="17" y="6690"/>
-                  <a:pt x="25" y="10000"/>
-                </a:cubicBezTo>
-                <a:lnTo>
-                  <a:pt x="7275" y="9966"/>
-                </a:lnTo>
-                <a:lnTo>
-                  <a:pt x="7803" y="9966"/>
-                </a:lnTo>
-                <a:cubicBezTo>
-                  <a:pt x="7831" y="9966"/>
-                  <a:pt x="7859" y="9872"/>
-                  <a:pt x="7886" y="9872"/>
-                </a:cubicBezTo>
-                <a:cubicBezTo>
-                  <a:pt x="7886" y="9778"/>
-                  <a:pt x="7915" y="9778"/>
-                  <a:pt x="7915" y="9778"/>
-                </a:cubicBezTo>
-                <a:lnTo>
-                  <a:pt x="9248" y="5265"/>
-                </a:lnTo>
-                <a:cubicBezTo>
-                  <a:pt x="9303" y="5077"/>
-                  <a:pt x="9303" y="4889"/>
-                  <a:pt x="9248" y="4701"/>
-                </a:cubicBezTo>
-                <a:close/>
-              </a:path>
-            </a:pathLst>
-          </a:custGeom>
-          <a:solidFill>
-            <a:schemeClr val="accent1"/>
-          </a:solidFill>
-          <a:ln>
-            <a:noFill/>
-          </a:ln>
-        </p:spPr>
-      </p:sp>
-      <p:sp>
-        <p:nvSpPr>
-          <p:cNvPr id="7" name="Slide Number Placeholder 6"/>
+          <p:cNvPr id="7" name="Slide Number Placeholder 6">
+            <a:extLst>
+              <a:ext uri="{FF2B5EF4-FFF2-40B4-BE49-F238E27FC236}">
+                <a16:creationId xmlns:a16="http://schemas.microsoft.com/office/drawing/2014/main" id="{768DFA59-18F8-8A62-B786-A680A6E0040F}"/>
+              </a:ext>
+            </a:extLst>
+          </p:cNvPr>
           <p:cNvSpPr>
             <a:spLocks noGrp="1"/>
           </p:cNvSpPr>
@@ -5805,7 +5318,7 @@
     </p:spTree>
     <p:extLst>
       <p:ext uri="{BB962C8B-B14F-4D97-AF65-F5344CB8AC3E}">
-        <p14:creationId xmlns:p14="http://schemas.microsoft.com/office/powerpoint/2010/main" val="2956295202"/>
+        <p14:creationId xmlns:p14="http://schemas.microsoft.com/office/powerpoint/2010/main" val="697723526"/>
       </p:ext>
     </p:extLst>
   </p:cSld>
@@ -5834,7 +5347,13 @@
       </p:grpSpPr>
       <p:sp>
         <p:nvSpPr>
-          <p:cNvPr id="2" name="Title 1"/>
+          <p:cNvPr id="2" name="Title 1">
+            <a:extLst>
+              <a:ext uri="{FF2B5EF4-FFF2-40B4-BE49-F238E27FC236}">
+                <a16:creationId xmlns:a16="http://schemas.microsoft.com/office/drawing/2014/main" id="{8A2C8525-6778-1340-752E-8D59D5CABF4F}"/>
+              </a:ext>
+            </a:extLst>
+          </p:cNvPr>
           <p:cNvSpPr>
             <a:spLocks noGrp="1"/>
           </p:cNvSpPr>
@@ -5844,17 +5363,15 @@
         </p:nvSpPr>
         <p:spPr>
           <a:xfrm>
-            <a:off x="2589213" y="4800600"/>
-            <a:ext cx="8915400" cy="566738"/>
+            <a:off x="839788" y="457200"/>
+            <a:ext cx="3932237" cy="1600200"/>
           </a:xfrm>
         </p:spPr>
         <p:txBody>
-          <a:bodyPr anchor="b">
-            <a:normAutofit/>
-          </a:bodyPr>
+          <a:bodyPr anchor="b"/>
           <a:lstStyle>
-            <a:lvl1pPr algn="l">
-              <a:defRPr sz="2400" b="0"/>
+            <a:lvl1pPr>
+              <a:defRPr sz="3200"/>
             </a:lvl1pPr>
           </a:lstStyle>
           <a:p>
@@ -5862,15 +5379,20 @@
               <a:rPr lang="en-US"/>
               <a:t>Click to edit Master title style</a:t>
             </a:r>
-            <a:endParaRPr lang="en-US" dirty="0"/>
-          </a:p>
-        </p:txBody>
-      </p:sp>
-      <p:sp>
-        <p:nvSpPr>
-          <p:cNvPr id="3" name="Picture Placeholder 2"/>
-          <p:cNvSpPr>
-            <a:spLocks noGrp="1" noChangeAspect="1"/>
+          </a:p>
+        </p:txBody>
+      </p:sp>
+      <p:sp>
+        <p:nvSpPr>
+          <p:cNvPr id="3" name="Picture Placeholder 2">
+            <a:extLst>
+              <a:ext uri="{FF2B5EF4-FFF2-40B4-BE49-F238E27FC236}">
+                <a16:creationId xmlns:a16="http://schemas.microsoft.com/office/drawing/2014/main" id="{649D28AD-A989-CD63-09A6-AE20227F2619}"/>
+              </a:ext>
+            </a:extLst>
+          </p:cNvPr>
+          <p:cNvSpPr>
+            <a:spLocks noGrp="1"/>
           </p:cNvSpPr>
           <p:nvPr>
             <p:ph type="pic" idx="1"/>
@@ -5878,120 +5400,118 @@
         </p:nvSpPr>
         <p:spPr>
           <a:xfrm>
-            <a:off x="2589212" y="634965"/>
-            <a:ext cx="8915400" cy="3854970"/>
+            <a:off x="5183188" y="987425"/>
+            <a:ext cx="6172200" cy="4873625"/>
           </a:xfrm>
         </p:spPr>
         <p:txBody>
-          <a:bodyPr anchor="t">
-            <a:normAutofit/>
-          </a:bodyPr>
+          <a:bodyPr/>
           <a:lstStyle>
-            <a:lvl1pPr marL="0" indent="0" algn="ctr">
+            <a:lvl1pPr marL="0" indent="0">
+              <a:buNone/>
+              <a:defRPr sz="3200"/>
+            </a:lvl1pPr>
+            <a:lvl2pPr marL="457200" indent="0">
+              <a:buNone/>
+              <a:defRPr sz="2800"/>
+            </a:lvl2pPr>
+            <a:lvl3pPr marL="914400" indent="0">
+              <a:buNone/>
+              <a:defRPr sz="2400"/>
+            </a:lvl3pPr>
+            <a:lvl4pPr marL="1371600" indent="0">
+              <a:buNone/>
+              <a:defRPr sz="2000"/>
+            </a:lvl4pPr>
+            <a:lvl5pPr marL="1828800" indent="0">
+              <a:buNone/>
+              <a:defRPr sz="2000"/>
+            </a:lvl5pPr>
+            <a:lvl6pPr marL="2286000" indent="0">
+              <a:buNone/>
+              <a:defRPr sz="2000"/>
+            </a:lvl6pPr>
+            <a:lvl7pPr marL="2743200" indent="0">
+              <a:buNone/>
+              <a:defRPr sz="2000"/>
+            </a:lvl7pPr>
+            <a:lvl8pPr marL="3200400" indent="0">
+              <a:buNone/>
+              <a:defRPr sz="2000"/>
+            </a:lvl8pPr>
+            <a:lvl9pPr marL="3657600" indent="0">
+              <a:buNone/>
+              <a:defRPr sz="2000"/>
+            </a:lvl9pPr>
+          </a:lstStyle>
+          <a:p>
+            <a:endParaRPr lang="en-US"/>
+          </a:p>
+        </p:txBody>
+      </p:sp>
+      <p:sp>
+        <p:nvSpPr>
+          <p:cNvPr id="4" name="Text Placeholder 3">
+            <a:extLst>
+              <a:ext uri="{FF2B5EF4-FFF2-40B4-BE49-F238E27FC236}">
+                <a16:creationId xmlns:a16="http://schemas.microsoft.com/office/drawing/2014/main" id="{2717253A-5CC5-4735-C1C9-46BF8C3D70AC}"/>
+              </a:ext>
+            </a:extLst>
+          </p:cNvPr>
+          <p:cNvSpPr>
+            <a:spLocks noGrp="1"/>
+          </p:cNvSpPr>
+          <p:nvPr>
+            <p:ph type="body" sz="half" idx="2"/>
+          </p:nvPr>
+        </p:nvSpPr>
+        <p:spPr>
+          <a:xfrm>
+            <a:off x="839788" y="2057400"/>
+            <a:ext cx="3932237" cy="3811588"/>
+          </a:xfrm>
+        </p:spPr>
+        <p:txBody>
+          <a:bodyPr/>
+          <a:lstStyle>
+            <a:lvl1pPr marL="0" indent="0">
               <a:buNone/>
               <a:defRPr sz="1600"/>
             </a:lvl1pPr>
             <a:lvl2pPr marL="457200" indent="0">
               <a:buNone/>
-              <a:defRPr sz="1600"/>
+              <a:defRPr sz="1400"/>
             </a:lvl2pPr>
             <a:lvl3pPr marL="914400" indent="0">
               <a:buNone/>
-              <a:defRPr sz="1600"/>
+              <a:defRPr sz="1200"/>
             </a:lvl3pPr>
             <a:lvl4pPr marL="1371600" indent="0">
               <a:buNone/>
-              <a:defRPr sz="1600"/>
+              <a:defRPr sz="1000"/>
             </a:lvl4pPr>
             <a:lvl5pPr marL="1828800" indent="0">
               <a:buNone/>
-              <a:defRPr sz="1600"/>
+              <a:defRPr sz="1000"/>
             </a:lvl5pPr>
             <a:lvl6pPr marL="2286000" indent="0">
               <a:buNone/>
-              <a:defRPr sz="1600"/>
+              <a:defRPr sz="1000"/>
             </a:lvl6pPr>
             <a:lvl7pPr marL="2743200" indent="0">
               <a:buNone/>
-              <a:defRPr sz="1600"/>
+              <a:defRPr sz="1000"/>
             </a:lvl7pPr>
             <a:lvl8pPr marL="3200400" indent="0">
               <a:buNone/>
-              <a:defRPr sz="1600"/>
+              <a:defRPr sz="1000"/>
             </a:lvl8pPr>
             <a:lvl9pPr marL="3657600" indent="0">
               <a:buNone/>
-              <a:defRPr sz="1600"/>
+              <a:defRPr sz="1000"/>
             </a:lvl9pPr>
           </a:lstStyle>
           <a:p>
-            <a:r>
-              <a:rPr lang="en-US"/>
-              <a:t>Click icon to add picture</a:t>
-            </a:r>
-            <a:endParaRPr lang="en-US" dirty="0"/>
-          </a:p>
-        </p:txBody>
-      </p:sp>
-      <p:sp>
-        <p:nvSpPr>
-          <p:cNvPr id="4" name="Text Placeholder 3"/>
-          <p:cNvSpPr>
-            <a:spLocks noGrp="1"/>
-          </p:cNvSpPr>
-          <p:nvPr>
-            <p:ph type="body" sz="half" idx="2"/>
-          </p:nvPr>
-        </p:nvSpPr>
-        <p:spPr>
-          <a:xfrm>
-            <a:off x="2589213" y="5367338"/>
-            <a:ext cx="8915400" cy="493712"/>
-          </a:xfrm>
-        </p:spPr>
-        <p:txBody>
-          <a:bodyPr>
-            <a:normAutofit/>
-          </a:bodyPr>
-          <a:lstStyle>
-            <a:lvl1pPr marL="0" indent="0">
-              <a:buNone/>
-              <a:defRPr sz="1200"/>
-            </a:lvl1pPr>
-            <a:lvl2pPr marL="457200" indent="0">
-              <a:buNone/>
-              <a:defRPr sz="1200"/>
-            </a:lvl2pPr>
-            <a:lvl3pPr marL="914400" indent="0">
-              <a:buNone/>
-              <a:defRPr sz="1000"/>
-            </a:lvl3pPr>
-            <a:lvl4pPr marL="1371600" indent="0">
-              <a:buNone/>
-              <a:defRPr sz="900"/>
-            </a:lvl4pPr>
-            <a:lvl5pPr marL="1828800" indent="0">
-              <a:buNone/>
-              <a:defRPr sz="900"/>
-            </a:lvl5pPr>
-            <a:lvl6pPr marL="2286000" indent="0">
-              <a:buNone/>
-              <a:defRPr sz="900"/>
-            </a:lvl6pPr>
-            <a:lvl7pPr marL="2743200" indent="0">
-              <a:buNone/>
-              <a:defRPr sz="900"/>
-            </a:lvl7pPr>
-            <a:lvl8pPr marL="3200400" indent="0">
-              <a:buNone/>
-              <a:defRPr sz="900"/>
-            </a:lvl8pPr>
-            <a:lvl9pPr marL="3657600" indent="0">
-              <a:buNone/>
-              <a:defRPr sz="900"/>
-            </a:lvl9pPr>
-          </a:lstStyle>
-          <a:p>
             <a:pPr lvl="0"/>
             <a:r>
               <a:rPr lang="en-US"/>
@@ -6002,7 +5522,13 @@
       </p:sp>
       <p:sp>
         <p:nvSpPr>
-          <p:cNvPr id="5" name="Date Placeholder 4"/>
+          <p:cNvPr id="5" name="Date Placeholder 4">
+            <a:extLst>
+              <a:ext uri="{FF2B5EF4-FFF2-40B4-BE49-F238E27FC236}">
+                <a16:creationId xmlns:a16="http://schemas.microsoft.com/office/drawing/2014/main" id="{5E64DC68-4FA5-D4B1-26B8-E543C706100C}"/>
+              </a:ext>
+            </a:extLst>
+          </p:cNvPr>
           <p:cNvSpPr>
             <a:spLocks noGrp="1"/>
           </p:cNvSpPr>
@@ -6017,7 +5543,7 @@
           <a:p>
             <a:fld id="{74CECDD8-AECE-0D4A-A402-9518D275F65F}" type="datetimeFigureOut">
               <a:rPr lang="en-US" smtClean="0"/>
-              <a:t>6/15/23</a:t>
+              <a:t>8/9/2023</a:t>
             </a:fld>
             <a:endParaRPr lang="en-US"/>
           </a:p>
@@ -6025,7 +5551,13 @@
       </p:sp>
       <p:sp>
         <p:nvSpPr>
-          <p:cNvPr id="6" name="Footer Placeholder 5"/>
+          <p:cNvPr id="6" name="Footer Placeholder 5">
+            <a:extLst>
+              <a:ext uri="{FF2B5EF4-FFF2-40B4-BE49-F238E27FC236}">
+                <a16:creationId xmlns:a16="http://schemas.microsoft.com/office/drawing/2014/main" id="{FE180D98-01D1-45A0-4660-44FEAF4920A6}"/>
+              </a:ext>
+            </a:extLst>
+          </p:cNvPr>
           <p:cNvSpPr>
             <a:spLocks noGrp="1"/>
           </p:cNvSpPr>
@@ -6044,89 +5576,13 @@
       </p:sp>
       <p:sp>
         <p:nvSpPr>
-          <p:cNvPr id="9" name="Freeform 11"/>
-          <p:cNvSpPr/>
-          <p:nvPr/>
-        </p:nvSpPr>
-        <p:spPr bwMode="auto">
-          <a:xfrm flipV="1">
-            <a:off x="-4189" y="4911725"/>
-            <a:ext cx="1588527" cy="507297"/>
-          </a:xfrm>
-          <a:custGeom>
-            <a:avLst/>
-            <a:gdLst/>
-            <a:ahLst/>
-            <a:cxnLst/>
-            <a:rect l="l" t="t" r="r" b="b"/>
-            <a:pathLst>
-              <a:path w="9248" h="10000">
-                <a:moveTo>
-                  <a:pt x="9248" y="4701"/>
-                </a:moveTo>
-                <a:lnTo>
-                  <a:pt x="7915" y="188"/>
-                </a:lnTo>
-                <a:cubicBezTo>
-                  <a:pt x="7906" y="156"/>
-                  <a:pt x="7895" y="126"/>
-                  <a:pt x="7886" y="94"/>
-                </a:cubicBezTo>
-                <a:cubicBezTo>
-                  <a:pt x="7859" y="0"/>
-                  <a:pt x="7831" y="0"/>
-                  <a:pt x="7803" y="0"/>
-                </a:cubicBezTo>
-                <a:lnTo>
-                  <a:pt x="7275" y="0"/>
-                </a:lnTo>
-                <a:lnTo>
-                  <a:pt x="0" y="70"/>
-                </a:lnTo>
-                <a:cubicBezTo>
-                  <a:pt x="8" y="3380"/>
-                  <a:pt x="17" y="6690"/>
-                  <a:pt x="25" y="10000"/>
-                </a:cubicBezTo>
-                <a:lnTo>
-                  <a:pt x="7275" y="9966"/>
-                </a:lnTo>
-                <a:lnTo>
-                  <a:pt x="7803" y="9966"/>
-                </a:lnTo>
-                <a:cubicBezTo>
-                  <a:pt x="7831" y="9966"/>
-                  <a:pt x="7859" y="9872"/>
-                  <a:pt x="7886" y="9872"/>
-                </a:cubicBezTo>
-                <a:cubicBezTo>
-                  <a:pt x="7886" y="9778"/>
-                  <a:pt x="7915" y="9778"/>
-                  <a:pt x="7915" y="9778"/>
-                </a:cubicBezTo>
-                <a:lnTo>
-                  <a:pt x="9248" y="5265"/>
-                </a:lnTo>
-                <a:cubicBezTo>
-                  <a:pt x="9303" y="5077"/>
-                  <a:pt x="9303" y="4889"/>
-                  <a:pt x="9248" y="4701"/>
-                </a:cubicBezTo>
-                <a:close/>
-              </a:path>
-            </a:pathLst>
-          </a:custGeom>
-          <a:solidFill>
-            <a:schemeClr val="accent1"/>
-          </a:solidFill>
-          <a:ln>
-            <a:noFill/>
-          </a:ln>
-        </p:spPr>
-      </p:sp>
-      <p:sp>
-        <p:nvSpPr>
-          <p:cNvPr id="7" name="Slide Number Placeholder 6"/>
+          <p:cNvPr id="7" name="Slide Number Placeholder 6">
+            <a:extLst>
+              <a:ext uri="{FF2B5EF4-FFF2-40B4-BE49-F238E27FC236}">
+                <a16:creationId xmlns:a16="http://schemas.microsoft.com/office/drawing/2014/main" id="{7C4F6D9D-6881-DDAB-B32B-B298450B09FA}"/>
+              </a:ext>
+            </a:extLst>
+          </p:cNvPr>
           <p:cNvSpPr>
             <a:spLocks noGrp="1"/>
           </p:cNvSpPr>
@@ -6134,12 +5590,7 @@
             <p:ph type="sldNum" sz="quarter" idx="12"/>
           </p:nvPr>
         </p:nvSpPr>
-        <p:spPr>
-          <a:xfrm>
-            <a:off x="531812" y="4983087"/>
-            <a:ext cx="779767" cy="365125"/>
-          </a:xfrm>
-        </p:spPr>
+        <p:spPr/>
         <p:txBody>
           <a:bodyPr/>
           <a:lstStyle/>
@@ -6155,7 +5606,7 @@
     </p:spTree>
     <p:extLst>
       <p:ext uri="{BB962C8B-B14F-4D97-AF65-F5344CB8AC3E}">
-        <p14:creationId xmlns:p14="http://schemas.microsoft.com/office/powerpoint/2010/main" val="1442837686"/>
+        <p14:creationId xmlns:p14="http://schemas.microsoft.com/office/powerpoint/2010/main" val="2627774250"/>
       </p:ext>
     </p:extLst>
   </p:cSld>
@@ -6166,8 +5617,8 @@
 </file>
 
 <file path=ppt/slideLayouts/slideLayout27.xml><?xml version="1.0" encoding="utf-8"?>
-<p:sldLayout xmlns:a="http://schemas.openxmlformats.org/drawingml/2006/main" xmlns:r="http://schemas.openxmlformats.org/officeDocument/2006/relationships" xmlns:p="http://schemas.openxmlformats.org/presentationml/2006/main" preserve="1">
-  <p:cSld name="Title and Caption">
+<p:sldLayout xmlns:a="http://schemas.openxmlformats.org/drawingml/2006/main" xmlns:r="http://schemas.openxmlformats.org/officeDocument/2006/relationships" xmlns:p="http://schemas.openxmlformats.org/presentationml/2006/main" type="vertTx" preserve="1">
+  <p:cSld name="Title and Vertical Text">
     <p:spTree>
       <p:nvGrpSpPr>
         <p:cNvPr id="1" name=""/>
@@ -6184,7 +5635,13 @@
       </p:grpSpPr>
       <p:sp>
         <p:nvSpPr>
-          <p:cNvPr id="2" name="Title 1"/>
+          <p:cNvPr id="2" name="Title 1">
+            <a:extLst>
+              <a:ext uri="{FF2B5EF4-FFF2-40B4-BE49-F238E27FC236}">
+                <a16:creationId xmlns:a16="http://schemas.microsoft.com/office/drawing/2014/main" id="{A8592454-4611-4722-68EB-D84779CC7C72}"/>
+              </a:ext>
+            </a:extLst>
+          </p:cNvPr>
           <p:cNvSpPr>
             <a:spLocks noGrp="1"/>
           </p:cNvSpPr>
@@ -6192,143 +5649,38 @@
             <p:ph type="title"/>
           </p:nvPr>
         </p:nvSpPr>
-        <p:spPr>
-          <a:xfrm>
-            <a:off x="2589212" y="609600"/>
-            <a:ext cx="8915399" cy="3117040"/>
-          </a:xfrm>
-        </p:spPr>
-        <p:txBody>
-          <a:bodyPr anchor="ctr">
-            <a:normAutofit/>
-          </a:bodyPr>
-          <a:lstStyle>
-            <a:lvl1pPr algn="l">
-              <a:defRPr sz="4800" b="0" cap="none"/>
-            </a:lvl1pPr>
-          </a:lstStyle>
+        <p:spPr/>
+        <p:txBody>
+          <a:bodyPr/>
+          <a:lstStyle/>
           <a:p>
             <a:r>
               <a:rPr lang="en-US"/>
               <a:t>Click to edit Master title style</a:t>
             </a:r>
-            <a:endParaRPr lang="en-US" dirty="0"/>
-          </a:p>
-        </p:txBody>
-      </p:sp>
-      <p:sp>
-        <p:nvSpPr>
-          <p:cNvPr id="3" name="Text Placeholder 2"/>
-          <p:cNvSpPr>
-            <a:spLocks noGrp="1"/>
-          </p:cNvSpPr>
-          <p:nvPr>
-            <p:ph type="body" idx="1"/>
-          </p:nvPr>
-        </p:nvSpPr>
-        <p:spPr>
-          <a:xfrm>
-            <a:off x="2589212" y="4354046"/>
-            <a:ext cx="8915399" cy="1555864"/>
-          </a:xfrm>
-        </p:spPr>
-        <p:txBody>
-          <a:bodyPr anchor="ctr">
-            <a:normAutofit/>
-          </a:bodyPr>
-          <a:lstStyle>
-            <a:lvl1pPr marL="0" indent="0" algn="l">
-              <a:buNone/>
-              <a:defRPr sz="1800">
-                <a:solidFill>
-                  <a:schemeClr val="tx1">
-                    <a:lumMod val="65000"/>
-                    <a:lumOff val="35000"/>
-                  </a:schemeClr>
-                </a:solidFill>
-              </a:defRPr>
-            </a:lvl1pPr>
-            <a:lvl2pPr marL="457200" indent="0">
-              <a:buNone/>
-              <a:defRPr sz="1800">
-                <a:solidFill>
-                  <a:schemeClr val="tx1">
-                    <a:tint val="75000"/>
-                  </a:schemeClr>
-                </a:solidFill>
-              </a:defRPr>
-            </a:lvl2pPr>
-            <a:lvl3pPr marL="914400" indent="0">
-              <a:buNone/>
-              <a:defRPr sz="1600">
-                <a:solidFill>
-                  <a:schemeClr val="tx1">
-                    <a:tint val="75000"/>
-                  </a:schemeClr>
-                </a:solidFill>
-              </a:defRPr>
-            </a:lvl3pPr>
-            <a:lvl4pPr marL="1371600" indent="0">
-              <a:buNone/>
-              <a:defRPr sz="1400">
-                <a:solidFill>
-                  <a:schemeClr val="tx1">
-                    <a:tint val="75000"/>
-                  </a:schemeClr>
-                </a:solidFill>
-              </a:defRPr>
-            </a:lvl4pPr>
-            <a:lvl5pPr marL="1828800" indent="0">
-              <a:buNone/>
-              <a:defRPr sz="1400">
-                <a:solidFill>
-                  <a:schemeClr val="tx1">
-                    <a:tint val="75000"/>
-                  </a:schemeClr>
-                </a:solidFill>
-              </a:defRPr>
-            </a:lvl5pPr>
-            <a:lvl6pPr marL="2286000" indent="0">
-              <a:buNone/>
-              <a:defRPr sz="1400">
-                <a:solidFill>
-                  <a:schemeClr val="tx1">
-                    <a:tint val="75000"/>
-                  </a:schemeClr>
-                </a:solidFill>
-              </a:defRPr>
-            </a:lvl6pPr>
-            <a:lvl7pPr marL="2743200" indent="0">
-              <a:buNone/>
-              <a:defRPr sz="1400">
-                <a:solidFill>
-                  <a:schemeClr val="tx1">
-                    <a:tint val="75000"/>
-                  </a:schemeClr>
-                </a:solidFill>
-              </a:defRPr>
-            </a:lvl7pPr>
-            <a:lvl8pPr marL="3200400" indent="0">
-              <a:buNone/>
-              <a:defRPr sz="1400">
-                <a:solidFill>
-                  <a:schemeClr val="tx1">
-                    <a:tint val="75000"/>
-                  </a:schemeClr>
-                </a:solidFill>
-              </a:defRPr>
-            </a:lvl8pPr>
-            <a:lvl9pPr marL="3657600" indent="0">
-              <a:buNone/>
-              <a:defRPr sz="1400">
-                <a:solidFill>
-                  <a:schemeClr val="tx1">
-                    <a:tint val="75000"/>
-                  </a:schemeClr>
-                </a:solidFill>
-              </a:defRPr>
-            </a:lvl9pPr>
-          </a:lstStyle>
+          </a:p>
+        </p:txBody>
+      </p:sp>
+      <p:sp>
+        <p:nvSpPr>
+          <p:cNvPr id="3" name="Vertical Text Placeholder 2">
+            <a:extLst>
+              <a:ext uri="{FF2B5EF4-FFF2-40B4-BE49-F238E27FC236}">
+                <a16:creationId xmlns:a16="http://schemas.microsoft.com/office/drawing/2014/main" id="{B53C655C-E63E-AEDA-DD99-FDD0473D7CD6}"/>
+              </a:ext>
+            </a:extLst>
+          </p:cNvPr>
+          <p:cNvSpPr>
+            <a:spLocks noGrp="1"/>
+          </p:cNvSpPr>
+          <p:nvPr>
+            <p:ph type="body" orient="vert" idx="1"/>
+          </p:nvPr>
+        </p:nvSpPr>
+        <p:spPr/>
+        <p:txBody>
+          <a:bodyPr vert="eaVert"/>
+          <a:lstStyle/>
           <a:p>
             <a:pPr lvl="0"/>
             <a:r>
@@ -6336,11 +5688,45 @@
               <a:t>Click to edit Master text styles</a:t>
             </a:r>
           </a:p>
-        </p:txBody>
-      </p:sp>
-      <p:sp>
-        <p:nvSpPr>
-          <p:cNvPr id="4" name="Date Placeholder 3"/>
+          <a:p>
+            <a:pPr lvl="1"/>
+            <a:r>
+              <a:rPr lang="en-US"/>
+              <a:t>Second level</a:t>
+            </a:r>
+          </a:p>
+          <a:p>
+            <a:pPr lvl="2"/>
+            <a:r>
+              <a:rPr lang="en-US"/>
+              <a:t>Third level</a:t>
+            </a:r>
+          </a:p>
+          <a:p>
+            <a:pPr lvl="3"/>
+            <a:r>
+              <a:rPr lang="en-US"/>
+              <a:t>Fourth level</a:t>
+            </a:r>
+          </a:p>
+          <a:p>
+            <a:pPr lvl="4"/>
+            <a:r>
+              <a:rPr lang="en-US"/>
+              <a:t>Fifth level</a:t>
+            </a:r>
+          </a:p>
+        </p:txBody>
+      </p:sp>
+      <p:sp>
+        <p:nvSpPr>
+          <p:cNvPr id="4" name="Date Placeholder 3">
+            <a:extLst>
+              <a:ext uri="{FF2B5EF4-FFF2-40B4-BE49-F238E27FC236}">
+                <a16:creationId xmlns:a16="http://schemas.microsoft.com/office/drawing/2014/main" id="{5C9A2A5B-A740-FB8E-0DA2-19FB547BC21D}"/>
+              </a:ext>
+            </a:extLst>
+          </p:cNvPr>
           <p:cNvSpPr>
             <a:spLocks noGrp="1"/>
           </p:cNvSpPr>
@@ -6355,7 +5741,7 @@
           <a:p>
             <a:fld id="{74CECDD8-AECE-0D4A-A402-9518D275F65F}" type="datetimeFigureOut">
               <a:rPr lang="en-US" smtClean="0"/>
-              <a:t>6/15/23</a:t>
+              <a:t>8/9/2023</a:t>
             </a:fld>
             <a:endParaRPr lang="en-US"/>
           </a:p>
@@ -6363,7 +5749,13 @@
       </p:sp>
       <p:sp>
         <p:nvSpPr>
-          <p:cNvPr id="5" name="Footer Placeholder 4"/>
+          <p:cNvPr id="5" name="Footer Placeholder 4">
+            <a:extLst>
+              <a:ext uri="{FF2B5EF4-FFF2-40B4-BE49-F238E27FC236}">
+                <a16:creationId xmlns:a16="http://schemas.microsoft.com/office/drawing/2014/main" id="{0201A753-DEB6-A006-9DD1-16980244F529}"/>
+              </a:ext>
+            </a:extLst>
+          </p:cNvPr>
           <p:cNvSpPr>
             <a:spLocks noGrp="1"/>
           </p:cNvSpPr>
@@ -6382,89 +5774,13 @@
       </p:sp>
       <p:sp>
         <p:nvSpPr>
-          <p:cNvPr id="9" name="Freeform 11"/>
-          <p:cNvSpPr/>
-          <p:nvPr/>
-        </p:nvSpPr>
-        <p:spPr bwMode="auto">
-          <a:xfrm flipV="1">
-            <a:off x="-4189" y="3178175"/>
-            <a:ext cx="1588527" cy="507297"/>
-          </a:xfrm>
-          <a:custGeom>
-            <a:avLst/>
-            <a:gdLst/>
-            <a:ahLst/>
-            <a:cxnLst/>
-            <a:rect l="l" t="t" r="r" b="b"/>
-            <a:pathLst>
-              <a:path w="9248" h="10000">
-                <a:moveTo>
-                  <a:pt x="9248" y="4701"/>
-                </a:moveTo>
-                <a:lnTo>
-                  <a:pt x="7915" y="188"/>
-                </a:lnTo>
-                <a:cubicBezTo>
-                  <a:pt x="7906" y="156"/>
-                  <a:pt x="7895" y="126"/>
-                  <a:pt x="7886" y="94"/>
-                </a:cubicBezTo>
-                <a:cubicBezTo>
-                  <a:pt x="7859" y="0"/>
-                  <a:pt x="7831" y="0"/>
-                  <a:pt x="7803" y="0"/>
-                </a:cubicBezTo>
-                <a:lnTo>
-                  <a:pt x="7275" y="0"/>
-                </a:lnTo>
-                <a:lnTo>
-                  <a:pt x="0" y="70"/>
-                </a:lnTo>
-                <a:cubicBezTo>
-                  <a:pt x="8" y="3380"/>
-                  <a:pt x="17" y="6690"/>
-                  <a:pt x="25" y="10000"/>
-                </a:cubicBezTo>
-                <a:lnTo>
-                  <a:pt x="7275" y="9966"/>
-                </a:lnTo>
-                <a:lnTo>
-                  <a:pt x="7803" y="9966"/>
-                </a:lnTo>
-                <a:cubicBezTo>
-                  <a:pt x="7831" y="9966"/>
-                  <a:pt x="7859" y="9872"/>
-                  <a:pt x="7886" y="9872"/>
-                </a:cubicBezTo>
-                <a:cubicBezTo>
-                  <a:pt x="7886" y="9778"/>
-                  <a:pt x="7915" y="9778"/>
-                  <a:pt x="7915" y="9778"/>
-                </a:cubicBezTo>
-                <a:lnTo>
-                  <a:pt x="9248" y="5265"/>
-                </a:lnTo>
-                <a:cubicBezTo>
-                  <a:pt x="9303" y="5077"/>
-                  <a:pt x="9303" y="4889"/>
-                  <a:pt x="9248" y="4701"/>
-                </a:cubicBezTo>
-                <a:close/>
-              </a:path>
-            </a:pathLst>
-          </a:custGeom>
-          <a:solidFill>
-            <a:schemeClr val="accent1"/>
-          </a:solidFill>
-          <a:ln>
-            <a:noFill/>
-          </a:ln>
-        </p:spPr>
-      </p:sp>
-      <p:sp>
-        <p:nvSpPr>
-          <p:cNvPr id="6" name="Slide Number Placeholder 5"/>
+          <p:cNvPr id="6" name="Slide Number Placeholder 5">
+            <a:extLst>
+              <a:ext uri="{FF2B5EF4-FFF2-40B4-BE49-F238E27FC236}">
+                <a16:creationId xmlns:a16="http://schemas.microsoft.com/office/drawing/2014/main" id="{EDBA15D9-2C53-ADA3-BA2E-69D71FD6E5D3}"/>
+              </a:ext>
+            </a:extLst>
+          </p:cNvPr>
           <p:cNvSpPr>
             <a:spLocks noGrp="1"/>
           </p:cNvSpPr>
@@ -6472,12 +5788,7 @@
             <p:ph type="sldNum" sz="quarter" idx="12"/>
           </p:nvPr>
         </p:nvSpPr>
-        <p:spPr>
-          <a:xfrm>
-            <a:off x="531812" y="3244139"/>
-            <a:ext cx="779767" cy="365125"/>
-          </a:xfrm>
-        </p:spPr>
+        <p:spPr/>
         <p:txBody>
           <a:bodyPr/>
           <a:lstStyle/>
@@ -6493,7 +5804,7 @@
     </p:spTree>
     <p:extLst>
       <p:ext uri="{BB962C8B-B14F-4D97-AF65-F5344CB8AC3E}">
-        <p14:creationId xmlns:p14="http://schemas.microsoft.com/office/powerpoint/2010/main" val="2415327926"/>
+        <p14:creationId xmlns:p14="http://schemas.microsoft.com/office/powerpoint/2010/main" val="3602067171"/>
       </p:ext>
     </p:extLst>
   </p:cSld>
@@ -6504,8 +5815,8 @@
 </file>
 
 <file path=ppt/slideLayouts/slideLayout28.xml><?xml version="1.0" encoding="utf-8"?>
-<p:sldLayout xmlns:a="http://schemas.openxmlformats.org/drawingml/2006/main" xmlns:r="http://schemas.openxmlformats.org/officeDocument/2006/relationships" xmlns:p="http://schemas.openxmlformats.org/presentationml/2006/main" preserve="1">
-  <p:cSld name="Quote with Caption">
+<p:sldLayout xmlns:a="http://schemas.openxmlformats.org/drawingml/2006/main" xmlns:r="http://schemas.openxmlformats.org/officeDocument/2006/relationships" xmlns:p="http://schemas.openxmlformats.org/presentationml/2006/main" type="vertTitleAndTx" preserve="1">
+  <p:cSld name="Vertical Title and Text">
     <p:spTree>
       <p:nvGrpSpPr>
         <p:cNvPr id="1" name=""/>
@@ -6522,92 +5833,62 @@
       </p:grpSpPr>
       <p:sp>
         <p:nvSpPr>
-          <p:cNvPr id="2" name="Title 1"/>
-          <p:cNvSpPr>
-            <a:spLocks noGrp="1"/>
-          </p:cNvSpPr>
-          <p:nvPr>
-            <p:ph type="title"/>
+          <p:cNvPr id="2" name="Vertical Title 1">
+            <a:extLst>
+              <a:ext uri="{FF2B5EF4-FFF2-40B4-BE49-F238E27FC236}">
+                <a16:creationId xmlns:a16="http://schemas.microsoft.com/office/drawing/2014/main" id="{AD45F24F-09BF-E2D7-022F-B73E24D603AD}"/>
+              </a:ext>
+            </a:extLst>
+          </p:cNvPr>
+          <p:cNvSpPr>
+            <a:spLocks noGrp="1"/>
+          </p:cNvSpPr>
+          <p:nvPr>
+            <p:ph type="title" orient="vert"/>
           </p:nvPr>
         </p:nvSpPr>
         <p:spPr>
           <a:xfrm>
-            <a:off x="2849949" y="609600"/>
-            <a:ext cx="8393926" cy="2895600"/>
+            <a:off x="8724900" y="365125"/>
+            <a:ext cx="2628900" cy="5811838"/>
           </a:xfrm>
         </p:spPr>
         <p:txBody>
-          <a:bodyPr anchor="ctr">
-            <a:normAutofit/>
-          </a:bodyPr>
-          <a:lstStyle>
-            <a:lvl1pPr algn="l">
-              <a:defRPr sz="4800" b="0" cap="none"/>
-            </a:lvl1pPr>
-          </a:lstStyle>
+          <a:bodyPr vert="eaVert"/>
+          <a:lstStyle/>
           <a:p>
             <a:r>
               <a:rPr lang="en-US"/>
               <a:t>Click to edit Master title style</a:t>
             </a:r>
-            <a:endParaRPr lang="en-US" dirty="0"/>
-          </a:p>
-        </p:txBody>
-      </p:sp>
-      <p:sp>
-        <p:nvSpPr>
-          <p:cNvPr id="13" name="Text Placeholder 9"/>
-          <p:cNvSpPr>
-            <a:spLocks noGrp="1"/>
-          </p:cNvSpPr>
-          <p:nvPr>
-            <p:ph type="body" sz="quarter" idx="13"/>
+          </a:p>
+        </p:txBody>
+      </p:sp>
+      <p:sp>
+        <p:nvSpPr>
+          <p:cNvPr id="3" name="Vertical Text Placeholder 2">
+            <a:extLst>
+              <a:ext uri="{FF2B5EF4-FFF2-40B4-BE49-F238E27FC236}">
+                <a16:creationId xmlns:a16="http://schemas.microsoft.com/office/drawing/2014/main" id="{71BE3AE1-DD2A-178B-A05E-85437BC0CF86}"/>
+              </a:ext>
+            </a:extLst>
+          </p:cNvPr>
+          <p:cNvSpPr>
+            <a:spLocks noGrp="1"/>
+          </p:cNvSpPr>
+          <p:nvPr>
+            <p:ph type="body" orient="vert" idx="1"/>
           </p:nvPr>
         </p:nvSpPr>
         <p:spPr>
           <a:xfrm>
-            <a:off x="3275012" y="3505200"/>
-            <a:ext cx="7536554" cy="381000"/>
+            <a:off x="838200" y="365125"/>
+            <a:ext cx="7734300" cy="5811838"/>
           </a:xfrm>
         </p:spPr>
         <p:txBody>
-          <a:bodyPr anchor="ctr">
-            <a:noAutofit/>
-          </a:bodyPr>
-          <a:lstStyle>
-            <a:lvl1pPr marL="0" indent="0">
-              <a:buFontTx/>
-              <a:buNone/>
-              <a:defRPr sz="1600">
-                <a:solidFill>
-                  <a:schemeClr val="tx1">
-                    <a:lumMod val="50000"/>
-                    <a:lumOff val="50000"/>
-                  </a:schemeClr>
-                </a:solidFill>
-              </a:defRPr>
-            </a:lvl1pPr>
-            <a:lvl2pPr marL="457200" indent="0">
-              <a:buFontTx/>
-              <a:buNone/>
-              <a:defRPr/>
-            </a:lvl2pPr>
-            <a:lvl3pPr marL="914400" indent="0">
-              <a:buFontTx/>
-              <a:buNone/>
-              <a:defRPr/>
-            </a:lvl3pPr>
-            <a:lvl4pPr marL="1371600" indent="0">
-              <a:buFontTx/>
-              <a:buNone/>
-              <a:defRPr/>
-            </a:lvl4pPr>
-            <a:lvl5pPr marL="1828800" indent="0">
-              <a:buFontTx/>
-              <a:buNone/>
-              <a:defRPr/>
-            </a:lvl5pPr>
-          </a:lstStyle>
+          <a:bodyPr vert="eaVert"/>
+          <a:lstStyle/>
           <a:p>
             <a:pPr lvl="0"/>
             <a:r>
@@ -6615,133 +5896,45 @@
               <a:t>Click to edit Master text styles</a:t>
             </a:r>
           </a:p>
-        </p:txBody>
-      </p:sp>
-      <p:sp>
-        <p:nvSpPr>
-          <p:cNvPr id="3" name="Text Placeholder 2"/>
-          <p:cNvSpPr>
-            <a:spLocks noGrp="1"/>
-          </p:cNvSpPr>
-          <p:nvPr>
-            <p:ph type="body" idx="1"/>
-          </p:nvPr>
-        </p:nvSpPr>
-        <p:spPr>
-          <a:xfrm>
-            <a:off x="2589212" y="4354046"/>
-            <a:ext cx="8915399" cy="1555864"/>
-          </a:xfrm>
-        </p:spPr>
-        <p:txBody>
-          <a:bodyPr anchor="ctr">
-            <a:normAutofit/>
-          </a:bodyPr>
-          <a:lstStyle>
-            <a:lvl1pPr marL="0" indent="0" algn="l">
-              <a:buNone/>
-              <a:defRPr sz="1800">
-                <a:solidFill>
-                  <a:schemeClr val="tx1">
-                    <a:lumMod val="65000"/>
-                    <a:lumOff val="35000"/>
-                  </a:schemeClr>
-                </a:solidFill>
-              </a:defRPr>
-            </a:lvl1pPr>
-            <a:lvl2pPr marL="457200" indent="0">
-              <a:buNone/>
-              <a:defRPr sz="1800">
-                <a:solidFill>
-                  <a:schemeClr val="tx1">
-                    <a:tint val="75000"/>
-                  </a:schemeClr>
-                </a:solidFill>
-              </a:defRPr>
-            </a:lvl2pPr>
-            <a:lvl3pPr marL="914400" indent="0">
-              <a:buNone/>
-              <a:defRPr sz="1600">
-                <a:solidFill>
-                  <a:schemeClr val="tx1">
-                    <a:tint val="75000"/>
-                  </a:schemeClr>
-                </a:solidFill>
-              </a:defRPr>
-            </a:lvl3pPr>
-            <a:lvl4pPr marL="1371600" indent="0">
-              <a:buNone/>
-              <a:defRPr sz="1400">
-                <a:solidFill>
-                  <a:schemeClr val="tx1">
-                    <a:tint val="75000"/>
-                  </a:schemeClr>
-                </a:solidFill>
-              </a:defRPr>
-            </a:lvl4pPr>
-            <a:lvl5pPr marL="1828800" indent="0">
-              <a:buNone/>
-              <a:defRPr sz="1400">
-                <a:solidFill>
-                  <a:schemeClr val="tx1">
-                    <a:tint val="75000"/>
-                  </a:schemeClr>
-                </a:solidFill>
-              </a:defRPr>
-            </a:lvl5pPr>
-            <a:lvl6pPr marL="2286000" indent="0">
-              <a:buNone/>
-              <a:defRPr sz="1400">
-                <a:solidFill>
-                  <a:schemeClr val="tx1">
-                    <a:tint val="75000"/>
-                  </a:schemeClr>
-                </a:solidFill>
-              </a:defRPr>
-            </a:lvl6pPr>
-            <a:lvl7pPr marL="2743200" indent="0">
-              <a:buNone/>
-              <a:defRPr sz="1400">
-                <a:solidFill>
-                  <a:schemeClr val="tx1">
-                    <a:tint val="75000"/>
-                  </a:schemeClr>
-                </a:solidFill>
-              </a:defRPr>
-            </a:lvl7pPr>
-            <a:lvl8pPr marL="3200400" indent="0">
-              <a:buNone/>
-              <a:defRPr sz="1400">
-                <a:solidFill>
-                  <a:schemeClr val="tx1">
-                    <a:tint val="75000"/>
-                  </a:schemeClr>
-                </a:solidFill>
-              </a:defRPr>
-            </a:lvl8pPr>
-            <a:lvl9pPr marL="3657600" indent="0">
-              <a:buNone/>
-              <a:defRPr sz="1400">
-                <a:solidFill>
-                  <a:schemeClr val="tx1">
-                    <a:tint val="75000"/>
-                  </a:schemeClr>
-                </a:solidFill>
-              </a:defRPr>
-            </a:lvl9pPr>
-          </a:lstStyle>
-          <a:p>
-            <a:pPr lvl="0"/>
+          <a:p>
+            <a:pPr lvl="1"/>
             <a:r>
               <a:rPr lang="en-US"/>
-              <a:t>Click to edit Master text styles</a:t>
-            </a:r>
-          </a:p>
-        </p:txBody>
-      </p:sp>
-      <p:sp>
-        <p:nvSpPr>
-          <p:cNvPr id="4" name="Date Placeholder 3"/>
+              <a:t>Second level</a:t>
+            </a:r>
+          </a:p>
+          <a:p>
+            <a:pPr lvl="2"/>
+            <a:r>
+              <a:rPr lang="en-US"/>
+              <a:t>Third level</a:t>
+            </a:r>
+          </a:p>
+          <a:p>
+            <a:pPr lvl="3"/>
+            <a:r>
+              <a:rPr lang="en-US"/>
+              <a:t>Fourth level</a:t>
+            </a:r>
+          </a:p>
+          <a:p>
+            <a:pPr lvl="4"/>
+            <a:r>
+              <a:rPr lang="en-US"/>
+              <a:t>Fifth level</a:t>
+            </a:r>
+          </a:p>
+        </p:txBody>
+      </p:sp>
+      <p:sp>
+        <p:nvSpPr>
+          <p:cNvPr id="4" name="Date Placeholder 3">
+            <a:extLst>
+              <a:ext uri="{FF2B5EF4-FFF2-40B4-BE49-F238E27FC236}">
+                <a16:creationId xmlns:a16="http://schemas.microsoft.com/office/drawing/2014/main" id="{0FA4251A-28D4-7A2C-98E8-40D7F2D15F30}"/>
+              </a:ext>
+            </a:extLst>
+          </p:cNvPr>
           <p:cNvSpPr>
             <a:spLocks noGrp="1"/>
           </p:cNvSpPr>
@@ -6756,7 +5949,7 @@
           <a:p>
             <a:fld id="{74CECDD8-AECE-0D4A-A402-9518D275F65F}" type="datetimeFigureOut">
               <a:rPr lang="en-US" smtClean="0"/>
-              <a:t>6/15/23</a:t>
+              <a:t>8/9/2023</a:t>
             </a:fld>
             <a:endParaRPr lang="en-US"/>
           </a:p>
@@ -6764,7 +5957,13 @@
       </p:sp>
       <p:sp>
         <p:nvSpPr>
-          <p:cNvPr id="5" name="Footer Placeholder 4"/>
+          <p:cNvPr id="5" name="Footer Placeholder 4">
+            <a:extLst>
+              <a:ext uri="{FF2B5EF4-FFF2-40B4-BE49-F238E27FC236}">
+                <a16:creationId xmlns:a16="http://schemas.microsoft.com/office/drawing/2014/main" id="{976FDBBF-8DAD-3FEC-2B96-57B777C8B310}"/>
+              </a:ext>
+            </a:extLst>
+          </p:cNvPr>
           <p:cNvSpPr>
             <a:spLocks noGrp="1"/>
           </p:cNvSpPr>
@@ -6783,89 +5982,13 @@
       </p:sp>
       <p:sp>
         <p:nvSpPr>
-          <p:cNvPr id="11" name="Freeform 11"/>
-          <p:cNvSpPr/>
-          <p:nvPr/>
-        </p:nvSpPr>
-        <p:spPr bwMode="auto">
-          <a:xfrm flipV="1">
-            <a:off x="-4189" y="3178175"/>
-            <a:ext cx="1588527" cy="507297"/>
-          </a:xfrm>
-          <a:custGeom>
-            <a:avLst/>
-            <a:gdLst/>
-            <a:ahLst/>
-            <a:cxnLst/>
-            <a:rect l="l" t="t" r="r" b="b"/>
-            <a:pathLst>
-              <a:path w="9248" h="10000">
-                <a:moveTo>
-                  <a:pt x="9248" y="4701"/>
-                </a:moveTo>
-                <a:lnTo>
-                  <a:pt x="7915" y="188"/>
-                </a:lnTo>
-                <a:cubicBezTo>
-                  <a:pt x="7906" y="156"/>
-                  <a:pt x="7895" y="126"/>
-                  <a:pt x="7886" y="94"/>
-                </a:cubicBezTo>
-                <a:cubicBezTo>
-                  <a:pt x="7859" y="0"/>
-                  <a:pt x="7831" y="0"/>
-                  <a:pt x="7803" y="0"/>
-                </a:cubicBezTo>
-                <a:lnTo>
-                  <a:pt x="7275" y="0"/>
-                </a:lnTo>
-                <a:lnTo>
-                  <a:pt x="0" y="70"/>
-                </a:lnTo>
-                <a:cubicBezTo>
-                  <a:pt x="8" y="3380"/>
-                  <a:pt x="17" y="6690"/>
-                  <a:pt x="25" y="10000"/>
-                </a:cubicBezTo>
-                <a:lnTo>
-                  <a:pt x="7275" y="9966"/>
-                </a:lnTo>
-                <a:lnTo>
-                  <a:pt x="7803" y="9966"/>
-                </a:lnTo>
-                <a:cubicBezTo>
-                  <a:pt x="7831" y="9966"/>
-                  <a:pt x="7859" y="9872"/>
-                  <a:pt x="7886" y="9872"/>
-                </a:cubicBezTo>
-                <a:cubicBezTo>
-                  <a:pt x="7886" y="9778"/>
-                  <a:pt x="7915" y="9778"/>
-                  <a:pt x="7915" y="9778"/>
-                </a:cubicBezTo>
-                <a:lnTo>
-                  <a:pt x="9248" y="5265"/>
-                </a:lnTo>
-                <a:cubicBezTo>
-                  <a:pt x="9303" y="5077"/>
-                  <a:pt x="9303" y="4889"/>
-                  <a:pt x="9248" y="4701"/>
-                </a:cubicBezTo>
-                <a:close/>
-              </a:path>
-            </a:pathLst>
-          </a:custGeom>
-          <a:solidFill>
-            <a:schemeClr val="accent1"/>
-          </a:solidFill>
-          <a:ln>
-            <a:noFill/>
-          </a:ln>
-        </p:spPr>
-      </p:sp>
-      <p:sp>
-        <p:nvSpPr>
-          <p:cNvPr id="6" name="Slide Number Placeholder 5"/>
+          <p:cNvPr id="6" name="Slide Number Placeholder 5">
+            <a:extLst>
+              <a:ext uri="{FF2B5EF4-FFF2-40B4-BE49-F238E27FC236}">
+                <a16:creationId xmlns:a16="http://schemas.microsoft.com/office/drawing/2014/main" id="{5315B502-935B-DA5E-1E14-8F38B2B5AE91}"/>
+              </a:ext>
+            </a:extLst>
+          </p:cNvPr>
           <p:cNvSpPr>
             <a:spLocks noGrp="1"/>
           </p:cNvSpPr>
@@ -6873,12 +5996,7 @@
             <p:ph type="sldNum" sz="quarter" idx="12"/>
           </p:nvPr>
         </p:nvSpPr>
-        <p:spPr>
-          <a:xfrm>
-            <a:off x="531812" y="3244139"/>
-            <a:ext cx="779767" cy="365125"/>
-          </a:xfrm>
-        </p:spPr>
+        <p:spPr/>
         <p:txBody>
           <a:bodyPr/>
           <a:lstStyle/>
@@ -6891,346 +6009,10 @@
           </a:p>
         </p:txBody>
       </p:sp>
-      <p:sp>
-        <p:nvSpPr>
-          <p:cNvPr id="14" name="TextBox 13"/>
-          <p:cNvSpPr txBox="1"/>
-          <p:nvPr/>
-        </p:nvSpPr>
-        <p:spPr>
-          <a:xfrm>
-            <a:off x="2467652" y="648005"/>
-            <a:ext cx="609600" cy="584776"/>
-          </a:xfrm>
-          <a:prstGeom prst="rect">
-            <a:avLst/>
-          </a:prstGeom>
-        </p:spPr>
-        <p:txBody>
-          <a:bodyPr vert="horz" lIns="91440" tIns="45720" rIns="91440" bIns="45720" rtlCol="0" anchor="ctr">
-            <a:noAutofit/>
-          </a:bodyPr>
-          <a:lstStyle/>
-          <a:p>
-            <a:pPr lvl="0"/>
-            <a:r>
-              <a:rPr lang="en-US" sz="8000" baseline="0" dirty="0">
-                <a:ln w="3175" cmpd="sng">
-                  <a:noFill/>
-                </a:ln>
-                <a:solidFill>
-                  <a:schemeClr val="accent1"/>
-                </a:solidFill>
-                <a:effectLst/>
-                <a:latin typeface="Arial"/>
-              </a:rPr>
-              <a:t>“</a:t>
-            </a:r>
-          </a:p>
-        </p:txBody>
-      </p:sp>
-      <p:sp>
-        <p:nvSpPr>
-          <p:cNvPr id="15" name="TextBox 14"/>
-          <p:cNvSpPr txBox="1"/>
-          <p:nvPr/>
-        </p:nvSpPr>
-        <p:spPr>
-          <a:xfrm>
-            <a:off x="11114852" y="2905306"/>
-            <a:ext cx="609600" cy="584776"/>
-          </a:xfrm>
-          <a:prstGeom prst="rect">
-            <a:avLst/>
-          </a:prstGeom>
-        </p:spPr>
-        <p:txBody>
-          <a:bodyPr vert="horz" lIns="91440" tIns="45720" rIns="91440" bIns="45720" rtlCol="0" anchor="ctr">
-            <a:noAutofit/>
-          </a:bodyPr>
-          <a:lstStyle/>
-          <a:p>
-            <a:pPr lvl="0"/>
-            <a:r>
-              <a:rPr lang="en-US" sz="8000" baseline="0" dirty="0">
-                <a:ln w="3175" cmpd="sng">
-                  <a:noFill/>
-                </a:ln>
-                <a:solidFill>
-                  <a:schemeClr val="accent1"/>
-                </a:solidFill>
-                <a:effectLst/>
-                <a:latin typeface="Arial"/>
-              </a:rPr>
-              <a:t>”</a:t>
-            </a:r>
-          </a:p>
-        </p:txBody>
-      </p:sp>
     </p:spTree>
     <p:extLst>
       <p:ext uri="{BB962C8B-B14F-4D97-AF65-F5344CB8AC3E}">
-        <p14:creationId xmlns:p14="http://schemas.microsoft.com/office/powerpoint/2010/main" val="2434569236"/>
-      </p:ext>
-    </p:extLst>
-  </p:cSld>
-  <p:clrMapOvr>
-    <a:masterClrMapping/>
-  </p:clrMapOvr>
-</p:sldLayout>
-</file>
-
-<file path=ppt/slideLayouts/slideLayout29.xml><?xml version="1.0" encoding="utf-8"?>
-<p:sldLayout xmlns:a="http://schemas.openxmlformats.org/drawingml/2006/main" xmlns:r="http://schemas.openxmlformats.org/officeDocument/2006/relationships" xmlns:p="http://schemas.openxmlformats.org/presentationml/2006/main" preserve="1">
-  <p:cSld name="Name Card">
-    <p:spTree>
-      <p:nvGrpSpPr>
-        <p:cNvPr id="1" name=""/>
-        <p:cNvGrpSpPr/>
-        <p:nvPr/>
-      </p:nvGrpSpPr>
-      <p:grpSpPr>
-        <a:xfrm>
-          <a:off x="0" y="0"/>
-          <a:ext cx="0" cy="0"/>
-          <a:chOff x="0" y="0"/>
-          <a:chExt cx="0" cy="0"/>
-        </a:xfrm>
-      </p:grpSpPr>
-      <p:sp>
-        <p:nvSpPr>
-          <p:cNvPr id="2" name="Title 1"/>
-          <p:cNvSpPr>
-            <a:spLocks noGrp="1"/>
-          </p:cNvSpPr>
-          <p:nvPr>
-            <p:ph type="title"/>
-          </p:nvPr>
-        </p:nvSpPr>
-        <p:spPr>
-          <a:xfrm>
-            <a:off x="2589213" y="2438400"/>
-            <a:ext cx="8915400" cy="2724845"/>
-          </a:xfrm>
-        </p:spPr>
-        <p:txBody>
-          <a:bodyPr anchor="b">
-            <a:normAutofit/>
-          </a:bodyPr>
-          <a:lstStyle>
-            <a:lvl1pPr algn="l">
-              <a:defRPr sz="4800" b="0"/>
-            </a:lvl1pPr>
-          </a:lstStyle>
-          <a:p>
-            <a:r>
-              <a:rPr lang="en-US"/>
-              <a:t>Click to edit Master title style</a:t>
-            </a:r>
-            <a:endParaRPr lang="en-US" dirty="0"/>
-          </a:p>
-        </p:txBody>
-      </p:sp>
-      <p:sp>
-        <p:nvSpPr>
-          <p:cNvPr id="4" name="Text Placeholder 3"/>
-          <p:cNvSpPr>
-            <a:spLocks noGrp="1"/>
-          </p:cNvSpPr>
-          <p:nvPr>
-            <p:ph type="body" sz="half" idx="2"/>
-          </p:nvPr>
-        </p:nvSpPr>
-        <p:spPr>
-          <a:xfrm>
-            <a:off x="2589213" y="5181600"/>
-            <a:ext cx="8915400" cy="729622"/>
-          </a:xfrm>
-        </p:spPr>
-        <p:txBody>
-          <a:bodyPr vert="horz" lIns="91440" tIns="45720" rIns="91440" bIns="45720" rtlCol="0" anchor="t">
-            <a:normAutofit/>
-          </a:bodyPr>
-          <a:lstStyle>
-            <a:lvl1pPr>
-              <a:buNone/>
-              <a:defRPr lang="en-US">
-                <a:solidFill>
-                  <a:schemeClr val="tx1">
-                    <a:lumMod val="65000"/>
-                    <a:lumOff val="35000"/>
-                  </a:schemeClr>
-                </a:solidFill>
-              </a:defRPr>
-            </a:lvl1pPr>
-          </a:lstStyle>
-          <a:p>
-            <a:pPr marL="0" lvl="0" indent="0">
-              <a:buNone/>
-            </a:pPr>
-            <a:r>
-              <a:rPr lang="en-US"/>
-              <a:t>Click to edit Master text styles</a:t>
-            </a:r>
-          </a:p>
-        </p:txBody>
-      </p:sp>
-      <p:sp>
-        <p:nvSpPr>
-          <p:cNvPr id="5" name="Date Placeholder 4"/>
-          <p:cNvSpPr>
-            <a:spLocks noGrp="1"/>
-          </p:cNvSpPr>
-          <p:nvPr>
-            <p:ph type="dt" sz="half" idx="10"/>
-          </p:nvPr>
-        </p:nvSpPr>
-        <p:spPr/>
-        <p:txBody>
-          <a:bodyPr/>
-          <a:lstStyle/>
-          <a:p>
-            <a:fld id="{74CECDD8-AECE-0D4A-A402-9518D275F65F}" type="datetimeFigureOut">
-              <a:rPr lang="en-US" smtClean="0"/>
-              <a:t>6/15/23</a:t>
-            </a:fld>
-            <a:endParaRPr lang="en-US"/>
-          </a:p>
-        </p:txBody>
-      </p:sp>
-      <p:sp>
-        <p:nvSpPr>
-          <p:cNvPr id="6" name="Footer Placeholder 5"/>
-          <p:cNvSpPr>
-            <a:spLocks noGrp="1"/>
-          </p:cNvSpPr>
-          <p:nvPr>
-            <p:ph type="ftr" sz="quarter" idx="11"/>
-          </p:nvPr>
-        </p:nvSpPr>
-        <p:spPr/>
-        <p:txBody>
-          <a:bodyPr/>
-          <a:lstStyle/>
-          <a:p>
-            <a:endParaRPr lang="en-US"/>
-          </a:p>
-        </p:txBody>
-      </p:sp>
-      <p:sp>
-        <p:nvSpPr>
-          <p:cNvPr id="9" name="Freeform 11"/>
-          <p:cNvSpPr/>
-          <p:nvPr/>
-        </p:nvSpPr>
-        <p:spPr bwMode="auto">
-          <a:xfrm flipV="1">
-            <a:off x="-4189" y="4911725"/>
-            <a:ext cx="1588527" cy="507297"/>
-          </a:xfrm>
-          <a:custGeom>
-            <a:avLst/>
-            <a:gdLst/>
-            <a:ahLst/>
-            <a:cxnLst/>
-            <a:rect l="l" t="t" r="r" b="b"/>
-            <a:pathLst>
-              <a:path w="9248" h="10000">
-                <a:moveTo>
-                  <a:pt x="9248" y="4701"/>
-                </a:moveTo>
-                <a:lnTo>
-                  <a:pt x="7915" y="188"/>
-                </a:lnTo>
-                <a:cubicBezTo>
-                  <a:pt x="7906" y="156"/>
-                  <a:pt x="7895" y="126"/>
-                  <a:pt x="7886" y="94"/>
-                </a:cubicBezTo>
-                <a:cubicBezTo>
-                  <a:pt x="7859" y="0"/>
-                  <a:pt x="7831" y="0"/>
-                  <a:pt x="7803" y="0"/>
-                </a:cubicBezTo>
-                <a:lnTo>
-                  <a:pt x="7275" y="0"/>
-                </a:lnTo>
-                <a:lnTo>
-                  <a:pt x="0" y="70"/>
-                </a:lnTo>
-                <a:cubicBezTo>
-                  <a:pt x="8" y="3380"/>
-                  <a:pt x="17" y="6690"/>
-                  <a:pt x="25" y="10000"/>
-                </a:cubicBezTo>
-                <a:lnTo>
-                  <a:pt x="7275" y="9966"/>
-                </a:lnTo>
-                <a:lnTo>
-                  <a:pt x="7803" y="9966"/>
-                </a:lnTo>
-                <a:cubicBezTo>
-                  <a:pt x="7831" y="9966"/>
-                  <a:pt x="7859" y="9872"/>
-                  <a:pt x="7886" y="9872"/>
-                </a:cubicBezTo>
-                <a:cubicBezTo>
-                  <a:pt x="7886" y="9778"/>
-                  <a:pt x="7915" y="9778"/>
-                  <a:pt x="7915" y="9778"/>
-                </a:cubicBezTo>
-                <a:lnTo>
-                  <a:pt x="9248" y="5265"/>
-                </a:lnTo>
-                <a:cubicBezTo>
-                  <a:pt x="9303" y="5077"/>
-                  <a:pt x="9303" y="4889"/>
-                  <a:pt x="9248" y="4701"/>
-                </a:cubicBezTo>
-                <a:close/>
-              </a:path>
-            </a:pathLst>
-          </a:custGeom>
-          <a:solidFill>
-            <a:schemeClr val="accent1"/>
-          </a:solidFill>
-          <a:ln>
-            <a:noFill/>
-          </a:ln>
-        </p:spPr>
-      </p:sp>
-      <p:sp>
-        <p:nvSpPr>
-          <p:cNvPr id="7" name="Slide Number Placeholder 6"/>
-          <p:cNvSpPr>
-            <a:spLocks noGrp="1"/>
-          </p:cNvSpPr>
-          <p:nvPr>
-            <p:ph type="sldNum" sz="quarter" idx="12"/>
-          </p:nvPr>
-        </p:nvSpPr>
-        <p:spPr>
-          <a:xfrm>
-            <a:off x="531812" y="4983087"/>
-            <a:ext cx="779767" cy="365125"/>
-          </a:xfrm>
-        </p:spPr>
-        <p:txBody>
-          <a:bodyPr/>
-          <a:lstStyle/>
-          <a:p>
-            <a:fld id="{CAFD2F9E-BB41-884C-A1F3-451B4D199A0C}" type="slidenum">
-              <a:rPr lang="en-US" smtClean="0"/>
-              <a:t>‹#›</a:t>
-            </a:fld>
-            <a:endParaRPr lang="en-US"/>
-          </a:p>
-        </p:txBody>
-      </p:sp>
-    </p:spTree>
-    <p:extLst>
-      <p:ext uri="{BB962C8B-B14F-4D97-AF65-F5344CB8AC3E}">
-        <p14:creationId xmlns:p14="http://schemas.microsoft.com/office/powerpoint/2010/main" val="2379615331"/>
+        <p14:creationId xmlns:p14="http://schemas.microsoft.com/office/powerpoint/2010/main" val="1573484351"/>
       </p:ext>
     </p:extLst>
   </p:cSld>
@@ -7425,7 +6207,7 @@
           <a:p>
             <a:fld id="{74CECDD8-AECE-0D4A-A402-9518D275F65F}" type="datetimeFigureOut">
               <a:rPr lang="en-US" smtClean="0"/>
-              <a:t>6/15/23</a:t>
+              <a:t>8/9/2023</a:t>
             </a:fld>
             <a:endParaRPr lang="en-US"/>
           </a:p>
@@ -7477,1236 +6259,6 @@
     <p:extLst>
       <p:ext uri="{BB962C8B-B14F-4D97-AF65-F5344CB8AC3E}">
         <p14:creationId xmlns:p14="http://schemas.microsoft.com/office/powerpoint/2010/main" val="254375857"/>
-      </p:ext>
-    </p:extLst>
-  </p:cSld>
-  <p:clrMapOvr>
-    <a:masterClrMapping/>
-  </p:clrMapOvr>
-</p:sldLayout>
-</file>
-
-<file path=ppt/slideLayouts/slideLayout30.xml><?xml version="1.0" encoding="utf-8"?>
-<p:sldLayout xmlns:a="http://schemas.openxmlformats.org/drawingml/2006/main" xmlns:r="http://schemas.openxmlformats.org/officeDocument/2006/relationships" xmlns:p="http://schemas.openxmlformats.org/presentationml/2006/main" preserve="1">
-  <p:cSld name="Quote Name Card">
-    <p:spTree>
-      <p:nvGrpSpPr>
-        <p:cNvPr id="1" name=""/>
-        <p:cNvGrpSpPr/>
-        <p:nvPr/>
-      </p:nvGrpSpPr>
-      <p:grpSpPr>
-        <a:xfrm>
-          <a:off x="0" y="0"/>
-          <a:ext cx="0" cy="0"/>
-          <a:chOff x="0" y="0"/>
-          <a:chExt cx="0" cy="0"/>
-        </a:xfrm>
-      </p:grpSpPr>
-      <p:sp>
-        <p:nvSpPr>
-          <p:cNvPr id="12" name="Title 1"/>
-          <p:cNvSpPr>
-            <a:spLocks noGrp="1"/>
-          </p:cNvSpPr>
-          <p:nvPr>
-            <p:ph type="title"/>
-          </p:nvPr>
-        </p:nvSpPr>
-        <p:spPr>
-          <a:xfrm>
-            <a:off x="2849949" y="609600"/>
-            <a:ext cx="8393926" cy="2895600"/>
-          </a:xfrm>
-        </p:spPr>
-        <p:txBody>
-          <a:bodyPr anchor="ctr">
-            <a:normAutofit/>
-          </a:bodyPr>
-          <a:lstStyle>
-            <a:lvl1pPr algn="l">
-              <a:defRPr sz="4800" b="0" cap="none"/>
-            </a:lvl1pPr>
-          </a:lstStyle>
-          <a:p>
-            <a:r>
-              <a:rPr lang="en-US"/>
-              <a:t>Click to edit Master title style</a:t>
-            </a:r>
-            <a:endParaRPr lang="en-US" dirty="0"/>
-          </a:p>
-        </p:txBody>
-      </p:sp>
-      <p:sp>
-        <p:nvSpPr>
-          <p:cNvPr id="21" name="Text Placeholder 9"/>
-          <p:cNvSpPr>
-            <a:spLocks noGrp="1"/>
-          </p:cNvSpPr>
-          <p:nvPr>
-            <p:ph type="body" sz="quarter" idx="13"/>
-          </p:nvPr>
-        </p:nvSpPr>
-        <p:spPr>
-          <a:xfrm>
-            <a:off x="2589212" y="4343400"/>
-            <a:ext cx="8915400" cy="838200"/>
-          </a:xfrm>
-        </p:spPr>
-        <p:txBody>
-          <a:bodyPr anchor="b">
-            <a:noAutofit/>
-          </a:bodyPr>
-          <a:lstStyle>
-            <a:lvl1pPr marL="0" indent="0">
-              <a:buFontTx/>
-              <a:buNone/>
-              <a:defRPr sz="2400">
-                <a:solidFill>
-                  <a:schemeClr val="accent1"/>
-                </a:solidFill>
-              </a:defRPr>
-            </a:lvl1pPr>
-            <a:lvl2pPr marL="457200" indent="0">
-              <a:buFontTx/>
-              <a:buNone/>
-              <a:defRPr/>
-            </a:lvl2pPr>
-            <a:lvl3pPr marL="914400" indent="0">
-              <a:buFontTx/>
-              <a:buNone/>
-              <a:defRPr/>
-            </a:lvl3pPr>
-            <a:lvl4pPr marL="1371600" indent="0">
-              <a:buFontTx/>
-              <a:buNone/>
-              <a:defRPr/>
-            </a:lvl4pPr>
-            <a:lvl5pPr marL="1828800" indent="0">
-              <a:buFontTx/>
-              <a:buNone/>
-              <a:defRPr/>
-            </a:lvl5pPr>
-          </a:lstStyle>
-          <a:p>
-            <a:pPr lvl="0"/>
-            <a:r>
-              <a:rPr lang="en-US"/>
-              <a:t>Click to edit Master text styles</a:t>
-            </a:r>
-          </a:p>
-        </p:txBody>
-      </p:sp>
-      <p:sp>
-        <p:nvSpPr>
-          <p:cNvPr id="4" name="Text Placeholder 3"/>
-          <p:cNvSpPr>
-            <a:spLocks noGrp="1"/>
-          </p:cNvSpPr>
-          <p:nvPr>
-            <p:ph type="body" sz="half" idx="2"/>
-          </p:nvPr>
-        </p:nvSpPr>
-        <p:spPr>
-          <a:xfrm>
-            <a:off x="2589213" y="5181600"/>
-            <a:ext cx="8915400" cy="729622"/>
-          </a:xfrm>
-        </p:spPr>
-        <p:txBody>
-          <a:bodyPr vert="horz" lIns="91440" tIns="45720" rIns="91440" bIns="45720" rtlCol="0" anchor="t">
-            <a:normAutofit/>
-          </a:bodyPr>
-          <a:lstStyle>
-            <a:lvl1pPr>
-              <a:buNone/>
-              <a:defRPr lang="en-US">
-                <a:solidFill>
-                  <a:schemeClr val="tx1">
-                    <a:lumMod val="65000"/>
-                    <a:lumOff val="35000"/>
-                  </a:schemeClr>
-                </a:solidFill>
-              </a:defRPr>
-            </a:lvl1pPr>
-          </a:lstStyle>
-          <a:p>
-            <a:pPr marL="0" lvl="0" indent="0">
-              <a:buNone/>
-            </a:pPr>
-            <a:r>
-              <a:rPr lang="en-US"/>
-              <a:t>Click to edit Master text styles</a:t>
-            </a:r>
-          </a:p>
-        </p:txBody>
-      </p:sp>
-      <p:sp>
-        <p:nvSpPr>
-          <p:cNvPr id="5" name="Date Placeholder 4"/>
-          <p:cNvSpPr>
-            <a:spLocks noGrp="1"/>
-          </p:cNvSpPr>
-          <p:nvPr>
-            <p:ph type="dt" sz="half" idx="10"/>
-          </p:nvPr>
-        </p:nvSpPr>
-        <p:spPr/>
-        <p:txBody>
-          <a:bodyPr/>
-          <a:lstStyle/>
-          <a:p>
-            <a:fld id="{74CECDD8-AECE-0D4A-A402-9518D275F65F}" type="datetimeFigureOut">
-              <a:rPr lang="en-US" smtClean="0"/>
-              <a:t>6/15/23</a:t>
-            </a:fld>
-            <a:endParaRPr lang="en-US"/>
-          </a:p>
-        </p:txBody>
-      </p:sp>
-      <p:sp>
-        <p:nvSpPr>
-          <p:cNvPr id="6" name="Footer Placeholder 5"/>
-          <p:cNvSpPr>
-            <a:spLocks noGrp="1"/>
-          </p:cNvSpPr>
-          <p:nvPr>
-            <p:ph type="ftr" sz="quarter" idx="11"/>
-          </p:nvPr>
-        </p:nvSpPr>
-        <p:spPr/>
-        <p:txBody>
-          <a:bodyPr/>
-          <a:lstStyle/>
-          <a:p>
-            <a:endParaRPr lang="en-US"/>
-          </a:p>
-        </p:txBody>
-      </p:sp>
-      <p:sp>
-        <p:nvSpPr>
-          <p:cNvPr id="11" name="Freeform 11"/>
-          <p:cNvSpPr/>
-          <p:nvPr/>
-        </p:nvSpPr>
-        <p:spPr bwMode="auto">
-          <a:xfrm flipV="1">
-            <a:off x="-4189" y="4911725"/>
-            <a:ext cx="1588527" cy="507297"/>
-          </a:xfrm>
-          <a:custGeom>
-            <a:avLst/>
-            <a:gdLst/>
-            <a:ahLst/>
-            <a:cxnLst/>
-            <a:rect l="l" t="t" r="r" b="b"/>
-            <a:pathLst>
-              <a:path w="9248" h="10000">
-                <a:moveTo>
-                  <a:pt x="9248" y="4701"/>
-                </a:moveTo>
-                <a:lnTo>
-                  <a:pt x="7915" y="188"/>
-                </a:lnTo>
-                <a:cubicBezTo>
-                  <a:pt x="7906" y="156"/>
-                  <a:pt x="7895" y="126"/>
-                  <a:pt x="7886" y="94"/>
-                </a:cubicBezTo>
-                <a:cubicBezTo>
-                  <a:pt x="7859" y="0"/>
-                  <a:pt x="7831" y="0"/>
-                  <a:pt x="7803" y="0"/>
-                </a:cubicBezTo>
-                <a:lnTo>
-                  <a:pt x="7275" y="0"/>
-                </a:lnTo>
-                <a:lnTo>
-                  <a:pt x="0" y="70"/>
-                </a:lnTo>
-                <a:cubicBezTo>
-                  <a:pt x="8" y="3380"/>
-                  <a:pt x="17" y="6690"/>
-                  <a:pt x="25" y="10000"/>
-                </a:cubicBezTo>
-                <a:lnTo>
-                  <a:pt x="7275" y="9966"/>
-                </a:lnTo>
-                <a:lnTo>
-                  <a:pt x="7803" y="9966"/>
-                </a:lnTo>
-                <a:cubicBezTo>
-                  <a:pt x="7831" y="9966"/>
-                  <a:pt x="7859" y="9872"/>
-                  <a:pt x="7886" y="9872"/>
-                </a:cubicBezTo>
-                <a:cubicBezTo>
-                  <a:pt x="7886" y="9778"/>
-                  <a:pt x="7915" y="9778"/>
-                  <a:pt x="7915" y="9778"/>
-                </a:cubicBezTo>
-                <a:lnTo>
-                  <a:pt x="9248" y="5265"/>
-                </a:lnTo>
-                <a:cubicBezTo>
-                  <a:pt x="9303" y="5077"/>
-                  <a:pt x="9303" y="4889"/>
-                  <a:pt x="9248" y="4701"/>
-                </a:cubicBezTo>
-                <a:close/>
-              </a:path>
-            </a:pathLst>
-          </a:custGeom>
-          <a:solidFill>
-            <a:schemeClr val="accent1"/>
-          </a:solidFill>
-          <a:ln>
-            <a:noFill/>
-          </a:ln>
-        </p:spPr>
-      </p:sp>
-      <p:sp>
-        <p:nvSpPr>
-          <p:cNvPr id="7" name="Slide Number Placeholder 6"/>
-          <p:cNvSpPr>
-            <a:spLocks noGrp="1"/>
-          </p:cNvSpPr>
-          <p:nvPr>
-            <p:ph type="sldNum" sz="quarter" idx="12"/>
-          </p:nvPr>
-        </p:nvSpPr>
-        <p:spPr>
-          <a:xfrm>
-            <a:off x="531812" y="4983087"/>
-            <a:ext cx="779767" cy="365125"/>
-          </a:xfrm>
-        </p:spPr>
-        <p:txBody>
-          <a:bodyPr/>
-          <a:lstStyle/>
-          <a:p>
-            <a:fld id="{CAFD2F9E-BB41-884C-A1F3-451B4D199A0C}" type="slidenum">
-              <a:rPr lang="en-US" smtClean="0"/>
-              <a:t>‹#›</a:t>
-            </a:fld>
-            <a:endParaRPr lang="en-US"/>
-          </a:p>
-        </p:txBody>
-      </p:sp>
-      <p:sp>
-        <p:nvSpPr>
-          <p:cNvPr id="17" name="TextBox 16"/>
-          <p:cNvSpPr txBox="1"/>
-          <p:nvPr/>
-        </p:nvSpPr>
-        <p:spPr>
-          <a:xfrm>
-            <a:off x="2467652" y="648005"/>
-            <a:ext cx="609600" cy="584776"/>
-          </a:xfrm>
-          <a:prstGeom prst="rect">
-            <a:avLst/>
-          </a:prstGeom>
-        </p:spPr>
-        <p:txBody>
-          <a:bodyPr vert="horz" lIns="91440" tIns="45720" rIns="91440" bIns="45720" rtlCol="0" anchor="ctr">
-            <a:noAutofit/>
-          </a:bodyPr>
-          <a:lstStyle/>
-          <a:p>
-            <a:pPr lvl="0"/>
-            <a:r>
-              <a:rPr lang="en-US" sz="8000" baseline="0" dirty="0">
-                <a:ln w="3175" cmpd="sng">
-                  <a:noFill/>
-                </a:ln>
-                <a:solidFill>
-                  <a:schemeClr val="accent1"/>
-                </a:solidFill>
-                <a:effectLst/>
-                <a:latin typeface="Arial"/>
-              </a:rPr>
-              <a:t>“</a:t>
-            </a:r>
-          </a:p>
-        </p:txBody>
-      </p:sp>
-      <p:sp>
-        <p:nvSpPr>
-          <p:cNvPr id="18" name="TextBox 17"/>
-          <p:cNvSpPr txBox="1"/>
-          <p:nvPr/>
-        </p:nvSpPr>
-        <p:spPr>
-          <a:xfrm>
-            <a:off x="11114852" y="2905306"/>
-            <a:ext cx="609600" cy="584776"/>
-          </a:xfrm>
-          <a:prstGeom prst="rect">
-            <a:avLst/>
-          </a:prstGeom>
-        </p:spPr>
-        <p:txBody>
-          <a:bodyPr vert="horz" lIns="91440" tIns="45720" rIns="91440" bIns="45720" rtlCol="0" anchor="ctr">
-            <a:noAutofit/>
-          </a:bodyPr>
-          <a:lstStyle/>
-          <a:p>
-            <a:pPr lvl="0"/>
-            <a:r>
-              <a:rPr lang="en-US" sz="8000" baseline="0" dirty="0">
-                <a:ln w="3175" cmpd="sng">
-                  <a:noFill/>
-                </a:ln>
-                <a:solidFill>
-                  <a:schemeClr val="accent1"/>
-                </a:solidFill>
-                <a:effectLst/>
-                <a:latin typeface="Arial"/>
-              </a:rPr>
-              <a:t>”</a:t>
-            </a:r>
-          </a:p>
-        </p:txBody>
-      </p:sp>
-    </p:spTree>
-    <p:extLst>
-      <p:ext uri="{BB962C8B-B14F-4D97-AF65-F5344CB8AC3E}">
-        <p14:creationId xmlns:p14="http://schemas.microsoft.com/office/powerpoint/2010/main" val="2873383037"/>
-      </p:ext>
-    </p:extLst>
-  </p:cSld>
-  <p:clrMapOvr>
-    <a:masterClrMapping/>
-  </p:clrMapOvr>
-</p:sldLayout>
-</file>
-
-<file path=ppt/slideLayouts/slideLayout31.xml><?xml version="1.0" encoding="utf-8"?>
-<p:sldLayout xmlns:a="http://schemas.openxmlformats.org/drawingml/2006/main" xmlns:r="http://schemas.openxmlformats.org/officeDocument/2006/relationships" xmlns:p="http://schemas.openxmlformats.org/presentationml/2006/main" preserve="1">
-  <p:cSld name="True or False">
-    <p:spTree>
-      <p:nvGrpSpPr>
-        <p:cNvPr id="1" name=""/>
-        <p:cNvGrpSpPr/>
-        <p:nvPr/>
-      </p:nvGrpSpPr>
-      <p:grpSpPr>
-        <a:xfrm>
-          <a:off x="0" y="0"/>
-          <a:ext cx="0" cy="0"/>
-          <a:chOff x="0" y="0"/>
-          <a:chExt cx="0" cy="0"/>
-        </a:xfrm>
-      </p:grpSpPr>
-      <p:sp>
-        <p:nvSpPr>
-          <p:cNvPr id="2" name="Title 1"/>
-          <p:cNvSpPr>
-            <a:spLocks noGrp="1"/>
-          </p:cNvSpPr>
-          <p:nvPr>
-            <p:ph type="title"/>
-          </p:nvPr>
-        </p:nvSpPr>
-        <p:spPr>
-          <a:xfrm>
-            <a:off x="2589212" y="627407"/>
-            <a:ext cx="8915399" cy="2880020"/>
-          </a:xfrm>
-        </p:spPr>
-        <p:txBody>
-          <a:bodyPr anchor="ctr">
-            <a:normAutofit/>
-          </a:bodyPr>
-          <a:lstStyle>
-            <a:lvl1pPr algn="l">
-              <a:defRPr sz="4800" b="0"/>
-            </a:lvl1pPr>
-          </a:lstStyle>
-          <a:p>
-            <a:r>
-              <a:rPr lang="en-US"/>
-              <a:t>Click to edit Master title style</a:t>
-            </a:r>
-            <a:endParaRPr lang="en-US" dirty="0"/>
-          </a:p>
-        </p:txBody>
-      </p:sp>
-      <p:sp>
-        <p:nvSpPr>
-          <p:cNvPr id="21" name="Text Placeholder 9"/>
-          <p:cNvSpPr>
-            <a:spLocks noGrp="1"/>
-          </p:cNvSpPr>
-          <p:nvPr>
-            <p:ph type="body" sz="quarter" idx="13"/>
-          </p:nvPr>
-        </p:nvSpPr>
-        <p:spPr>
-          <a:xfrm>
-            <a:off x="2589212" y="4343400"/>
-            <a:ext cx="8915400" cy="838200"/>
-          </a:xfrm>
-        </p:spPr>
-        <p:txBody>
-          <a:bodyPr anchor="b">
-            <a:noAutofit/>
-          </a:bodyPr>
-          <a:lstStyle>
-            <a:lvl1pPr marL="0" indent="0">
-              <a:buFontTx/>
-              <a:buNone/>
-              <a:defRPr sz="2400">
-                <a:solidFill>
-                  <a:schemeClr val="accent1"/>
-                </a:solidFill>
-              </a:defRPr>
-            </a:lvl1pPr>
-            <a:lvl2pPr marL="457200" indent="0">
-              <a:buFontTx/>
-              <a:buNone/>
-              <a:defRPr/>
-            </a:lvl2pPr>
-            <a:lvl3pPr marL="914400" indent="0">
-              <a:buFontTx/>
-              <a:buNone/>
-              <a:defRPr/>
-            </a:lvl3pPr>
-            <a:lvl4pPr marL="1371600" indent="0">
-              <a:buFontTx/>
-              <a:buNone/>
-              <a:defRPr/>
-            </a:lvl4pPr>
-            <a:lvl5pPr marL="1828800" indent="0">
-              <a:buFontTx/>
-              <a:buNone/>
-              <a:defRPr/>
-            </a:lvl5pPr>
-          </a:lstStyle>
-          <a:p>
-            <a:pPr lvl="0"/>
-            <a:r>
-              <a:rPr lang="en-US"/>
-              <a:t>Click to edit Master text styles</a:t>
-            </a:r>
-          </a:p>
-        </p:txBody>
-      </p:sp>
-      <p:sp>
-        <p:nvSpPr>
-          <p:cNvPr id="4" name="Text Placeholder 3"/>
-          <p:cNvSpPr>
-            <a:spLocks noGrp="1"/>
-          </p:cNvSpPr>
-          <p:nvPr>
-            <p:ph type="body" sz="half" idx="2"/>
-          </p:nvPr>
-        </p:nvSpPr>
-        <p:spPr>
-          <a:xfrm>
-            <a:off x="2589213" y="5181600"/>
-            <a:ext cx="8915400" cy="729622"/>
-          </a:xfrm>
-        </p:spPr>
-        <p:txBody>
-          <a:bodyPr vert="horz" lIns="91440" tIns="45720" rIns="91440" bIns="45720" rtlCol="0" anchor="t">
-            <a:normAutofit/>
-          </a:bodyPr>
-          <a:lstStyle>
-            <a:lvl1pPr>
-              <a:buNone/>
-              <a:defRPr lang="en-US">
-                <a:solidFill>
-                  <a:schemeClr val="tx1">
-                    <a:lumMod val="65000"/>
-                    <a:lumOff val="35000"/>
-                  </a:schemeClr>
-                </a:solidFill>
-              </a:defRPr>
-            </a:lvl1pPr>
-          </a:lstStyle>
-          <a:p>
-            <a:pPr marL="0" lvl="0" indent="0">
-              <a:buNone/>
-            </a:pPr>
-            <a:r>
-              <a:rPr lang="en-US"/>
-              <a:t>Click to edit Master text styles</a:t>
-            </a:r>
-          </a:p>
-        </p:txBody>
-      </p:sp>
-      <p:sp>
-        <p:nvSpPr>
-          <p:cNvPr id="5" name="Date Placeholder 4"/>
-          <p:cNvSpPr>
-            <a:spLocks noGrp="1"/>
-          </p:cNvSpPr>
-          <p:nvPr>
-            <p:ph type="dt" sz="half" idx="10"/>
-          </p:nvPr>
-        </p:nvSpPr>
-        <p:spPr/>
-        <p:txBody>
-          <a:bodyPr/>
-          <a:lstStyle/>
-          <a:p>
-            <a:fld id="{74CECDD8-AECE-0D4A-A402-9518D275F65F}" type="datetimeFigureOut">
-              <a:rPr lang="en-US" smtClean="0"/>
-              <a:t>6/15/23</a:t>
-            </a:fld>
-            <a:endParaRPr lang="en-US"/>
-          </a:p>
-        </p:txBody>
-      </p:sp>
-      <p:sp>
-        <p:nvSpPr>
-          <p:cNvPr id="6" name="Footer Placeholder 5"/>
-          <p:cNvSpPr>
-            <a:spLocks noGrp="1"/>
-          </p:cNvSpPr>
-          <p:nvPr>
-            <p:ph type="ftr" sz="quarter" idx="11"/>
-          </p:nvPr>
-        </p:nvSpPr>
-        <p:spPr/>
-        <p:txBody>
-          <a:bodyPr/>
-          <a:lstStyle/>
-          <a:p>
-            <a:endParaRPr lang="en-US"/>
-          </a:p>
-        </p:txBody>
-      </p:sp>
-      <p:sp>
-        <p:nvSpPr>
-          <p:cNvPr id="9" name="Freeform 11"/>
-          <p:cNvSpPr/>
-          <p:nvPr/>
-        </p:nvSpPr>
-        <p:spPr bwMode="auto">
-          <a:xfrm flipV="1">
-            <a:off x="-4189" y="4911725"/>
-            <a:ext cx="1588527" cy="507297"/>
-          </a:xfrm>
-          <a:custGeom>
-            <a:avLst/>
-            <a:gdLst/>
-            <a:ahLst/>
-            <a:cxnLst/>
-            <a:rect l="l" t="t" r="r" b="b"/>
-            <a:pathLst>
-              <a:path w="9248" h="10000">
-                <a:moveTo>
-                  <a:pt x="9248" y="4701"/>
-                </a:moveTo>
-                <a:lnTo>
-                  <a:pt x="7915" y="188"/>
-                </a:lnTo>
-                <a:cubicBezTo>
-                  <a:pt x="7906" y="156"/>
-                  <a:pt x="7895" y="126"/>
-                  <a:pt x="7886" y="94"/>
-                </a:cubicBezTo>
-                <a:cubicBezTo>
-                  <a:pt x="7859" y="0"/>
-                  <a:pt x="7831" y="0"/>
-                  <a:pt x="7803" y="0"/>
-                </a:cubicBezTo>
-                <a:lnTo>
-                  <a:pt x="7275" y="0"/>
-                </a:lnTo>
-                <a:lnTo>
-                  <a:pt x="0" y="70"/>
-                </a:lnTo>
-                <a:cubicBezTo>
-                  <a:pt x="8" y="3380"/>
-                  <a:pt x="17" y="6690"/>
-                  <a:pt x="25" y="10000"/>
-                </a:cubicBezTo>
-                <a:lnTo>
-                  <a:pt x="7275" y="9966"/>
-                </a:lnTo>
-                <a:lnTo>
-                  <a:pt x="7803" y="9966"/>
-                </a:lnTo>
-                <a:cubicBezTo>
-                  <a:pt x="7831" y="9966"/>
-                  <a:pt x="7859" y="9872"/>
-                  <a:pt x="7886" y="9872"/>
-                </a:cubicBezTo>
-                <a:cubicBezTo>
-                  <a:pt x="7886" y="9778"/>
-                  <a:pt x="7915" y="9778"/>
-                  <a:pt x="7915" y="9778"/>
-                </a:cubicBezTo>
-                <a:lnTo>
-                  <a:pt x="9248" y="5265"/>
-                </a:lnTo>
-                <a:cubicBezTo>
-                  <a:pt x="9303" y="5077"/>
-                  <a:pt x="9303" y="4889"/>
-                  <a:pt x="9248" y="4701"/>
-                </a:cubicBezTo>
-                <a:close/>
-              </a:path>
-            </a:pathLst>
-          </a:custGeom>
-          <a:solidFill>
-            <a:schemeClr val="accent1"/>
-          </a:solidFill>
-          <a:ln>
-            <a:noFill/>
-          </a:ln>
-        </p:spPr>
-      </p:sp>
-      <p:sp>
-        <p:nvSpPr>
-          <p:cNvPr id="7" name="Slide Number Placeholder 6"/>
-          <p:cNvSpPr>
-            <a:spLocks noGrp="1"/>
-          </p:cNvSpPr>
-          <p:nvPr>
-            <p:ph type="sldNum" sz="quarter" idx="12"/>
-          </p:nvPr>
-        </p:nvSpPr>
-        <p:spPr>
-          <a:xfrm>
-            <a:off x="531812" y="4983087"/>
-            <a:ext cx="779767" cy="365125"/>
-          </a:xfrm>
-        </p:spPr>
-        <p:txBody>
-          <a:bodyPr/>
-          <a:lstStyle/>
-          <a:p>
-            <a:fld id="{CAFD2F9E-BB41-884C-A1F3-451B4D199A0C}" type="slidenum">
-              <a:rPr lang="en-US" smtClean="0"/>
-              <a:t>‹#›</a:t>
-            </a:fld>
-            <a:endParaRPr lang="en-US"/>
-          </a:p>
-        </p:txBody>
-      </p:sp>
-    </p:spTree>
-    <p:extLst>
-      <p:ext uri="{BB962C8B-B14F-4D97-AF65-F5344CB8AC3E}">
-        <p14:creationId xmlns:p14="http://schemas.microsoft.com/office/powerpoint/2010/main" val="2805091109"/>
-      </p:ext>
-    </p:extLst>
-  </p:cSld>
-  <p:clrMapOvr>
-    <a:masterClrMapping/>
-  </p:clrMapOvr>
-</p:sldLayout>
-</file>
-
-<file path=ppt/slideLayouts/slideLayout32.xml><?xml version="1.0" encoding="utf-8"?>
-<p:sldLayout xmlns:a="http://schemas.openxmlformats.org/drawingml/2006/main" xmlns:r="http://schemas.openxmlformats.org/officeDocument/2006/relationships" xmlns:p="http://schemas.openxmlformats.org/presentationml/2006/main" type="vertTx" preserve="1">
-  <p:cSld name="Title and Vertical Text">
-    <p:spTree>
-      <p:nvGrpSpPr>
-        <p:cNvPr id="1" name=""/>
-        <p:cNvGrpSpPr/>
-        <p:nvPr/>
-      </p:nvGrpSpPr>
-      <p:grpSpPr>
-        <a:xfrm>
-          <a:off x="0" y="0"/>
-          <a:ext cx="0" cy="0"/>
-          <a:chOff x="0" y="0"/>
-          <a:chExt cx="0" cy="0"/>
-        </a:xfrm>
-      </p:grpSpPr>
-      <p:sp>
-        <p:nvSpPr>
-          <p:cNvPr id="2" name="Title 1"/>
-          <p:cNvSpPr>
-            <a:spLocks noGrp="1"/>
-          </p:cNvSpPr>
-          <p:nvPr>
-            <p:ph type="title"/>
-          </p:nvPr>
-        </p:nvSpPr>
-        <p:spPr/>
-        <p:txBody>
-          <a:bodyPr/>
-          <a:lstStyle/>
-          <a:p>
-            <a:r>
-              <a:rPr lang="en-US"/>
-              <a:t>Click to edit Master title style</a:t>
-            </a:r>
-            <a:endParaRPr lang="en-US" dirty="0"/>
-          </a:p>
-        </p:txBody>
-      </p:sp>
-      <p:sp>
-        <p:nvSpPr>
-          <p:cNvPr id="3" name="Vertical Text Placeholder 2"/>
-          <p:cNvSpPr>
-            <a:spLocks noGrp="1"/>
-          </p:cNvSpPr>
-          <p:nvPr>
-            <p:ph type="body" orient="vert" idx="1"/>
-          </p:nvPr>
-        </p:nvSpPr>
-        <p:spPr/>
-        <p:txBody>
-          <a:bodyPr vert="eaVert" anchor="t"/>
-          <a:lstStyle/>
-          <a:p>
-            <a:pPr lvl="0"/>
-            <a:r>
-              <a:rPr lang="en-US"/>
-              <a:t>Click to edit Master text styles</a:t>
-            </a:r>
-          </a:p>
-          <a:p>
-            <a:pPr lvl="1"/>
-            <a:r>
-              <a:rPr lang="en-US"/>
-              <a:t>Second level</a:t>
-            </a:r>
-          </a:p>
-          <a:p>
-            <a:pPr lvl="2"/>
-            <a:r>
-              <a:rPr lang="en-US"/>
-              <a:t>Third level</a:t>
-            </a:r>
-          </a:p>
-          <a:p>
-            <a:pPr lvl="3"/>
-            <a:r>
-              <a:rPr lang="en-US"/>
-              <a:t>Fourth level</a:t>
-            </a:r>
-          </a:p>
-          <a:p>
-            <a:pPr lvl="4"/>
-            <a:r>
-              <a:rPr lang="en-US"/>
-              <a:t>Fifth level</a:t>
-            </a:r>
-            <a:endParaRPr lang="en-US" dirty="0"/>
-          </a:p>
-        </p:txBody>
-      </p:sp>
-      <p:sp>
-        <p:nvSpPr>
-          <p:cNvPr id="4" name="Date Placeholder 3"/>
-          <p:cNvSpPr>
-            <a:spLocks noGrp="1"/>
-          </p:cNvSpPr>
-          <p:nvPr>
-            <p:ph type="dt" sz="half" idx="10"/>
-          </p:nvPr>
-        </p:nvSpPr>
-        <p:spPr/>
-        <p:txBody>
-          <a:bodyPr/>
-          <a:lstStyle/>
-          <a:p>
-            <a:fld id="{74CECDD8-AECE-0D4A-A402-9518D275F65F}" type="datetimeFigureOut">
-              <a:rPr lang="en-US" smtClean="0"/>
-              <a:t>6/15/23</a:t>
-            </a:fld>
-            <a:endParaRPr lang="en-US"/>
-          </a:p>
-        </p:txBody>
-      </p:sp>
-      <p:sp>
-        <p:nvSpPr>
-          <p:cNvPr id="5" name="Footer Placeholder 4"/>
-          <p:cNvSpPr>
-            <a:spLocks noGrp="1"/>
-          </p:cNvSpPr>
-          <p:nvPr>
-            <p:ph type="ftr" sz="quarter" idx="11"/>
-          </p:nvPr>
-        </p:nvSpPr>
-        <p:spPr/>
-        <p:txBody>
-          <a:bodyPr/>
-          <a:lstStyle/>
-          <a:p>
-            <a:endParaRPr lang="en-US"/>
-          </a:p>
-        </p:txBody>
-      </p:sp>
-      <p:sp>
-        <p:nvSpPr>
-          <p:cNvPr id="8" name="Freeform 11"/>
-          <p:cNvSpPr/>
-          <p:nvPr/>
-        </p:nvSpPr>
-        <p:spPr bwMode="auto">
-          <a:xfrm flipV="1">
-            <a:off x="-4189" y="714375"/>
-            <a:ext cx="1588527" cy="507297"/>
-          </a:xfrm>
-          <a:custGeom>
-            <a:avLst/>
-            <a:gdLst/>
-            <a:ahLst/>
-            <a:cxnLst/>
-            <a:rect l="l" t="t" r="r" b="b"/>
-            <a:pathLst>
-              <a:path w="9248" h="10000">
-                <a:moveTo>
-                  <a:pt x="9248" y="4701"/>
-                </a:moveTo>
-                <a:lnTo>
-                  <a:pt x="7915" y="188"/>
-                </a:lnTo>
-                <a:cubicBezTo>
-                  <a:pt x="7906" y="156"/>
-                  <a:pt x="7895" y="126"/>
-                  <a:pt x="7886" y="94"/>
-                </a:cubicBezTo>
-                <a:cubicBezTo>
-                  <a:pt x="7859" y="0"/>
-                  <a:pt x="7831" y="0"/>
-                  <a:pt x="7803" y="0"/>
-                </a:cubicBezTo>
-                <a:lnTo>
-                  <a:pt x="7275" y="0"/>
-                </a:lnTo>
-                <a:lnTo>
-                  <a:pt x="0" y="70"/>
-                </a:lnTo>
-                <a:cubicBezTo>
-                  <a:pt x="8" y="3380"/>
-                  <a:pt x="17" y="6690"/>
-                  <a:pt x="25" y="10000"/>
-                </a:cubicBezTo>
-                <a:lnTo>
-                  <a:pt x="7275" y="9966"/>
-                </a:lnTo>
-                <a:lnTo>
-                  <a:pt x="7803" y="9966"/>
-                </a:lnTo>
-                <a:cubicBezTo>
-                  <a:pt x="7831" y="9966"/>
-                  <a:pt x="7859" y="9872"/>
-                  <a:pt x="7886" y="9872"/>
-                </a:cubicBezTo>
-                <a:cubicBezTo>
-                  <a:pt x="7886" y="9778"/>
-                  <a:pt x="7915" y="9778"/>
-                  <a:pt x="7915" y="9778"/>
-                </a:cubicBezTo>
-                <a:lnTo>
-                  <a:pt x="9248" y="5265"/>
-                </a:lnTo>
-                <a:cubicBezTo>
-                  <a:pt x="9303" y="5077"/>
-                  <a:pt x="9303" y="4889"/>
-                  <a:pt x="9248" y="4701"/>
-                </a:cubicBezTo>
-                <a:close/>
-              </a:path>
-            </a:pathLst>
-          </a:custGeom>
-          <a:solidFill>
-            <a:schemeClr val="accent1"/>
-          </a:solidFill>
-          <a:ln>
-            <a:noFill/>
-          </a:ln>
-        </p:spPr>
-      </p:sp>
-      <p:sp>
-        <p:nvSpPr>
-          <p:cNvPr id="6" name="Slide Number Placeholder 5"/>
-          <p:cNvSpPr>
-            <a:spLocks noGrp="1"/>
-          </p:cNvSpPr>
-          <p:nvPr>
-            <p:ph type="sldNum" sz="quarter" idx="12"/>
-          </p:nvPr>
-        </p:nvSpPr>
-        <p:spPr/>
-        <p:txBody>
-          <a:bodyPr/>
-          <a:lstStyle/>
-          <a:p>
-            <a:fld id="{CAFD2F9E-BB41-884C-A1F3-451B4D199A0C}" type="slidenum">
-              <a:rPr lang="en-US" smtClean="0"/>
-              <a:t>‹#›</a:t>
-            </a:fld>
-            <a:endParaRPr lang="en-US"/>
-          </a:p>
-        </p:txBody>
-      </p:sp>
-    </p:spTree>
-    <p:extLst>
-      <p:ext uri="{BB962C8B-B14F-4D97-AF65-F5344CB8AC3E}">
-        <p14:creationId xmlns:p14="http://schemas.microsoft.com/office/powerpoint/2010/main" val="3493338633"/>
-      </p:ext>
-    </p:extLst>
-  </p:cSld>
-  <p:clrMapOvr>
-    <a:masterClrMapping/>
-  </p:clrMapOvr>
-</p:sldLayout>
-</file>
-
-<file path=ppt/slideLayouts/slideLayout33.xml><?xml version="1.0" encoding="utf-8"?>
-<p:sldLayout xmlns:a="http://schemas.openxmlformats.org/drawingml/2006/main" xmlns:r="http://schemas.openxmlformats.org/officeDocument/2006/relationships" xmlns:p="http://schemas.openxmlformats.org/presentationml/2006/main" type="vertTitleAndTx" preserve="1">
-  <p:cSld name="Vertical Title and Text">
-    <p:spTree>
-      <p:nvGrpSpPr>
-        <p:cNvPr id="1" name=""/>
-        <p:cNvGrpSpPr/>
-        <p:nvPr/>
-      </p:nvGrpSpPr>
-      <p:grpSpPr>
-        <a:xfrm>
-          <a:off x="0" y="0"/>
-          <a:ext cx="0" cy="0"/>
-          <a:chOff x="0" y="0"/>
-          <a:chExt cx="0" cy="0"/>
-        </a:xfrm>
-      </p:grpSpPr>
-      <p:sp>
-        <p:nvSpPr>
-          <p:cNvPr id="2" name="Vertical Title 1"/>
-          <p:cNvSpPr>
-            <a:spLocks noGrp="1"/>
-          </p:cNvSpPr>
-          <p:nvPr>
-            <p:ph type="title" orient="vert"/>
-          </p:nvPr>
-        </p:nvSpPr>
-        <p:spPr>
-          <a:xfrm>
-            <a:off x="9294812" y="627405"/>
-            <a:ext cx="2207601" cy="5283817"/>
-          </a:xfrm>
-        </p:spPr>
-        <p:txBody>
-          <a:bodyPr vert="eaVert" anchor="ctr"/>
-          <a:lstStyle/>
-          <a:p>
-            <a:r>
-              <a:rPr lang="en-US"/>
-              <a:t>Click to edit Master title style</a:t>
-            </a:r>
-            <a:endParaRPr lang="en-US" dirty="0"/>
-          </a:p>
-        </p:txBody>
-      </p:sp>
-      <p:sp>
-        <p:nvSpPr>
-          <p:cNvPr id="3" name="Vertical Text Placeholder 2"/>
-          <p:cNvSpPr>
-            <a:spLocks noGrp="1"/>
-          </p:cNvSpPr>
-          <p:nvPr>
-            <p:ph type="body" orient="vert" idx="1"/>
-          </p:nvPr>
-        </p:nvSpPr>
-        <p:spPr>
-          <a:xfrm>
-            <a:off x="2589212" y="627405"/>
-            <a:ext cx="6477000" cy="5283817"/>
-          </a:xfrm>
-        </p:spPr>
-        <p:txBody>
-          <a:bodyPr vert="eaVert"/>
-          <a:lstStyle/>
-          <a:p>
-            <a:pPr lvl="0"/>
-            <a:r>
-              <a:rPr lang="en-US"/>
-              <a:t>Click to edit Master text styles</a:t>
-            </a:r>
-          </a:p>
-          <a:p>
-            <a:pPr lvl="1"/>
-            <a:r>
-              <a:rPr lang="en-US"/>
-              <a:t>Second level</a:t>
-            </a:r>
-          </a:p>
-          <a:p>
-            <a:pPr lvl="2"/>
-            <a:r>
-              <a:rPr lang="en-US"/>
-              <a:t>Third level</a:t>
-            </a:r>
-          </a:p>
-          <a:p>
-            <a:pPr lvl="3"/>
-            <a:r>
-              <a:rPr lang="en-US"/>
-              <a:t>Fourth level</a:t>
-            </a:r>
-          </a:p>
-          <a:p>
-            <a:pPr lvl="4"/>
-            <a:r>
-              <a:rPr lang="en-US"/>
-              <a:t>Fifth level</a:t>
-            </a:r>
-            <a:endParaRPr lang="en-US" dirty="0"/>
-          </a:p>
-        </p:txBody>
-      </p:sp>
-      <p:sp>
-        <p:nvSpPr>
-          <p:cNvPr id="4" name="Date Placeholder 3"/>
-          <p:cNvSpPr>
-            <a:spLocks noGrp="1"/>
-          </p:cNvSpPr>
-          <p:nvPr>
-            <p:ph type="dt" sz="half" idx="10"/>
-          </p:nvPr>
-        </p:nvSpPr>
-        <p:spPr/>
-        <p:txBody>
-          <a:bodyPr/>
-          <a:lstStyle/>
-          <a:p>
-            <a:fld id="{74CECDD8-AECE-0D4A-A402-9518D275F65F}" type="datetimeFigureOut">
-              <a:rPr lang="en-US" smtClean="0"/>
-              <a:t>6/15/23</a:t>
-            </a:fld>
-            <a:endParaRPr lang="en-US"/>
-          </a:p>
-        </p:txBody>
-      </p:sp>
-      <p:sp>
-        <p:nvSpPr>
-          <p:cNvPr id="5" name="Footer Placeholder 4"/>
-          <p:cNvSpPr>
-            <a:spLocks noGrp="1"/>
-          </p:cNvSpPr>
-          <p:nvPr>
-            <p:ph type="ftr" sz="quarter" idx="11"/>
-          </p:nvPr>
-        </p:nvSpPr>
-        <p:spPr/>
-        <p:txBody>
-          <a:bodyPr/>
-          <a:lstStyle/>
-          <a:p>
-            <a:endParaRPr lang="en-US"/>
-          </a:p>
-        </p:txBody>
-      </p:sp>
-      <p:sp>
-        <p:nvSpPr>
-          <p:cNvPr id="8" name="Freeform 11"/>
-          <p:cNvSpPr/>
-          <p:nvPr/>
-        </p:nvSpPr>
-        <p:spPr bwMode="auto">
-          <a:xfrm flipV="1">
-            <a:off x="-4189" y="714375"/>
-            <a:ext cx="1588527" cy="507297"/>
-          </a:xfrm>
-          <a:custGeom>
-            <a:avLst/>
-            <a:gdLst/>
-            <a:ahLst/>
-            <a:cxnLst/>
-            <a:rect l="l" t="t" r="r" b="b"/>
-            <a:pathLst>
-              <a:path w="9248" h="10000">
-                <a:moveTo>
-                  <a:pt x="9248" y="4701"/>
-                </a:moveTo>
-                <a:lnTo>
-                  <a:pt x="7915" y="188"/>
-                </a:lnTo>
-                <a:cubicBezTo>
-                  <a:pt x="7906" y="156"/>
-                  <a:pt x="7895" y="126"/>
-                  <a:pt x="7886" y="94"/>
-                </a:cubicBezTo>
-                <a:cubicBezTo>
-                  <a:pt x="7859" y="0"/>
-                  <a:pt x="7831" y="0"/>
-                  <a:pt x="7803" y="0"/>
-                </a:cubicBezTo>
-                <a:lnTo>
-                  <a:pt x="7275" y="0"/>
-                </a:lnTo>
-                <a:lnTo>
-                  <a:pt x="0" y="70"/>
-                </a:lnTo>
-                <a:cubicBezTo>
-                  <a:pt x="8" y="3380"/>
-                  <a:pt x="17" y="6690"/>
-                  <a:pt x="25" y="10000"/>
-                </a:cubicBezTo>
-                <a:lnTo>
-                  <a:pt x="7275" y="9966"/>
-                </a:lnTo>
-                <a:lnTo>
-                  <a:pt x="7803" y="9966"/>
-                </a:lnTo>
-                <a:cubicBezTo>
-                  <a:pt x="7831" y="9966"/>
-                  <a:pt x="7859" y="9872"/>
-                  <a:pt x="7886" y="9872"/>
-                </a:cubicBezTo>
-                <a:cubicBezTo>
-                  <a:pt x="7886" y="9778"/>
-                  <a:pt x="7915" y="9778"/>
-                  <a:pt x="7915" y="9778"/>
-                </a:cubicBezTo>
-                <a:lnTo>
-                  <a:pt x="9248" y="5265"/>
-                </a:lnTo>
-                <a:cubicBezTo>
-                  <a:pt x="9303" y="5077"/>
-                  <a:pt x="9303" y="4889"/>
-                  <a:pt x="9248" y="4701"/>
-                </a:cubicBezTo>
-                <a:close/>
-              </a:path>
-            </a:pathLst>
-          </a:custGeom>
-          <a:solidFill>
-            <a:schemeClr val="accent1"/>
-          </a:solidFill>
-          <a:ln>
-            <a:noFill/>
-          </a:ln>
-        </p:spPr>
-      </p:sp>
-      <p:sp>
-        <p:nvSpPr>
-          <p:cNvPr id="6" name="Slide Number Placeholder 5"/>
-          <p:cNvSpPr>
-            <a:spLocks noGrp="1"/>
-          </p:cNvSpPr>
-          <p:nvPr>
-            <p:ph type="sldNum" sz="quarter" idx="12"/>
-          </p:nvPr>
-        </p:nvSpPr>
-        <p:spPr/>
-        <p:txBody>
-          <a:bodyPr/>
-          <a:lstStyle/>
-          <a:p>
-            <a:fld id="{CAFD2F9E-BB41-884C-A1F3-451B4D199A0C}" type="slidenum">
-              <a:rPr lang="en-US" smtClean="0"/>
-              <a:t>‹#›</a:t>
-            </a:fld>
-            <a:endParaRPr lang="en-US"/>
-          </a:p>
-        </p:txBody>
-      </p:sp>
-    </p:spTree>
-    <p:extLst>
-      <p:ext uri="{BB962C8B-B14F-4D97-AF65-F5344CB8AC3E}">
-        <p14:creationId xmlns:p14="http://schemas.microsoft.com/office/powerpoint/2010/main" val="1256300522"/>
       </p:ext>
     </p:extLst>
   </p:cSld>
@@ -8952,7 +6504,7 @@
           <a:p>
             <a:fld id="{74CECDD8-AECE-0D4A-A402-9518D275F65F}" type="datetimeFigureOut">
               <a:rPr lang="en-US" smtClean="0"/>
-              <a:t>6/15/23</a:t>
+              <a:t>8/9/2023</a:t>
             </a:fld>
             <a:endParaRPr lang="en-US"/>
           </a:p>
@@ -9394,7 +6946,7 @@
           <a:p>
             <a:fld id="{74CECDD8-AECE-0D4A-A402-9518D275F65F}" type="datetimeFigureOut">
               <a:rPr lang="en-US" smtClean="0"/>
-              <a:t>6/15/23</a:t>
+              <a:t>8/9/2023</a:t>
             </a:fld>
             <a:endParaRPr lang="en-US"/>
           </a:p>
@@ -9512,7 +7064,7 @@
           <a:p>
             <a:fld id="{74CECDD8-AECE-0D4A-A402-9518D275F65F}" type="datetimeFigureOut">
               <a:rPr lang="en-US" smtClean="0"/>
-              <a:t>6/15/23</a:t>
+              <a:t>8/9/2023</a:t>
             </a:fld>
             <a:endParaRPr lang="en-US"/>
           </a:p>
@@ -9607,7 +7159,7 @@
           <a:p>
             <a:fld id="{74CECDD8-AECE-0D4A-A402-9518D275F65F}" type="datetimeFigureOut">
               <a:rPr lang="en-US" smtClean="0"/>
-              <a:t>6/15/23</a:t>
+              <a:t>8/9/2023</a:t>
             </a:fld>
             <a:endParaRPr lang="en-US"/>
           </a:p>
@@ -9890,7 +7442,7 @@
           <a:p>
             <a:fld id="{74CECDD8-AECE-0D4A-A402-9518D275F65F}" type="datetimeFigureOut">
               <a:rPr lang="en-US" smtClean="0"/>
-              <a:t>6/15/23</a:t>
+              <a:t>8/9/2023</a:t>
             </a:fld>
             <a:endParaRPr lang="en-US"/>
           </a:p>
@@ -10181,7 +7733,7 @@
           <a:p>
             <a:fld id="{74CECDD8-AECE-0D4A-A402-9518D275F65F}" type="datetimeFigureOut">
               <a:rPr lang="en-US" smtClean="0"/>
-              <a:t>6/15/23</a:t>
+              <a:t>8/9/2023</a:t>
             </a:fld>
             <a:endParaRPr lang="en-US"/>
           </a:p>
@@ -10711,7 +8263,7 @@
           <a:p>
             <a:fld id="{74CECDD8-AECE-0D4A-A402-9518D275F65F}" type="datetimeFigureOut">
               <a:rPr lang="en-US" smtClean="0"/>
-              <a:t>6/15/23</a:t>
+              <a:t>8/9/2023</a:t>
             </a:fld>
             <a:endParaRPr lang="en-US"/>
           </a:p>
@@ -11229,8 +8781,8 @@
 <p:sldMaster xmlns:a="http://schemas.openxmlformats.org/drawingml/2006/main" xmlns:r="http://schemas.openxmlformats.org/officeDocument/2006/relationships" xmlns:p="http://schemas.openxmlformats.org/presentationml/2006/main">
   <p:cSld>
     <p:bg>
-      <p:bgRef idx="1003">
-        <a:schemeClr val="bg2"/>
+      <p:bgRef idx="1001">
+        <a:schemeClr val="bg1"/>
       </p:bgRef>
     </p:bg>
     <p:spTree>
@@ -11247,1844 +8799,33 @@
           <a:chExt cx="0" cy="0"/>
         </a:xfrm>
       </p:grpSpPr>
-      <p:grpSp>
-        <p:nvGrpSpPr>
-          <p:cNvPr id="23" name="Group 22"/>
-          <p:cNvGrpSpPr/>
-          <p:nvPr/>
-        </p:nvGrpSpPr>
-        <p:grpSpPr>
-          <a:xfrm>
-            <a:off x="1" y="228600"/>
-            <a:ext cx="2851516" cy="6638628"/>
-            <a:chOff x="2487613" y="285750"/>
-            <a:chExt cx="2428875" cy="5654676"/>
-          </a:xfrm>
-        </p:grpSpPr>
-        <p:sp>
-          <p:nvSpPr>
-            <p:cNvPr id="24" name="Freeform 11"/>
-            <p:cNvSpPr/>
-            <p:nvPr/>
-          </p:nvSpPr>
-          <p:spPr bwMode="auto">
-            <a:xfrm>
-              <a:off x="2487613" y="2284413"/>
-              <a:ext cx="85725" cy="533400"/>
-            </a:xfrm>
-            <a:custGeom>
-              <a:avLst/>
-              <a:gdLst/>
-              <a:ahLst/>
-              <a:cxnLst/>
-              <a:rect l="0" t="0" r="r" b="b"/>
-              <a:pathLst>
-                <a:path w="22" h="136">
-                  <a:moveTo>
-                    <a:pt x="22" y="136"/>
-                  </a:moveTo>
-                  <a:cubicBezTo>
-                    <a:pt x="20" y="117"/>
-                    <a:pt x="19" y="99"/>
-                    <a:pt x="17" y="80"/>
-                  </a:cubicBezTo>
-                  <a:cubicBezTo>
-                    <a:pt x="11" y="54"/>
-                    <a:pt x="6" y="27"/>
-                    <a:pt x="0" y="0"/>
-                  </a:cubicBezTo>
-                  <a:cubicBezTo>
-                    <a:pt x="0" y="35"/>
-                    <a:pt x="0" y="35"/>
-                    <a:pt x="0" y="35"/>
-                  </a:cubicBezTo>
-                  <a:cubicBezTo>
-                    <a:pt x="6" y="64"/>
-                    <a:pt x="13" y="94"/>
-                    <a:pt x="20" y="124"/>
-                  </a:cubicBezTo>
-                  <a:cubicBezTo>
-                    <a:pt x="20" y="128"/>
-                    <a:pt x="21" y="132"/>
-                    <a:pt x="22" y="136"/>
-                  </a:cubicBezTo>
-                  <a:close/>
-                </a:path>
-              </a:pathLst>
-            </a:custGeom>
-            <a:solidFill>
-              <a:schemeClr val="tx2">
-                <a:alpha val="20000"/>
-              </a:schemeClr>
-            </a:solidFill>
-            <a:ln>
-              <a:noFill/>
-            </a:ln>
-          </p:spPr>
-        </p:sp>
-        <p:sp>
-          <p:nvSpPr>
-            <p:cNvPr id="25" name="Freeform 12"/>
-            <p:cNvSpPr/>
-            <p:nvPr/>
-          </p:nvSpPr>
-          <p:spPr bwMode="auto">
-            <a:xfrm>
-              <a:off x="2597151" y="2779713"/>
-              <a:ext cx="550863" cy="1978025"/>
-            </a:xfrm>
-            <a:custGeom>
-              <a:avLst/>
-              <a:gdLst/>
-              <a:ahLst/>
-              <a:cxnLst/>
-              <a:rect l="0" t="0" r="r" b="b"/>
-              <a:pathLst>
-                <a:path w="140" h="504">
-                  <a:moveTo>
-                    <a:pt x="86" y="350"/>
-                  </a:moveTo>
-                  <a:cubicBezTo>
-                    <a:pt x="103" y="402"/>
-                    <a:pt x="120" y="453"/>
-                    <a:pt x="139" y="504"/>
-                  </a:cubicBezTo>
-                  <a:cubicBezTo>
-                    <a:pt x="139" y="495"/>
-                    <a:pt x="139" y="487"/>
-                    <a:pt x="140" y="478"/>
-                  </a:cubicBezTo>
-                  <a:cubicBezTo>
-                    <a:pt x="124" y="435"/>
-                    <a:pt x="109" y="391"/>
-                    <a:pt x="95" y="347"/>
-                  </a:cubicBezTo>
-                  <a:cubicBezTo>
-                    <a:pt x="58" y="233"/>
-                    <a:pt x="27" y="117"/>
-                    <a:pt x="0" y="0"/>
-                  </a:cubicBezTo>
-                  <a:cubicBezTo>
-                    <a:pt x="2" y="20"/>
-                    <a:pt x="4" y="41"/>
-                    <a:pt x="6" y="61"/>
-                  </a:cubicBezTo>
-                  <a:cubicBezTo>
-                    <a:pt x="30" y="158"/>
-                    <a:pt x="56" y="255"/>
-                    <a:pt x="86" y="350"/>
-                  </a:cubicBezTo>
-                  <a:close/>
-                </a:path>
-              </a:pathLst>
-            </a:custGeom>
-            <a:solidFill>
-              <a:schemeClr val="tx2">
-                <a:alpha val="20000"/>
-              </a:schemeClr>
-            </a:solidFill>
-            <a:ln>
-              <a:noFill/>
-            </a:ln>
-          </p:spPr>
-        </p:sp>
-        <p:sp>
-          <p:nvSpPr>
-            <p:cNvPr id="26" name="Freeform 13"/>
-            <p:cNvSpPr/>
-            <p:nvPr/>
-          </p:nvSpPr>
-          <p:spPr bwMode="auto">
-            <a:xfrm>
-              <a:off x="3175001" y="4730750"/>
-              <a:ext cx="519113" cy="1209675"/>
-            </a:xfrm>
-            <a:custGeom>
-              <a:avLst/>
-              <a:gdLst/>
-              <a:ahLst/>
-              <a:cxnLst/>
-              <a:rect l="0" t="0" r="r" b="b"/>
-              <a:pathLst>
-                <a:path w="132" h="308">
-                  <a:moveTo>
-                    <a:pt x="8" y="22"/>
-                  </a:moveTo>
-                  <a:cubicBezTo>
-                    <a:pt x="5" y="15"/>
-                    <a:pt x="2" y="8"/>
-                    <a:pt x="0" y="0"/>
-                  </a:cubicBezTo>
-                  <a:cubicBezTo>
-                    <a:pt x="0" y="10"/>
-                    <a:pt x="0" y="19"/>
-                    <a:pt x="0" y="29"/>
-                  </a:cubicBezTo>
-                  <a:cubicBezTo>
-                    <a:pt x="21" y="85"/>
-                    <a:pt x="44" y="140"/>
-                    <a:pt x="68" y="194"/>
-                  </a:cubicBezTo>
-                  <a:cubicBezTo>
-                    <a:pt x="85" y="232"/>
-                    <a:pt x="104" y="270"/>
-                    <a:pt x="123" y="308"/>
-                  </a:cubicBezTo>
-                  <a:cubicBezTo>
-                    <a:pt x="132" y="308"/>
-                    <a:pt x="132" y="308"/>
-                    <a:pt x="132" y="308"/>
-                  </a:cubicBezTo>
-                  <a:cubicBezTo>
-                    <a:pt x="113" y="269"/>
-                    <a:pt x="94" y="230"/>
-                    <a:pt x="77" y="190"/>
-                  </a:cubicBezTo>
-                  <a:cubicBezTo>
-                    <a:pt x="52" y="135"/>
-                    <a:pt x="29" y="79"/>
-                    <a:pt x="8" y="22"/>
-                  </a:cubicBezTo>
-                  <a:close/>
-                </a:path>
-              </a:pathLst>
-            </a:custGeom>
-            <a:solidFill>
-              <a:schemeClr val="tx2">
-                <a:alpha val="20000"/>
-              </a:schemeClr>
-            </a:solidFill>
-            <a:ln>
-              <a:noFill/>
-            </a:ln>
-          </p:spPr>
-        </p:sp>
-        <p:sp>
-          <p:nvSpPr>
-            <p:cNvPr id="27" name="Freeform 14"/>
-            <p:cNvSpPr/>
-            <p:nvPr/>
-          </p:nvSpPr>
-          <p:spPr bwMode="auto">
-            <a:xfrm>
-              <a:off x="3305176" y="5630863"/>
-              <a:ext cx="146050" cy="309563"/>
-            </a:xfrm>
-            <a:custGeom>
-              <a:avLst/>
-              <a:gdLst/>
-              <a:ahLst/>
-              <a:cxnLst/>
-              <a:rect l="0" t="0" r="r" b="b"/>
-              <a:pathLst>
-                <a:path w="37" h="79">
-                  <a:moveTo>
-                    <a:pt x="28" y="79"/>
-                  </a:moveTo>
-                  <a:cubicBezTo>
-                    <a:pt x="37" y="79"/>
-                    <a:pt x="37" y="79"/>
-                    <a:pt x="37" y="79"/>
-                  </a:cubicBezTo>
-                  <a:cubicBezTo>
-                    <a:pt x="24" y="53"/>
-                    <a:pt x="12" y="27"/>
-                    <a:pt x="0" y="0"/>
-                  </a:cubicBezTo>
-                  <a:cubicBezTo>
-                    <a:pt x="8" y="27"/>
-                    <a:pt x="17" y="53"/>
-                    <a:pt x="28" y="79"/>
-                  </a:cubicBezTo>
-                  <a:close/>
-                </a:path>
-              </a:pathLst>
-            </a:custGeom>
-            <a:solidFill>
-              <a:schemeClr val="tx2">
-                <a:alpha val="20000"/>
-              </a:schemeClr>
-            </a:solidFill>
-            <a:ln>
-              <a:noFill/>
-            </a:ln>
-          </p:spPr>
-        </p:sp>
-        <p:sp>
-          <p:nvSpPr>
-            <p:cNvPr id="28" name="Freeform 15"/>
-            <p:cNvSpPr/>
-            <p:nvPr/>
-          </p:nvSpPr>
-          <p:spPr bwMode="auto">
-            <a:xfrm>
-              <a:off x="2573338" y="2817813"/>
-              <a:ext cx="700088" cy="2835275"/>
-            </a:xfrm>
-            <a:custGeom>
-              <a:avLst/>
-              <a:gdLst/>
-              <a:ahLst/>
-              <a:cxnLst/>
-              <a:rect l="0" t="0" r="r" b="b"/>
-              <a:pathLst>
-                <a:path w="178" h="722">
-                  <a:moveTo>
-                    <a:pt x="162" y="660"/>
-                  </a:moveTo>
-                  <a:cubicBezTo>
-                    <a:pt x="145" y="618"/>
-                    <a:pt x="130" y="576"/>
-                    <a:pt x="116" y="534"/>
-                  </a:cubicBezTo>
-                  <a:cubicBezTo>
-                    <a:pt x="84" y="437"/>
-                    <a:pt x="59" y="337"/>
-                    <a:pt x="40" y="236"/>
-                  </a:cubicBezTo>
-                  <a:cubicBezTo>
-                    <a:pt x="29" y="175"/>
-                    <a:pt x="20" y="113"/>
-                    <a:pt x="12" y="51"/>
-                  </a:cubicBezTo>
-                  <a:cubicBezTo>
-                    <a:pt x="8" y="34"/>
-                    <a:pt x="4" y="17"/>
-                    <a:pt x="0" y="0"/>
-                  </a:cubicBezTo>
-                  <a:cubicBezTo>
-                    <a:pt x="8" y="79"/>
-                    <a:pt x="19" y="159"/>
-                    <a:pt x="33" y="237"/>
-                  </a:cubicBezTo>
-                  <a:cubicBezTo>
-                    <a:pt x="51" y="339"/>
-                    <a:pt x="76" y="439"/>
-                    <a:pt x="107" y="537"/>
-                  </a:cubicBezTo>
-                  <a:cubicBezTo>
-                    <a:pt x="123" y="586"/>
-                    <a:pt x="141" y="634"/>
-                    <a:pt x="160" y="681"/>
-                  </a:cubicBezTo>
-                  <a:cubicBezTo>
-                    <a:pt x="166" y="695"/>
-                    <a:pt x="172" y="708"/>
-                    <a:pt x="178" y="722"/>
-                  </a:cubicBezTo>
-                  <a:cubicBezTo>
-                    <a:pt x="176" y="717"/>
-                    <a:pt x="175" y="713"/>
-                    <a:pt x="174" y="708"/>
-                  </a:cubicBezTo>
-                  <a:cubicBezTo>
-                    <a:pt x="169" y="692"/>
-                    <a:pt x="165" y="676"/>
-                    <a:pt x="162" y="660"/>
-                  </a:cubicBezTo>
-                  <a:close/>
-                </a:path>
-              </a:pathLst>
-            </a:custGeom>
-            <a:solidFill>
-              <a:schemeClr val="tx2">
-                <a:alpha val="20000"/>
-              </a:schemeClr>
-            </a:solidFill>
-            <a:ln>
-              <a:noFill/>
-            </a:ln>
-          </p:spPr>
-        </p:sp>
-        <p:sp>
-          <p:nvSpPr>
-            <p:cNvPr id="29" name="Freeform 16"/>
-            <p:cNvSpPr/>
-            <p:nvPr/>
-          </p:nvSpPr>
-          <p:spPr bwMode="auto">
-            <a:xfrm>
-              <a:off x="2506663" y="285750"/>
-              <a:ext cx="90488" cy="2493963"/>
-            </a:xfrm>
-            <a:custGeom>
-              <a:avLst/>
-              <a:gdLst/>
-              <a:ahLst/>
-              <a:cxnLst/>
-              <a:rect l="0" t="0" r="r" b="b"/>
-              <a:pathLst>
-                <a:path w="23" h="635">
-                  <a:moveTo>
-                    <a:pt x="11" y="577"/>
-                  </a:moveTo>
-                  <a:cubicBezTo>
-                    <a:pt x="12" y="581"/>
-                    <a:pt x="12" y="585"/>
-                    <a:pt x="12" y="589"/>
-                  </a:cubicBezTo>
-                  <a:cubicBezTo>
-                    <a:pt x="15" y="603"/>
-                    <a:pt x="19" y="617"/>
-                    <a:pt x="22" y="632"/>
-                  </a:cubicBezTo>
-                  <a:cubicBezTo>
-                    <a:pt x="22" y="633"/>
-                    <a:pt x="22" y="634"/>
-                    <a:pt x="23" y="635"/>
-                  </a:cubicBezTo>
-                  <a:cubicBezTo>
-                    <a:pt x="21" y="615"/>
-                    <a:pt x="19" y="596"/>
-                    <a:pt x="17" y="576"/>
-                  </a:cubicBezTo>
-                  <a:cubicBezTo>
-                    <a:pt x="9" y="474"/>
-                    <a:pt x="5" y="372"/>
-                    <a:pt x="5" y="269"/>
-                  </a:cubicBezTo>
-                  <a:cubicBezTo>
-                    <a:pt x="6" y="179"/>
-                    <a:pt x="9" y="90"/>
-                    <a:pt x="15" y="0"/>
-                  </a:cubicBezTo>
-                  <a:cubicBezTo>
-                    <a:pt x="12" y="0"/>
-                    <a:pt x="12" y="0"/>
-                    <a:pt x="12" y="0"/>
-                  </a:cubicBezTo>
-                  <a:cubicBezTo>
-                    <a:pt x="5" y="89"/>
-                    <a:pt x="2" y="179"/>
-                    <a:pt x="1" y="269"/>
-                  </a:cubicBezTo>
-                  <a:cubicBezTo>
-                    <a:pt x="0" y="372"/>
-                    <a:pt x="3" y="474"/>
-                    <a:pt x="11" y="577"/>
-                  </a:cubicBezTo>
-                  <a:close/>
-                </a:path>
-              </a:pathLst>
-            </a:custGeom>
-            <a:solidFill>
-              <a:schemeClr val="tx2">
-                <a:alpha val="20000"/>
-              </a:schemeClr>
-            </a:solidFill>
-            <a:ln>
-              <a:noFill/>
-            </a:ln>
-          </p:spPr>
-        </p:sp>
-        <p:sp>
-          <p:nvSpPr>
-            <p:cNvPr id="30" name="Freeform 17"/>
-            <p:cNvSpPr/>
-            <p:nvPr/>
-          </p:nvSpPr>
-          <p:spPr bwMode="auto">
-            <a:xfrm>
-              <a:off x="2554288" y="2598738"/>
-              <a:ext cx="66675" cy="420688"/>
-            </a:xfrm>
-            <a:custGeom>
-              <a:avLst/>
-              <a:gdLst/>
-              <a:ahLst/>
-              <a:cxnLst/>
-              <a:rect l="0" t="0" r="r" b="b"/>
-              <a:pathLst>
-                <a:path w="17" h="107">
-                  <a:moveTo>
-                    <a:pt x="0" y="0"/>
-                  </a:moveTo>
-                  <a:cubicBezTo>
-                    <a:pt x="2" y="19"/>
-                    <a:pt x="3" y="37"/>
-                    <a:pt x="5" y="56"/>
-                  </a:cubicBezTo>
-                  <a:cubicBezTo>
-                    <a:pt x="9" y="73"/>
-                    <a:pt x="13" y="90"/>
-                    <a:pt x="17" y="107"/>
-                  </a:cubicBezTo>
-                  <a:cubicBezTo>
-                    <a:pt x="15" y="87"/>
-                    <a:pt x="13" y="66"/>
-                    <a:pt x="11" y="46"/>
-                  </a:cubicBezTo>
-                  <a:cubicBezTo>
-                    <a:pt x="10" y="45"/>
-                    <a:pt x="10" y="44"/>
-                    <a:pt x="10" y="43"/>
-                  </a:cubicBezTo>
-                  <a:cubicBezTo>
-                    <a:pt x="7" y="28"/>
-                    <a:pt x="3" y="14"/>
-                    <a:pt x="0" y="0"/>
-                  </a:cubicBezTo>
-                  <a:close/>
-                </a:path>
-              </a:pathLst>
-            </a:custGeom>
-            <a:solidFill>
-              <a:schemeClr val="tx2">
-                <a:alpha val="20000"/>
-              </a:schemeClr>
-            </a:solidFill>
-            <a:ln>
-              <a:noFill/>
-            </a:ln>
-          </p:spPr>
-        </p:sp>
-        <p:sp>
-          <p:nvSpPr>
-            <p:cNvPr id="31" name="Freeform 18"/>
-            <p:cNvSpPr/>
-            <p:nvPr/>
-          </p:nvSpPr>
-          <p:spPr bwMode="auto">
-            <a:xfrm>
-              <a:off x="3143251" y="4757738"/>
-              <a:ext cx="161925" cy="873125"/>
-            </a:xfrm>
-            <a:custGeom>
-              <a:avLst/>
-              <a:gdLst/>
-              <a:ahLst/>
-              <a:cxnLst/>
-              <a:rect l="0" t="0" r="r" b="b"/>
-              <a:pathLst>
-                <a:path w="41" h="222">
-                  <a:moveTo>
-                    <a:pt x="0" y="0"/>
-                  </a:moveTo>
-                  <a:cubicBezTo>
-                    <a:pt x="0" y="31"/>
-                    <a:pt x="2" y="62"/>
-                    <a:pt x="5" y="93"/>
-                  </a:cubicBezTo>
-                  <a:cubicBezTo>
-                    <a:pt x="8" y="117"/>
-                    <a:pt x="12" y="142"/>
-                    <a:pt x="17" y="166"/>
-                  </a:cubicBezTo>
-                  <a:cubicBezTo>
-                    <a:pt x="19" y="172"/>
-                    <a:pt x="22" y="178"/>
-                    <a:pt x="24" y="184"/>
-                  </a:cubicBezTo>
-                  <a:cubicBezTo>
-                    <a:pt x="30" y="197"/>
-                    <a:pt x="35" y="209"/>
-                    <a:pt x="41" y="222"/>
-                  </a:cubicBezTo>
-                  <a:cubicBezTo>
-                    <a:pt x="40" y="219"/>
-                    <a:pt x="39" y="215"/>
-                    <a:pt x="38" y="212"/>
-                  </a:cubicBezTo>
-                  <a:cubicBezTo>
-                    <a:pt x="26" y="172"/>
-                    <a:pt x="18" y="132"/>
-                    <a:pt x="13" y="92"/>
-                  </a:cubicBezTo>
-                  <a:cubicBezTo>
-                    <a:pt x="11" y="68"/>
-                    <a:pt x="9" y="45"/>
-                    <a:pt x="8" y="22"/>
-                  </a:cubicBezTo>
-                  <a:cubicBezTo>
-                    <a:pt x="8" y="21"/>
-                    <a:pt x="7" y="20"/>
-                    <a:pt x="7" y="18"/>
-                  </a:cubicBezTo>
-                  <a:cubicBezTo>
-                    <a:pt x="5" y="12"/>
-                    <a:pt x="2" y="6"/>
-                    <a:pt x="0" y="0"/>
-                  </a:cubicBezTo>
-                  <a:close/>
-                </a:path>
-              </a:pathLst>
-            </a:custGeom>
-            <a:solidFill>
-              <a:schemeClr val="tx2">
-                <a:alpha val="20000"/>
-              </a:schemeClr>
-            </a:solidFill>
-            <a:ln>
-              <a:noFill/>
-            </a:ln>
-          </p:spPr>
-        </p:sp>
-        <p:sp>
-          <p:nvSpPr>
-            <p:cNvPr id="32" name="Freeform 19"/>
-            <p:cNvSpPr/>
-            <p:nvPr/>
-          </p:nvSpPr>
-          <p:spPr bwMode="auto">
-            <a:xfrm>
-              <a:off x="3148013" y="1282700"/>
-              <a:ext cx="1768475" cy="3448050"/>
-            </a:xfrm>
-            <a:custGeom>
-              <a:avLst/>
-              <a:gdLst/>
-              <a:ahLst/>
-              <a:cxnLst/>
-              <a:rect l="0" t="0" r="r" b="b"/>
-              <a:pathLst>
-                <a:path w="450" h="878">
-                  <a:moveTo>
-                    <a:pt x="7" y="854"/>
-                  </a:moveTo>
-                  <a:cubicBezTo>
-                    <a:pt x="10" y="772"/>
-                    <a:pt x="26" y="691"/>
-                    <a:pt x="50" y="613"/>
-                  </a:cubicBezTo>
-                  <a:cubicBezTo>
-                    <a:pt x="75" y="535"/>
-                    <a:pt x="109" y="460"/>
-                    <a:pt x="149" y="388"/>
-                  </a:cubicBezTo>
-                  <a:cubicBezTo>
-                    <a:pt x="189" y="316"/>
-                    <a:pt x="235" y="248"/>
-                    <a:pt x="285" y="183"/>
-                  </a:cubicBezTo>
-                  <a:cubicBezTo>
-                    <a:pt x="310" y="151"/>
-                    <a:pt x="337" y="119"/>
-                    <a:pt x="364" y="89"/>
-                  </a:cubicBezTo>
-                  <a:cubicBezTo>
-                    <a:pt x="378" y="74"/>
-                    <a:pt x="392" y="58"/>
-                    <a:pt x="406" y="44"/>
-                  </a:cubicBezTo>
-                  <a:cubicBezTo>
-                    <a:pt x="421" y="29"/>
-                    <a:pt x="435" y="15"/>
-                    <a:pt x="450" y="1"/>
-                  </a:cubicBezTo>
-                  <a:cubicBezTo>
-                    <a:pt x="450" y="0"/>
-                    <a:pt x="450" y="0"/>
-                    <a:pt x="450" y="0"/>
-                  </a:cubicBezTo>
-                  <a:cubicBezTo>
-                    <a:pt x="434" y="14"/>
-                    <a:pt x="420" y="28"/>
-                    <a:pt x="405" y="43"/>
-                  </a:cubicBezTo>
-                  <a:cubicBezTo>
-                    <a:pt x="391" y="57"/>
-                    <a:pt x="377" y="72"/>
-                    <a:pt x="363" y="88"/>
-                  </a:cubicBezTo>
-                  <a:cubicBezTo>
-                    <a:pt x="335" y="118"/>
-                    <a:pt x="308" y="149"/>
-                    <a:pt x="283" y="181"/>
-                  </a:cubicBezTo>
-                  <a:cubicBezTo>
-                    <a:pt x="232" y="246"/>
-                    <a:pt x="185" y="314"/>
-                    <a:pt x="145" y="386"/>
-                  </a:cubicBezTo>
-                  <a:cubicBezTo>
-                    <a:pt x="104" y="457"/>
-                    <a:pt x="70" y="533"/>
-                    <a:pt x="45" y="611"/>
-                  </a:cubicBezTo>
-                  <a:cubicBezTo>
-                    <a:pt x="19" y="690"/>
-                    <a:pt x="3" y="771"/>
-                    <a:pt x="0" y="854"/>
-                  </a:cubicBezTo>
-                  <a:cubicBezTo>
-                    <a:pt x="0" y="856"/>
-                    <a:pt x="0" y="857"/>
-                    <a:pt x="0" y="859"/>
-                  </a:cubicBezTo>
-                  <a:cubicBezTo>
-                    <a:pt x="2" y="865"/>
-                    <a:pt x="4" y="872"/>
-                    <a:pt x="7" y="878"/>
-                  </a:cubicBezTo>
-                  <a:cubicBezTo>
-                    <a:pt x="7" y="870"/>
-                    <a:pt x="7" y="862"/>
-                    <a:pt x="7" y="854"/>
-                  </a:cubicBezTo>
-                  <a:close/>
-                </a:path>
-              </a:pathLst>
-            </a:custGeom>
-            <a:solidFill>
-              <a:schemeClr val="tx2">
-                <a:alpha val="20000"/>
-              </a:schemeClr>
-            </a:solidFill>
-            <a:ln>
-              <a:noFill/>
-            </a:ln>
-          </p:spPr>
-        </p:sp>
-        <p:sp>
-          <p:nvSpPr>
-            <p:cNvPr id="33" name="Freeform 20"/>
-            <p:cNvSpPr/>
-            <p:nvPr/>
-          </p:nvSpPr>
-          <p:spPr bwMode="auto">
-            <a:xfrm>
-              <a:off x="3273426" y="5653088"/>
-              <a:ext cx="138113" cy="287338"/>
-            </a:xfrm>
-            <a:custGeom>
-              <a:avLst/>
-              <a:gdLst/>
-              <a:ahLst/>
-              <a:cxnLst/>
-              <a:rect l="0" t="0" r="r" b="b"/>
-              <a:pathLst>
-                <a:path w="35" h="73">
-                  <a:moveTo>
-                    <a:pt x="0" y="0"/>
-                  </a:moveTo>
-                  <a:cubicBezTo>
-                    <a:pt x="7" y="24"/>
-                    <a:pt x="16" y="49"/>
-                    <a:pt x="26" y="73"/>
-                  </a:cubicBezTo>
-                  <a:cubicBezTo>
-                    <a:pt x="35" y="73"/>
-                    <a:pt x="35" y="73"/>
-                    <a:pt x="35" y="73"/>
-                  </a:cubicBezTo>
-                  <a:cubicBezTo>
-                    <a:pt x="23" y="49"/>
-                    <a:pt x="11" y="24"/>
-                    <a:pt x="0" y="0"/>
-                  </a:cubicBezTo>
-                  <a:close/>
-                </a:path>
-              </a:pathLst>
-            </a:custGeom>
-            <a:solidFill>
-              <a:schemeClr val="tx2">
-                <a:alpha val="20000"/>
-              </a:schemeClr>
-            </a:solidFill>
-            <a:ln>
-              <a:noFill/>
-            </a:ln>
-          </p:spPr>
-        </p:sp>
-        <p:sp>
-          <p:nvSpPr>
-            <p:cNvPr id="34" name="Freeform 21"/>
-            <p:cNvSpPr/>
-            <p:nvPr/>
-          </p:nvSpPr>
-          <p:spPr bwMode="auto">
-            <a:xfrm>
-              <a:off x="3143251" y="4656138"/>
-              <a:ext cx="31750" cy="188913"/>
-            </a:xfrm>
-            <a:custGeom>
-              <a:avLst/>
-              <a:gdLst/>
-              <a:ahLst/>
-              <a:cxnLst/>
-              <a:rect l="0" t="0" r="r" b="b"/>
-              <a:pathLst>
-                <a:path w="8" h="48">
-                  <a:moveTo>
-                    <a:pt x="7" y="44"/>
-                  </a:moveTo>
-                  <a:cubicBezTo>
-                    <a:pt x="7" y="46"/>
-                    <a:pt x="8" y="47"/>
-                    <a:pt x="8" y="48"/>
-                  </a:cubicBezTo>
-                  <a:cubicBezTo>
-                    <a:pt x="8" y="38"/>
-                    <a:pt x="8" y="29"/>
-                    <a:pt x="8" y="19"/>
-                  </a:cubicBezTo>
-                  <a:cubicBezTo>
-                    <a:pt x="5" y="13"/>
-                    <a:pt x="3" y="6"/>
-                    <a:pt x="1" y="0"/>
-                  </a:cubicBezTo>
-                  <a:cubicBezTo>
-                    <a:pt x="0" y="9"/>
-                    <a:pt x="0" y="17"/>
-                    <a:pt x="0" y="26"/>
-                  </a:cubicBezTo>
-                  <a:cubicBezTo>
-                    <a:pt x="2" y="32"/>
-                    <a:pt x="5" y="38"/>
-                    <a:pt x="7" y="44"/>
-                  </a:cubicBezTo>
-                  <a:close/>
-                </a:path>
-              </a:pathLst>
-            </a:custGeom>
-            <a:solidFill>
-              <a:schemeClr val="tx2">
-                <a:alpha val="20000"/>
-              </a:schemeClr>
-            </a:solidFill>
-            <a:ln>
-              <a:noFill/>
-            </a:ln>
-          </p:spPr>
-        </p:sp>
-        <p:sp>
-          <p:nvSpPr>
-            <p:cNvPr id="35" name="Freeform 22"/>
-            <p:cNvSpPr/>
-            <p:nvPr/>
-          </p:nvSpPr>
-          <p:spPr bwMode="auto">
-            <a:xfrm>
-              <a:off x="3211513" y="5410200"/>
-              <a:ext cx="203200" cy="530225"/>
-            </a:xfrm>
-            <a:custGeom>
-              <a:avLst/>
-              <a:gdLst/>
-              <a:ahLst/>
-              <a:cxnLst/>
-              <a:rect l="0" t="0" r="r" b="b"/>
-              <a:pathLst>
-                <a:path w="52" h="135">
-                  <a:moveTo>
-                    <a:pt x="7" y="18"/>
-                  </a:moveTo>
-                  <a:cubicBezTo>
-                    <a:pt x="5" y="12"/>
-                    <a:pt x="2" y="6"/>
-                    <a:pt x="0" y="0"/>
-                  </a:cubicBezTo>
-                  <a:cubicBezTo>
-                    <a:pt x="3" y="16"/>
-                    <a:pt x="7" y="32"/>
-                    <a:pt x="12" y="48"/>
-                  </a:cubicBezTo>
-                  <a:cubicBezTo>
-                    <a:pt x="13" y="53"/>
-                    <a:pt x="14" y="57"/>
-                    <a:pt x="16" y="62"/>
-                  </a:cubicBezTo>
-                  <a:cubicBezTo>
-                    <a:pt x="27" y="86"/>
-                    <a:pt x="39" y="111"/>
-                    <a:pt x="51" y="135"/>
-                  </a:cubicBezTo>
-                  <a:cubicBezTo>
-                    <a:pt x="52" y="135"/>
-                    <a:pt x="52" y="135"/>
-                    <a:pt x="52" y="135"/>
-                  </a:cubicBezTo>
-                  <a:cubicBezTo>
-                    <a:pt x="41" y="109"/>
-                    <a:pt x="32" y="83"/>
-                    <a:pt x="24" y="56"/>
-                  </a:cubicBezTo>
-                  <a:cubicBezTo>
-                    <a:pt x="18" y="43"/>
-                    <a:pt x="13" y="31"/>
-                    <a:pt x="7" y="18"/>
-                  </a:cubicBezTo>
-                  <a:close/>
-                </a:path>
-              </a:pathLst>
-            </a:custGeom>
-            <a:solidFill>
-              <a:schemeClr val="tx2">
-                <a:alpha val="20000"/>
-              </a:schemeClr>
-            </a:solidFill>
-            <a:ln>
-              <a:noFill/>
-            </a:ln>
-          </p:spPr>
-        </p:sp>
-      </p:grpSp>
-      <p:grpSp>
-        <p:nvGrpSpPr>
-          <p:cNvPr id="10" name="Group 9"/>
-          <p:cNvGrpSpPr/>
-          <p:nvPr/>
-        </p:nvGrpSpPr>
-        <p:grpSpPr>
-          <a:xfrm>
-            <a:off x="27221" y="-786"/>
-            <a:ext cx="2356674" cy="6854039"/>
-            <a:chOff x="6627813" y="194833"/>
-            <a:chExt cx="1952625" cy="5678918"/>
-          </a:xfrm>
-        </p:grpSpPr>
-        <p:sp>
-          <p:nvSpPr>
-            <p:cNvPr id="11" name="Freeform 27"/>
-            <p:cNvSpPr/>
-            <p:nvPr/>
-          </p:nvSpPr>
-          <p:spPr bwMode="auto">
-            <a:xfrm>
-              <a:off x="6627813" y="194833"/>
-              <a:ext cx="409575" cy="3646488"/>
-            </a:xfrm>
-            <a:custGeom>
-              <a:avLst/>
-              <a:gdLst/>
-              <a:ahLst/>
-              <a:cxnLst/>
-              <a:rect l="0" t="0" r="r" b="b"/>
-              <a:pathLst>
-                <a:path w="103" h="920">
-                  <a:moveTo>
-                    <a:pt x="7" y="210"/>
-                  </a:moveTo>
-                  <a:cubicBezTo>
-                    <a:pt x="11" y="288"/>
-                    <a:pt x="17" y="367"/>
-                    <a:pt x="26" y="445"/>
-                  </a:cubicBezTo>
-                  <a:cubicBezTo>
-                    <a:pt x="34" y="523"/>
-                    <a:pt x="44" y="601"/>
-                    <a:pt x="57" y="679"/>
-                  </a:cubicBezTo>
-                  <a:cubicBezTo>
-                    <a:pt x="69" y="757"/>
-                    <a:pt x="84" y="834"/>
-                    <a:pt x="101" y="911"/>
-                  </a:cubicBezTo>
-                  <a:cubicBezTo>
-                    <a:pt x="102" y="914"/>
-                    <a:pt x="103" y="917"/>
-                    <a:pt x="103" y="920"/>
-                  </a:cubicBezTo>
-                  <a:cubicBezTo>
-                    <a:pt x="102" y="905"/>
-                    <a:pt x="100" y="889"/>
-                    <a:pt x="99" y="874"/>
-                  </a:cubicBezTo>
-                  <a:cubicBezTo>
-                    <a:pt x="99" y="871"/>
-                    <a:pt x="99" y="868"/>
-                    <a:pt x="99" y="866"/>
-                  </a:cubicBezTo>
-                  <a:cubicBezTo>
-                    <a:pt x="85" y="803"/>
-                    <a:pt x="73" y="741"/>
-                    <a:pt x="63" y="678"/>
-                  </a:cubicBezTo>
-                  <a:cubicBezTo>
-                    <a:pt x="50" y="600"/>
-                    <a:pt x="39" y="523"/>
-                    <a:pt x="30" y="444"/>
-                  </a:cubicBezTo>
-                  <a:cubicBezTo>
-                    <a:pt x="21" y="366"/>
-                    <a:pt x="14" y="288"/>
-                    <a:pt x="9" y="209"/>
-                  </a:cubicBezTo>
-                  <a:cubicBezTo>
-                    <a:pt x="7" y="170"/>
-                    <a:pt x="5" y="131"/>
-                    <a:pt x="3" y="92"/>
-                  </a:cubicBezTo>
-                  <a:cubicBezTo>
-                    <a:pt x="2" y="61"/>
-                    <a:pt x="1" y="31"/>
-                    <a:pt x="1" y="0"/>
-                  </a:cubicBezTo>
-                  <a:cubicBezTo>
-                    <a:pt x="0" y="0"/>
-                    <a:pt x="0" y="0"/>
-                    <a:pt x="0" y="0"/>
-                  </a:cubicBezTo>
-                  <a:cubicBezTo>
-                    <a:pt x="0" y="31"/>
-                    <a:pt x="1" y="61"/>
-                    <a:pt x="1" y="92"/>
-                  </a:cubicBezTo>
-                  <a:cubicBezTo>
-                    <a:pt x="3" y="131"/>
-                    <a:pt x="4" y="170"/>
-                    <a:pt x="7" y="210"/>
-                  </a:cubicBezTo>
-                  <a:close/>
-                </a:path>
-              </a:pathLst>
-            </a:custGeom>
-            <a:solidFill>
-              <a:schemeClr val="tx2"/>
-            </a:solidFill>
-            <a:ln>
-              <a:noFill/>
-            </a:ln>
-          </p:spPr>
-        </p:sp>
-        <p:sp>
-          <p:nvSpPr>
-            <p:cNvPr id="12" name="Freeform 28"/>
-            <p:cNvSpPr/>
-            <p:nvPr/>
-          </p:nvSpPr>
-          <p:spPr bwMode="auto">
-            <a:xfrm>
-              <a:off x="7061201" y="3771900"/>
-              <a:ext cx="350838" cy="1309688"/>
-            </a:xfrm>
-            <a:custGeom>
-              <a:avLst/>
-              <a:gdLst/>
-              <a:ahLst/>
-              <a:cxnLst/>
-              <a:rect l="0" t="0" r="r" b="b"/>
-              <a:pathLst>
-                <a:path w="88" h="330">
-                  <a:moveTo>
-                    <a:pt x="53" y="229"/>
-                  </a:moveTo>
-                  <a:cubicBezTo>
-                    <a:pt x="64" y="263"/>
-                    <a:pt x="75" y="297"/>
-                    <a:pt x="88" y="330"/>
-                  </a:cubicBezTo>
-                  <a:cubicBezTo>
-                    <a:pt x="88" y="323"/>
-                    <a:pt x="88" y="315"/>
-                    <a:pt x="88" y="308"/>
-                  </a:cubicBezTo>
-                  <a:cubicBezTo>
-                    <a:pt x="88" y="307"/>
-                    <a:pt x="88" y="305"/>
-                    <a:pt x="88" y="304"/>
-                  </a:cubicBezTo>
-                  <a:cubicBezTo>
-                    <a:pt x="79" y="278"/>
-                    <a:pt x="70" y="252"/>
-                    <a:pt x="62" y="226"/>
-                  </a:cubicBezTo>
-                  <a:cubicBezTo>
-                    <a:pt x="38" y="152"/>
-                    <a:pt x="17" y="76"/>
-                    <a:pt x="0" y="0"/>
-                  </a:cubicBezTo>
-                  <a:cubicBezTo>
-                    <a:pt x="2" y="21"/>
-                    <a:pt x="4" y="42"/>
-                    <a:pt x="7" y="63"/>
-                  </a:cubicBezTo>
-                  <a:cubicBezTo>
-                    <a:pt x="21" y="119"/>
-                    <a:pt x="36" y="174"/>
-                    <a:pt x="53" y="229"/>
-                  </a:cubicBezTo>
-                  <a:close/>
-                </a:path>
-              </a:pathLst>
-            </a:custGeom>
-            <a:solidFill>
-              <a:schemeClr val="tx2"/>
-            </a:solidFill>
-            <a:ln>
-              <a:noFill/>
-            </a:ln>
-          </p:spPr>
-        </p:sp>
-        <p:sp>
-          <p:nvSpPr>
-            <p:cNvPr id="13" name="Freeform 29"/>
-            <p:cNvSpPr/>
-            <p:nvPr/>
-          </p:nvSpPr>
-          <p:spPr bwMode="auto">
-            <a:xfrm>
-              <a:off x="7439026" y="5053013"/>
-              <a:ext cx="357188" cy="820738"/>
-            </a:xfrm>
-            <a:custGeom>
-              <a:avLst/>
-              <a:gdLst/>
-              <a:ahLst/>
-              <a:cxnLst/>
-              <a:rect l="0" t="0" r="r" b="b"/>
-              <a:pathLst>
-                <a:path w="90" h="207">
-                  <a:moveTo>
-                    <a:pt x="6" y="15"/>
-                  </a:moveTo>
-                  <a:cubicBezTo>
-                    <a:pt x="4" y="10"/>
-                    <a:pt x="2" y="5"/>
-                    <a:pt x="0" y="0"/>
-                  </a:cubicBezTo>
-                  <a:cubicBezTo>
-                    <a:pt x="0" y="9"/>
-                    <a:pt x="0" y="19"/>
-                    <a:pt x="1" y="29"/>
-                  </a:cubicBezTo>
-                  <a:cubicBezTo>
-                    <a:pt x="14" y="62"/>
-                    <a:pt x="27" y="95"/>
-                    <a:pt x="42" y="127"/>
-                  </a:cubicBezTo>
-                  <a:cubicBezTo>
-                    <a:pt x="54" y="154"/>
-                    <a:pt x="67" y="181"/>
-                    <a:pt x="80" y="207"/>
-                  </a:cubicBezTo>
-                  <a:cubicBezTo>
-                    <a:pt x="90" y="207"/>
-                    <a:pt x="90" y="207"/>
-                    <a:pt x="90" y="207"/>
-                  </a:cubicBezTo>
-                  <a:cubicBezTo>
-                    <a:pt x="76" y="180"/>
-                    <a:pt x="63" y="152"/>
-                    <a:pt x="50" y="123"/>
-                  </a:cubicBezTo>
-                  <a:cubicBezTo>
-                    <a:pt x="34" y="88"/>
-                    <a:pt x="20" y="51"/>
-                    <a:pt x="6" y="15"/>
-                  </a:cubicBezTo>
-                  <a:close/>
-                </a:path>
-              </a:pathLst>
-            </a:custGeom>
-            <a:solidFill>
-              <a:schemeClr val="tx2"/>
-            </a:solidFill>
-            <a:ln>
-              <a:noFill/>
-            </a:ln>
-          </p:spPr>
-        </p:sp>
-        <p:sp>
-          <p:nvSpPr>
-            <p:cNvPr id="14" name="Freeform 30"/>
-            <p:cNvSpPr/>
-            <p:nvPr/>
-          </p:nvSpPr>
-          <p:spPr bwMode="auto">
-            <a:xfrm>
-              <a:off x="7037388" y="3811588"/>
-              <a:ext cx="457200" cy="1852613"/>
-            </a:xfrm>
-            <a:custGeom>
-              <a:avLst/>
-              <a:gdLst/>
-              <a:ahLst/>
-              <a:cxnLst/>
-              <a:rect l="0" t="0" r="r" b="b"/>
-              <a:pathLst>
-                <a:path w="115" h="467">
-                  <a:moveTo>
-                    <a:pt x="101" y="409"/>
-                  </a:moveTo>
-                  <a:cubicBezTo>
-                    <a:pt x="93" y="388"/>
-                    <a:pt x="85" y="366"/>
-                    <a:pt x="78" y="344"/>
-                  </a:cubicBezTo>
-                  <a:cubicBezTo>
-                    <a:pt x="57" y="281"/>
-                    <a:pt x="41" y="216"/>
-                    <a:pt x="29" y="151"/>
-                  </a:cubicBezTo>
-                  <a:cubicBezTo>
-                    <a:pt x="22" y="119"/>
-                    <a:pt x="17" y="86"/>
-                    <a:pt x="13" y="53"/>
-                  </a:cubicBezTo>
-                  <a:cubicBezTo>
-                    <a:pt x="9" y="35"/>
-                    <a:pt x="4" y="18"/>
-                    <a:pt x="0" y="0"/>
-                  </a:cubicBezTo>
-                  <a:cubicBezTo>
-                    <a:pt x="5" y="51"/>
-                    <a:pt x="12" y="102"/>
-                    <a:pt x="21" y="152"/>
-                  </a:cubicBezTo>
-                  <a:cubicBezTo>
-                    <a:pt x="33" y="218"/>
-                    <a:pt x="49" y="283"/>
-                    <a:pt x="69" y="347"/>
-                  </a:cubicBezTo>
-                  <a:cubicBezTo>
-                    <a:pt x="79" y="378"/>
-                    <a:pt x="90" y="410"/>
-                    <a:pt x="103" y="441"/>
-                  </a:cubicBezTo>
-                  <a:cubicBezTo>
-                    <a:pt x="107" y="449"/>
-                    <a:pt x="111" y="458"/>
-                    <a:pt x="115" y="467"/>
-                  </a:cubicBezTo>
-                  <a:cubicBezTo>
-                    <a:pt x="114" y="464"/>
-                    <a:pt x="113" y="461"/>
-                    <a:pt x="112" y="458"/>
-                  </a:cubicBezTo>
-                  <a:cubicBezTo>
-                    <a:pt x="108" y="442"/>
-                    <a:pt x="104" y="425"/>
-                    <a:pt x="101" y="409"/>
-                  </a:cubicBezTo>
-                  <a:close/>
-                </a:path>
-              </a:pathLst>
-            </a:custGeom>
-            <a:solidFill>
-              <a:schemeClr val="tx2"/>
-            </a:solidFill>
-            <a:ln>
-              <a:noFill/>
-            </a:ln>
-          </p:spPr>
-        </p:sp>
-        <p:sp>
-          <p:nvSpPr>
-            <p:cNvPr id="15" name="Freeform 31"/>
-            <p:cNvSpPr/>
-            <p:nvPr/>
-          </p:nvSpPr>
-          <p:spPr bwMode="auto">
-            <a:xfrm>
-              <a:off x="6992938" y="1263650"/>
-              <a:ext cx="144463" cy="2508250"/>
-            </a:xfrm>
-            <a:custGeom>
-              <a:avLst/>
-              <a:gdLst/>
-              <a:ahLst/>
-              <a:cxnLst/>
-              <a:rect l="0" t="0" r="r" b="b"/>
-              <a:pathLst>
-                <a:path w="36" h="633">
-                  <a:moveTo>
-                    <a:pt x="17" y="633"/>
-                  </a:moveTo>
-                  <a:cubicBezTo>
-                    <a:pt x="15" y="621"/>
-                    <a:pt x="14" y="609"/>
-                    <a:pt x="13" y="597"/>
-                  </a:cubicBezTo>
-                  <a:cubicBezTo>
-                    <a:pt x="8" y="530"/>
-                    <a:pt x="5" y="464"/>
-                    <a:pt x="5" y="398"/>
-                  </a:cubicBezTo>
-                  <a:cubicBezTo>
-                    <a:pt x="5" y="331"/>
-                    <a:pt x="8" y="265"/>
-                    <a:pt x="13" y="198"/>
-                  </a:cubicBezTo>
-                  <a:cubicBezTo>
-                    <a:pt x="15" y="165"/>
-                    <a:pt x="18" y="132"/>
-                    <a:pt x="22" y="99"/>
-                  </a:cubicBezTo>
-                  <a:cubicBezTo>
-                    <a:pt x="26" y="66"/>
-                    <a:pt x="30" y="33"/>
-                    <a:pt x="36" y="0"/>
-                  </a:cubicBezTo>
-                  <a:cubicBezTo>
-                    <a:pt x="35" y="0"/>
-                    <a:pt x="35" y="0"/>
-                    <a:pt x="35" y="0"/>
-                  </a:cubicBezTo>
-                  <a:cubicBezTo>
-                    <a:pt x="29" y="33"/>
-                    <a:pt x="24" y="66"/>
-                    <a:pt x="20" y="99"/>
-                  </a:cubicBezTo>
-                  <a:cubicBezTo>
-                    <a:pt x="16" y="132"/>
-                    <a:pt x="13" y="165"/>
-                    <a:pt x="10" y="198"/>
-                  </a:cubicBezTo>
-                  <a:cubicBezTo>
-                    <a:pt x="4" y="264"/>
-                    <a:pt x="1" y="331"/>
-                    <a:pt x="1" y="398"/>
-                  </a:cubicBezTo>
-                  <a:cubicBezTo>
-                    <a:pt x="0" y="461"/>
-                    <a:pt x="2" y="525"/>
-                    <a:pt x="7" y="589"/>
-                  </a:cubicBezTo>
-                  <a:cubicBezTo>
-                    <a:pt x="10" y="603"/>
-                    <a:pt x="13" y="618"/>
-                    <a:pt x="16" y="632"/>
-                  </a:cubicBezTo>
-                  <a:cubicBezTo>
-                    <a:pt x="16" y="632"/>
-                    <a:pt x="17" y="633"/>
-                    <a:pt x="17" y="633"/>
-                  </a:cubicBezTo>
-                  <a:close/>
-                </a:path>
-              </a:pathLst>
-            </a:custGeom>
-            <a:solidFill>
-              <a:schemeClr val="tx2"/>
-            </a:solidFill>
-            <a:ln>
-              <a:noFill/>
-            </a:ln>
-          </p:spPr>
-        </p:sp>
-        <p:sp>
-          <p:nvSpPr>
-            <p:cNvPr id="16" name="Freeform 32"/>
-            <p:cNvSpPr/>
-            <p:nvPr/>
-          </p:nvSpPr>
-          <p:spPr bwMode="auto">
-            <a:xfrm>
-              <a:off x="7526338" y="5640388"/>
-              <a:ext cx="111125" cy="233363"/>
-            </a:xfrm>
-            <a:custGeom>
-              <a:avLst/>
-              <a:gdLst/>
-              <a:ahLst/>
-              <a:cxnLst/>
-              <a:rect l="0" t="0" r="r" b="b"/>
-              <a:pathLst>
-                <a:path w="28" h="59">
-                  <a:moveTo>
-                    <a:pt x="22" y="59"/>
-                  </a:moveTo>
-                  <a:cubicBezTo>
-                    <a:pt x="28" y="59"/>
-                    <a:pt x="28" y="59"/>
-                    <a:pt x="28" y="59"/>
-                  </a:cubicBezTo>
-                  <a:cubicBezTo>
-                    <a:pt x="18" y="40"/>
-                    <a:pt x="9" y="20"/>
-                    <a:pt x="0" y="0"/>
-                  </a:cubicBezTo>
-                  <a:cubicBezTo>
-                    <a:pt x="6" y="20"/>
-                    <a:pt x="13" y="40"/>
-                    <a:pt x="22" y="59"/>
-                  </a:cubicBezTo>
-                  <a:close/>
-                </a:path>
-              </a:pathLst>
-            </a:custGeom>
-            <a:solidFill>
-              <a:schemeClr val="tx2"/>
-            </a:solidFill>
-            <a:ln>
-              <a:noFill/>
-            </a:ln>
-          </p:spPr>
-        </p:sp>
-        <p:sp>
-          <p:nvSpPr>
-            <p:cNvPr id="17" name="Freeform 33"/>
-            <p:cNvSpPr/>
-            <p:nvPr/>
-          </p:nvSpPr>
-          <p:spPr bwMode="auto">
-            <a:xfrm>
-              <a:off x="7021513" y="3598863"/>
-              <a:ext cx="68263" cy="423863"/>
-            </a:xfrm>
-            <a:custGeom>
-              <a:avLst/>
-              <a:gdLst/>
-              <a:ahLst/>
-              <a:cxnLst/>
-              <a:rect l="0" t="0" r="r" b="b"/>
-              <a:pathLst>
-                <a:path w="17" h="107">
-                  <a:moveTo>
-                    <a:pt x="4" y="54"/>
-                  </a:moveTo>
-                  <a:cubicBezTo>
-                    <a:pt x="8" y="72"/>
-                    <a:pt x="13" y="89"/>
-                    <a:pt x="17" y="107"/>
-                  </a:cubicBezTo>
-                  <a:cubicBezTo>
-                    <a:pt x="14" y="86"/>
-                    <a:pt x="12" y="65"/>
-                    <a:pt x="10" y="44"/>
-                  </a:cubicBezTo>
-                  <a:cubicBezTo>
-                    <a:pt x="10" y="44"/>
-                    <a:pt x="9" y="43"/>
-                    <a:pt x="9" y="43"/>
-                  </a:cubicBezTo>
-                  <a:cubicBezTo>
-                    <a:pt x="6" y="29"/>
-                    <a:pt x="3" y="14"/>
-                    <a:pt x="0" y="0"/>
-                  </a:cubicBezTo>
-                  <a:cubicBezTo>
-                    <a:pt x="0" y="2"/>
-                    <a:pt x="0" y="5"/>
-                    <a:pt x="0" y="8"/>
-                  </a:cubicBezTo>
-                  <a:cubicBezTo>
-                    <a:pt x="1" y="23"/>
-                    <a:pt x="3" y="39"/>
-                    <a:pt x="4" y="54"/>
-                  </a:cubicBezTo>
-                  <a:close/>
-                </a:path>
-              </a:pathLst>
-            </a:custGeom>
-            <a:solidFill>
-              <a:schemeClr val="tx2"/>
-            </a:solidFill>
-            <a:ln>
-              <a:noFill/>
-            </a:ln>
-          </p:spPr>
-        </p:sp>
-        <p:sp>
-          <p:nvSpPr>
-            <p:cNvPr id="18" name="Freeform 34"/>
-            <p:cNvSpPr/>
-            <p:nvPr/>
-          </p:nvSpPr>
-          <p:spPr bwMode="auto">
-            <a:xfrm>
-              <a:off x="7412038" y="2801938"/>
-              <a:ext cx="1168400" cy="2251075"/>
-            </a:xfrm>
-            <a:custGeom>
-              <a:avLst/>
-              <a:gdLst/>
-              <a:ahLst/>
-              <a:cxnLst/>
-              <a:rect l="0" t="0" r="r" b="b"/>
-              <a:pathLst>
-                <a:path w="294" h="568">
-                  <a:moveTo>
-                    <a:pt x="8" y="553"/>
-                  </a:moveTo>
-                  <a:cubicBezTo>
-                    <a:pt x="9" y="501"/>
-                    <a:pt x="19" y="448"/>
-                    <a:pt x="35" y="397"/>
-                  </a:cubicBezTo>
-                  <a:cubicBezTo>
-                    <a:pt x="51" y="347"/>
-                    <a:pt x="73" y="298"/>
-                    <a:pt x="99" y="252"/>
-                  </a:cubicBezTo>
-                  <a:cubicBezTo>
-                    <a:pt x="124" y="205"/>
-                    <a:pt x="154" y="161"/>
-                    <a:pt x="187" y="119"/>
-                  </a:cubicBezTo>
-                  <a:cubicBezTo>
-                    <a:pt x="203" y="98"/>
-                    <a:pt x="220" y="77"/>
-                    <a:pt x="238" y="58"/>
-                  </a:cubicBezTo>
-                  <a:cubicBezTo>
-                    <a:pt x="247" y="48"/>
-                    <a:pt x="256" y="38"/>
-                    <a:pt x="265" y="28"/>
-                  </a:cubicBezTo>
-                  <a:cubicBezTo>
-                    <a:pt x="274" y="19"/>
-                    <a:pt x="284" y="9"/>
-                    <a:pt x="294" y="0"/>
-                  </a:cubicBezTo>
-                  <a:cubicBezTo>
-                    <a:pt x="293" y="0"/>
-                    <a:pt x="293" y="0"/>
-                    <a:pt x="293" y="0"/>
-                  </a:cubicBezTo>
-                  <a:cubicBezTo>
-                    <a:pt x="283" y="9"/>
-                    <a:pt x="273" y="18"/>
-                    <a:pt x="264" y="27"/>
-                  </a:cubicBezTo>
-                  <a:cubicBezTo>
-                    <a:pt x="255" y="37"/>
-                    <a:pt x="246" y="47"/>
-                    <a:pt x="237" y="56"/>
-                  </a:cubicBezTo>
-                  <a:cubicBezTo>
-                    <a:pt x="218" y="76"/>
-                    <a:pt x="201" y="96"/>
-                    <a:pt x="185" y="117"/>
-                  </a:cubicBezTo>
-                  <a:cubicBezTo>
-                    <a:pt x="151" y="159"/>
-                    <a:pt x="121" y="203"/>
-                    <a:pt x="95" y="249"/>
-                  </a:cubicBezTo>
-                  <a:cubicBezTo>
-                    <a:pt x="68" y="296"/>
-                    <a:pt x="46" y="345"/>
-                    <a:pt x="30" y="396"/>
-                  </a:cubicBezTo>
-                  <a:cubicBezTo>
-                    <a:pt x="13" y="445"/>
-                    <a:pt x="3" y="497"/>
-                    <a:pt x="0" y="549"/>
-                  </a:cubicBezTo>
-                  <a:cubicBezTo>
-                    <a:pt x="3" y="555"/>
-                    <a:pt x="5" y="561"/>
-                    <a:pt x="7" y="568"/>
-                  </a:cubicBezTo>
-                  <a:cubicBezTo>
-                    <a:pt x="7" y="563"/>
-                    <a:pt x="7" y="558"/>
-                    <a:pt x="8" y="553"/>
-                  </a:cubicBezTo>
-                  <a:close/>
-                </a:path>
-              </a:pathLst>
-            </a:custGeom>
-            <a:solidFill>
-              <a:schemeClr val="tx2"/>
-            </a:solidFill>
-            <a:ln>
-              <a:noFill/>
-            </a:ln>
-          </p:spPr>
-        </p:sp>
-        <p:sp>
-          <p:nvSpPr>
-            <p:cNvPr id="19" name="Freeform 35"/>
-            <p:cNvSpPr/>
-            <p:nvPr/>
-          </p:nvSpPr>
-          <p:spPr bwMode="auto">
-            <a:xfrm>
-              <a:off x="7494588" y="5664200"/>
-              <a:ext cx="100013" cy="209550"/>
-            </a:xfrm>
-            <a:custGeom>
-              <a:avLst/>
-              <a:gdLst/>
-              <a:ahLst/>
-              <a:cxnLst/>
-              <a:rect l="0" t="0" r="r" b="b"/>
-              <a:pathLst>
-                <a:path w="25" h="53">
-                  <a:moveTo>
-                    <a:pt x="0" y="0"/>
-                  </a:moveTo>
-                  <a:cubicBezTo>
-                    <a:pt x="5" y="18"/>
-                    <a:pt x="12" y="36"/>
-                    <a:pt x="19" y="53"/>
-                  </a:cubicBezTo>
-                  <a:cubicBezTo>
-                    <a:pt x="25" y="53"/>
-                    <a:pt x="25" y="53"/>
-                    <a:pt x="25" y="53"/>
-                  </a:cubicBezTo>
-                  <a:cubicBezTo>
-                    <a:pt x="16" y="36"/>
-                    <a:pt x="8" y="18"/>
-                    <a:pt x="0" y="0"/>
-                  </a:cubicBezTo>
-                  <a:close/>
-                </a:path>
-              </a:pathLst>
-            </a:custGeom>
-            <a:solidFill>
-              <a:schemeClr val="tx2"/>
-            </a:solidFill>
-            <a:ln>
-              <a:noFill/>
-            </a:ln>
-          </p:spPr>
-        </p:sp>
-        <p:sp>
-          <p:nvSpPr>
-            <p:cNvPr id="20" name="Freeform 36"/>
-            <p:cNvSpPr/>
-            <p:nvPr/>
-          </p:nvSpPr>
-          <p:spPr bwMode="auto">
-            <a:xfrm>
-              <a:off x="7412038" y="5081588"/>
-              <a:ext cx="114300" cy="558800"/>
-            </a:xfrm>
-            <a:custGeom>
-              <a:avLst/>
-              <a:gdLst/>
-              <a:ahLst/>
-              <a:cxnLst/>
-              <a:rect l="0" t="0" r="r" b="b"/>
-              <a:pathLst>
-                <a:path w="29" h="141">
-                  <a:moveTo>
-                    <a:pt x="0" y="0"/>
-                  </a:moveTo>
-                  <a:cubicBezTo>
-                    <a:pt x="0" y="30"/>
-                    <a:pt x="2" y="60"/>
-                    <a:pt x="7" y="89"/>
-                  </a:cubicBezTo>
-                  <a:cubicBezTo>
-                    <a:pt x="11" y="98"/>
-                    <a:pt x="14" y="108"/>
-                    <a:pt x="18" y="117"/>
-                  </a:cubicBezTo>
-                  <a:cubicBezTo>
-                    <a:pt x="22" y="125"/>
-                    <a:pt x="25" y="133"/>
-                    <a:pt x="29" y="141"/>
-                  </a:cubicBezTo>
-                  <a:cubicBezTo>
-                    <a:pt x="28" y="139"/>
-                    <a:pt x="28" y="137"/>
-                    <a:pt x="27" y="135"/>
-                  </a:cubicBezTo>
-                  <a:cubicBezTo>
-                    <a:pt x="16" y="98"/>
-                    <a:pt x="10" y="60"/>
-                    <a:pt x="8" y="22"/>
-                  </a:cubicBezTo>
-                  <a:cubicBezTo>
-                    <a:pt x="7" y="18"/>
-                    <a:pt x="5" y="15"/>
-                    <a:pt x="4" y="11"/>
-                  </a:cubicBezTo>
-                  <a:cubicBezTo>
-                    <a:pt x="2" y="7"/>
-                    <a:pt x="1" y="3"/>
-                    <a:pt x="0" y="0"/>
-                  </a:cubicBezTo>
-                  <a:close/>
-                </a:path>
-              </a:pathLst>
-            </a:custGeom>
-            <a:solidFill>
-              <a:schemeClr val="tx2"/>
-            </a:solidFill>
-            <a:ln>
-              <a:noFill/>
-            </a:ln>
-          </p:spPr>
-        </p:sp>
-        <p:sp>
-          <p:nvSpPr>
-            <p:cNvPr id="21" name="Freeform 37"/>
-            <p:cNvSpPr/>
-            <p:nvPr/>
-          </p:nvSpPr>
-          <p:spPr bwMode="auto">
-            <a:xfrm>
-              <a:off x="7412038" y="4978400"/>
-              <a:ext cx="31750" cy="188913"/>
-            </a:xfrm>
-            <a:custGeom>
-              <a:avLst/>
-              <a:gdLst/>
-              <a:ahLst/>
-              <a:cxnLst/>
-              <a:rect l="0" t="0" r="r" b="b"/>
-              <a:pathLst>
-                <a:path w="8" h="48">
-                  <a:moveTo>
-                    <a:pt x="0" y="26"/>
-                  </a:moveTo>
-                  <a:cubicBezTo>
-                    <a:pt x="1" y="29"/>
-                    <a:pt x="2" y="33"/>
-                    <a:pt x="4" y="37"/>
-                  </a:cubicBezTo>
-                  <a:cubicBezTo>
-                    <a:pt x="5" y="41"/>
-                    <a:pt x="7" y="44"/>
-                    <a:pt x="8" y="48"/>
-                  </a:cubicBezTo>
-                  <a:cubicBezTo>
-                    <a:pt x="7" y="38"/>
-                    <a:pt x="7" y="28"/>
-                    <a:pt x="7" y="19"/>
-                  </a:cubicBezTo>
-                  <a:cubicBezTo>
-                    <a:pt x="5" y="12"/>
-                    <a:pt x="3" y="6"/>
-                    <a:pt x="0" y="0"/>
-                  </a:cubicBezTo>
-                  <a:cubicBezTo>
-                    <a:pt x="0" y="1"/>
-                    <a:pt x="0" y="3"/>
-                    <a:pt x="0" y="4"/>
-                  </a:cubicBezTo>
-                  <a:cubicBezTo>
-                    <a:pt x="0" y="11"/>
-                    <a:pt x="0" y="19"/>
-                    <a:pt x="0" y="26"/>
-                  </a:cubicBezTo>
-                  <a:close/>
-                </a:path>
-              </a:pathLst>
-            </a:custGeom>
-            <a:solidFill>
-              <a:schemeClr val="tx2"/>
-            </a:solidFill>
-            <a:ln>
-              <a:noFill/>
-            </a:ln>
-          </p:spPr>
-        </p:sp>
-        <p:sp>
-          <p:nvSpPr>
-            <p:cNvPr id="22" name="Freeform 38"/>
-            <p:cNvSpPr/>
-            <p:nvPr/>
-          </p:nvSpPr>
-          <p:spPr bwMode="auto">
-            <a:xfrm>
-              <a:off x="7439026" y="5434013"/>
-              <a:ext cx="174625" cy="439738"/>
-            </a:xfrm>
-            <a:custGeom>
-              <a:avLst/>
-              <a:gdLst/>
-              <a:ahLst/>
-              <a:cxnLst/>
-              <a:rect l="0" t="0" r="r" b="b"/>
-              <a:pathLst>
-                <a:path w="44" h="111">
-                  <a:moveTo>
-                    <a:pt x="11" y="28"/>
-                  </a:moveTo>
-                  <a:cubicBezTo>
-                    <a:pt x="7" y="19"/>
-                    <a:pt x="4" y="9"/>
-                    <a:pt x="0" y="0"/>
-                  </a:cubicBezTo>
-                  <a:cubicBezTo>
-                    <a:pt x="3" y="16"/>
-                    <a:pt x="7" y="33"/>
-                    <a:pt x="11" y="49"/>
-                  </a:cubicBezTo>
-                  <a:cubicBezTo>
-                    <a:pt x="12" y="52"/>
-                    <a:pt x="13" y="55"/>
-                    <a:pt x="14" y="58"/>
-                  </a:cubicBezTo>
-                  <a:cubicBezTo>
-                    <a:pt x="22" y="76"/>
-                    <a:pt x="30" y="94"/>
-                    <a:pt x="39" y="111"/>
-                  </a:cubicBezTo>
-                  <a:cubicBezTo>
-                    <a:pt x="44" y="111"/>
-                    <a:pt x="44" y="111"/>
-                    <a:pt x="44" y="111"/>
-                  </a:cubicBezTo>
-                  <a:cubicBezTo>
-                    <a:pt x="35" y="92"/>
-                    <a:pt x="28" y="72"/>
-                    <a:pt x="22" y="52"/>
-                  </a:cubicBezTo>
-                  <a:cubicBezTo>
-                    <a:pt x="18" y="44"/>
-                    <a:pt x="15" y="36"/>
-                    <a:pt x="11" y="28"/>
-                  </a:cubicBezTo>
-                  <a:close/>
-                </a:path>
-              </a:pathLst>
-            </a:custGeom>
-            <a:solidFill>
-              <a:schemeClr val="tx2"/>
-            </a:solidFill>
-            <a:ln>
-              <a:noFill/>
-            </a:ln>
-          </p:spPr>
-        </p:sp>
-      </p:grpSp>
-      <p:sp>
-        <p:nvSpPr>
-          <p:cNvPr id="7" name="Rectangle 6"/>
-          <p:cNvSpPr/>
-          <p:nvPr/>
+      <p:sp>
+        <p:nvSpPr>
+          <p:cNvPr id="2" name="Title Placeholder 1">
+            <a:extLst>
+              <a:ext uri="{FF2B5EF4-FFF2-40B4-BE49-F238E27FC236}">
+                <a16:creationId xmlns:a16="http://schemas.microsoft.com/office/drawing/2014/main" id="{9600A4A0-13D6-1D30-0798-9B2EC4A78748}"/>
+              </a:ext>
+            </a:extLst>
+          </p:cNvPr>
+          <p:cNvSpPr>
+            <a:spLocks noGrp="1"/>
+          </p:cNvSpPr>
+          <p:nvPr>
+            <p:ph type="title"/>
+          </p:nvPr>
         </p:nvSpPr>
         <p:spPr>
           <a:xfrm>
-            <a:off x="0" y="0"/>
-            <a:ext cx="182880" cy="6858000"/>
-          </a:xfrm>
-          <a:prstGeom prst="rect">
-            <a:avLst/>
-          </a:prstGeom>
-          <a:solidFill>
-            <a:schemeClr val="tx2"/>
-          </a:solidFill>
-          <a:ln>
-            <a:noFill/>
-          </a:ln>
-          <a:effectLst/>
-        </p:spPr>
-        <p:style>
-          <a:lnRef idx="1">
-            <a:schemeClr val="accent1"/>
-          </a:lnRef>
-          <a:fillRef idx="3">
-            <a:schemeClr val="accent1"/>
-          </a:fillRef>
-          <a:effectRef idx="2">
-            <a:schemeClr val="accent1"/>
-          </a:effectRef>
-          <a:fontRef idx="minor">
-            <a:schemeClr val="lt1"/>
-          </a:fontRef>
-        </p:style>
-      </p:sp>
-      <p:sp>
-        <p:nvSpPr>
-          <p:cNvPr id="2" name="Title Placeholder 1"/>
-          <p:cNvSpPr>
-            <a:spLocks noGrp="1"/>
-          </p:cNvSpPr>
-          <p:nvPr>
-            <p:ph type="title"/>
-          </p:nvPr>
-        </p:nvSpPr>
-        <p:spPr>
-          <a:xfrm>
-            <a:off x="2592924" y="624110"/>
-            <a:ext cx="8911687" cy="1280890"/>
+            <a:off x="838200" y="365125"/>
+            <a:ext cx="10515600" cy="1325563"/>
           </a:xfrm>
           <a:prstGeom prst="rect">
             <a:avLst/>
           </a:prstGeom>
         </p:spPr>
         <p:txBody>
-          <a:bodyPr vert="horz" lIns="91440" tIns="45720" rIns="91440" bIns="45720" rtlCol="0" anchor="t">
+          <a:bodyPr vert="horz" lIns="91440" tIns="45720" rIns="91440" bIns="45720" rtlCol="0" anchor="ctr">
             <a:normAutofit/>
           </a:bodyPr>
           <a:lstStyle/>
@@ -13093,13 +8834,18 @@
               <a:rPr lang="en-US"/>
               <a:t>Click to edit Master title style</a:t>
             </a:r>
-            <a:endParaRPr lang="en-US" dirty="0"/>
-          </a:p>
-        </p:txBody>
-      </p:sp>
-      <p:sp>
-        <p:nvSpPr>
-          <p:cNvPr id="3" name="Text Placeholder 2"/>
+          </a:p>
+        </p:txBody>
+      </p:sp>
+      <p:sp>
+        <p:nvSpPr>
+          <p:cNvPr id="3" name="Text Placeholder 2">
+            <a:extLst>
+              <a:ext uri="{FF2B5EF4-FFF2-40B4-BE49-F238E27FC236}">
+                <a16:creationId xmlns:a16="http://schemas.microsoft.com/office/drawing/2014/main" id="{10E43F91-70B4-3A1C-0E99-3B8EE6EBD020}"/>
+              </a:ext>
+            </a:extLst>
+          </p:cNvPr>
           <p:cNvSpPr>
             <a:spLocks noGrp="1"/>
           </p:cNvSpPr>
@@ -13109,8 +8855,8 @@
         </p:nvSpPr>
         <p:spPr>
           <a:xfrm>
-            <a:off x="2589212" y="2133600"/>
-            <a:ext cx="8915400" cy="3886200"/>
+            <a:off x="838200" y="1825625"/>
+            <a:ext cx="10515600" cy="4351338"/>
           </a:xfrm>
           <a:prstGeom prst="rect">
             <a:avLst/>
@@ -13155,13 +8901,18 @@
               <a:rPr lang="en-US"/>
               <a:t>Fifth level</a:t>
             </a:r>
-            <a:endParaRPr lang="en-US" dirty="0"/>
-          </a:p>
-        </p:txBody>
-      </p:sp>
-      <p:sp>
-        <p:nvSpPr>
-          <p:cNvPr id="4" name="Date Placeholder 3"/>
+          </a:p>
+        </p:txBody>
+      </p:sp>
+      <p:sp>
+        <p:nvSpPr>
+          <p:cNvPr id="4" name="Date Placeholder 3">
+            <a:extLst>
+              <a:ext uri="{FF2B5EF4-FFF2-40B4-BE49-F238E27FC236}">
+                <a16:creationId xmlns:a16="http://schemas.microsoft.com/office/drawing/2014/main" id="{7A11551A-2EFC-A969-E07A-27B903CE3424}"/>
+              </a:ext>
+            </a:extLst>
+          </p:cNvPr>
           <p:cNvSpPr>
             <a:spLocks noGrp="1"/>
           </p:cNvSpPr>
@@ -13171,8 +8922,8 @@
         </p:nvSpPr>
         <p:spPr>
           <a:xfrm>
-            <a:off x="10361612" y="6130437"/>
-            <a:ext cx="1146283" cy="370396"/>
+            <a:off x="838200" y="6356350"/>
+            <a:ext cx="2743200" cy="365125"/>
           </a:xfrm>
           <a:prstGeom prst="rect">
             <a:avLst/>
@@ -13181,8 +8932,8 @@
         <p:txBody>
           <a:bodyPr vert="horz" lIns="91440" tIns="45720" rIns="91440" bIns="45720" rtlCol="0" anchor="ctr"/>
           <a:lstStyle>
-            <a:lvl1pPr algn="r">
-              <a:defRPr sz="900">
+            <a:lvl1pPr algn="l">
+              <a:defRPr sz="1200">
                 <a:solidFill>
                   <a:schemeClr val="tx1">
                     <a:tint val="75000"/>
@@ -13194,7 +8945,7 @@
           <a:p>
             <a:fld id="{74CECDD8-AECE-0D4A-A402-9518D275F65F}" type="datetimeFigureOut">
               <a:rPr lang="en-US" smtClean="0"/>
-              <a:t>6/15/23</a:t>
+              <a:t>8/9/2023</a:t>
             </a:fld>
             <a:endParaRPr lang="en-US"/>
           </a:p>
@@ -13202,7 +8953,13 @@
       </p:sp>
       <p:sp>
         <p:nvSpPr>
-          <p:cNvPr id="5" name="Footer Placeholder 4"/>
+          <p:cNvPr id="5" name="Footer Placeholder 4">
+            <a:extLst>
+              <a:ext uri="{FF2B5EF4-FFF2-40B4-BE49-F238E27FC236}">
+                <a16:creationId xmlns:a16="http://schemas.microsoft.com/office/drawing/2014/main" id="{0FA127D2-85C2-410E-77DF-1543B7A6027C}"/>
+              </a:ext>
+            </a:extLst>
+          </p:cNvPr>
           <p:cNvSpPr>
             <a:spLocks noGrp="1"/>
           </p:cNvSpPr>
@@ -13212,8 +8969,8 @@
         </p:nvSpPr>
         <p:spPr>
           <a:xfrm>
-            <a:off x="2589212" y="6135808"/>
-            <a:ext cx="7619999" cy="365125"/>
+            <a:off x="4038600" y="6356350"/>
+            <a:ext cx="4114800" cy="365125"/>
           </a:xfrm>
           <a:prstGeom prst="rect">
             <a:avLst/>
@@ -13222,8 +8979,8 @@
         <p:txBody>
           <a:bodyPr vert="horz" lIns="91440" tIns="45720" rIns="91440" bIns="45720" rtlCol="0" anchor="ctr"/>
           <a:lstStyle>
-            <a:lvl1pPr algn="l">
-              <a:defRPr sz="900">
+            <a:lvl1pPr algn="ctr">
+              <a:defRPr sz="1200">
                 <a:solidFill>
                   <a:schemeClr val="tx1">
                     <a:tint val="75000"/>
@@ -13239,7 +8996,13 @@
       </p:sp>
       <p:sp>
         <p:nvSpPr>
-          <p:cNvPr id="6" name="Slide Number Placeholder 5"/>
+          <p:cNvPr id="6" name="Slide Number Placeholder 5">
+            <a:extLst>
+              <a:ext uri="{FF2B5EF4-FFF2-40B4-BE49-F238E27FC236}">
+                <a16:creationId xmlns:a16="http://schemas.microsoft.com/office/drawing/2014/main" id="{AC5C4457-8EF4-41AF-3DBD-63E3F1DE75CC}"/>
+              </a:ext>
+            </a:extLst>
+          </p:cNvPr>
           <p:cNvSpPr>
             <a:spLocks noGrp="1"/>
           </p:cNvSpPr>
@@ -13249,8 +9012,8 @@
         </p:nvSpPr>
         <p:spPr>
           <a:xfrm>
-            <a:off x="531812" y="787782"/>
-            <a:ext cx="779767" cy="365125"/>
+            <a:off x="8610600" y="6356350"/>
+            <a:ext cx="2743200" cy="365125"/>
           </a:xfrm>
           <a:prstGeom prst="rect">
             <a:avLst/>
@@ -13260,9 +9023,11 @@
           <a:bodyPr vert="horz" lIns="91440" tIns="45720" rIns="91440" bIns="45720" rtlCol="0" anchor="ctr"/>
           <a:lstStyle>
             <a:lvl1pPr algn="r">
-              <a:defRPr sz="2000">
+              <a:defRPr sz="1200">
                 <a:solidFill>
-                  <a:srgbClr val="FEFFFF"/>
+                  <a:schemeClr val="tx1">
+                    <a:tint val="75000"/>
+                  </a:schemeClr>
                 </a:solidFill>
               </a:defRPr>
             </a:lvl1pPr>
@@ -13279,316 +9044,201 @@
     </p:spTree>
     <p:extLst>
       <p:ext uri="{BB962C8B-B14F-4D97-AF65-F5344CB8AC3E}">
-        <p14:creationId xmlns:p14="http://schemas.microsoft.com/office/powerpoint/2010/main" val="2761556210"/>
+        <p14:creationId xmlns:p14="http://schemas.microsoft.com/office/powerpoint/2010/main" val="1769712231"/>
       </p:ext>
     </p:extLst>
   </p:cSld>
   <p:clrMap bg1="lt1" tx1="dk1" bg2="lt2" tx2="dk2" accent1="accent1" accent2="accent2" accent3="accent3" accent4="accent4" accent5="accent5" accent6="accent6" hlink="hlink" folHlink="folHlink"/>
   <p:sldLayoutIdLst>
-    <p:sldLayoutId id="2147483721" r:id="rId1"/>
-    <p:sldLayoutId id="2147483722" r:id="rId2"/>
-    <p:sldLayoutId id="2147483723" r:id="rId3"/>
-    <p:sldLayoutId id="2147483724" r:id="rId4"/>
-    <p:sldLayoutId id="2147483725" r:id="rId5"/>
-    <p:sldLayoutId id="2147483726" r:id="rId6"/>
-    <p:sldLayoutId id="2147483727" r:id="rId7"/>
-    <p:sldLayoutId id="2147483728" r:id="rId8"/>
-    <p:sldLayoutId id="2147483729" r:id="rId9"/>
-    <p:sldLayoutId id="2147483730" r:id="rId10"/>
-    <p:sldLayoutId id="2147483731" r:id="rId11"/>
-    <p:sldLayoutId id="2147483732" r:id="rId12"/>
-    <p:sldLayoutId id="2147483733" r:id="rId13"/>
-    <p:sldLayoutId id="2147483734" r:id="rId14"/>
-    <p:sldLayoutId id="2147483735" r:id="rId15"/>
-    <p:sldLayoutId id="2147483736" r:id="rId16"/>
+    <p:sldLayoutId id="2147483738" r:id="rId1"/>
+    <p:sldLayoutId id="2147483739" r:id="rId2"/>
+    <p:sldLayoutId id="2147483740" r:id="rId3"/>
+    <p:sldLayoutId id="2147483741" r:id="rId4"/>
+    <p:sldLayoutId id="2147483742" r:id="rId5"/>
+    <p:sldLayoutId id="2147483743" r:id="rId6"/>
+    <p:sldLayoutId id="2147483744" r:id="rId7"/>
+    <p:sldLayoutId id="2147483745" r:id="rId8"/>
+    <p:sldLayoutId id="2147483746" r:id="rId9"/>
+    <p:sldLayoutId id="2147483747" r:id="rId10"/>
+    <p:sldLayoutId id="2147483748" r:id="rId11"/>
   </p:sldLayoutIdLst>
   <p:txStyles>
     <p:titleStyle>
-      <a:lvl1pPr algn="l" defTabSz="457200" rtl="0" eaLnBrk="1" latinLnBrk="0" hangingPunct="1">
+      <a:lvl1pPr algn="l" defTabSz="914400" rtl="0" eaLnBrk="1" latinLnBrk="0" hangingPunct="1">
+        <a:lnSpc>
+          <a:spcPct val="90000"/>
+        </a:lnSpc>
         <a:spcBef>
           <a:spcPct val="0"/>
         </a:spcBef>
         <a:buNone/>
-        <a:defRPr sz="3600" kern="1200">
+        <a:defRPr sz="4400" kern="1200">
           <a:solidFill>
-            <a:schemeClr val="tx1">
-              <a:lumMod val="85000"/>
-              <a:lumOff val="15000"/>
-            </a:schemeClr>
+            <a:schemeClr val="tx1"/>
           </a:solidFill>
           <a:latin typeface="+mj-lt"/>
           <a:ea typeface="+mj-ea"/>
           <a:cs typeface="+mj-cs"/>
         </a:defRPr>
       </a:lvl1pPr>
-      <a:lvl2pPr eaLnBrk="1" hangingPunct="1">
-        <a:defRPr>
-          <a:solidFill>
-            <a:schemeClr val="tx2"/>
-          </a:solidFill>
-        </a:defRPr>
-      </a:lvl2pPr>
-      <a:lvl3pPr eaLnBrk="1" hangingPunct="1">
-        <a:defRPr>
-          <a:solidFill>
-            <a:schemeClr val="tx2"/>
-          </a:solidFill>
-        </a:defRPr>
-      </a:lvl3pPr>
-      <a:lvl4pPr eaLnBrk="1" hangingPunct="1">
-        <a:defRPr>
-          <a:solidFill>
-            <a:schemeClr val="tx2"/>
-          </a:solidFill>
-        </a:defRPr>
-      </a:lvl4pPr>
-      <a:lvl5pPr eaLnBrk="1" hangingPunct="1">
-        <a:defRPr>
-          <a:solidFill>
-            <a:schemeClr val="tx2"/>
-          </a:solidFill>
-        </a:defRPr>
-      </a:lvl5pPr>
-      <a:lvl6pPr eaLnBrk="1" hangingPunct="1">
-        <a:defRPr>
-          <a:solidFill>
-            <a:schemeClr val="tx2"/>
-          </a:solidFill>
-        </a:defRPr>
-      </a:lvl6pPr>
-      <a:lvl7pPr eaLnBrk="1" hangingPunct="1">
-        <a:defRPr>
-          <a:solidFill>
-            <a:schemeClr val="tx2"/>
-          </a:solidFill>
-        </a:defRPr>
-      </a:lvl7pPr>
-      <a:lvl8pPr eaLnBrk="1" hangingPunct="1">
-        <a:defRPr>
-          <a:solidFill>
-            <a:schemeClr val="tx2"/>
-          </a:solidFill>
-        </a:defRPr>
-      </a:lvl8pPr>
-      <a:lvl9pPr eaLnBrk="1" hangingPunct="1">
-        <a:defRPr>
-          <a:solidFill>
-            <a:schemeClr val="tx2"/>
-          </a:solidFill>
-        </a:defRPr>
-      </a:lvl9pPr>
     </p:titleStyle>
     <p:bodyStyle>
-      <a:lvl1pPr marL="342900" indent="-342900" algn="l" defTabSz="457200" rtl="0" eaLnBrk="1" latinLnBrk="0" hangingPunct="1">
+      <a:lvl1pPr marL="228600" indent="-228600" algn="l" defTabSz="914400" rtl="0" eaLnBrk="1" latinLnBrk="0" hangingPunct="1">
+        <a:lnSpc>
+          <a:spcPct val="90000"/>
+        </a:lnSpc>
         <a:spcBef>
           <a:spcPts val="1000"/>
         </a:spcBef>
-        <a:spcAft>
-          <a:spcPts val="0"/>
-        </a:spcAft>
-        <a:buClr>
-          <a:schemeClr val="accent1"/>
-        </a:buClr>
-        <a:buFont typeface="Wingdings 3" charset="2"/>
-        <a:buChar char=""/>
-        <a:defRPr sz="1800" kern="1200">
+        <a:buFont typeface="Arial" panose="020B0604020202020204" pitchFamily="34" charset="0"/>
+        <a:buChar char="•"/>
+        <a:defRPr sz="2800" kern="1200">
           <a:solidFill>
-            <a:schemeClr val="tx1">
-              <a:lumMod val="75000"/>
-              <a:lumOff val="25000"/>
-            </a:schemeClr>
+            <a:schemeClr val="tx1"/>
           </a:solidFill>
           <a:latin typeface="+mn-lt"/>
           <a:ea typeface="+mn-ea"/>
           <a:cs typeface="+mn-cs"/>
         </a:defRPr>
       </a:lvl1pPr>
-      <a:lvl2pPr marL="742950" indent="-285750" algn="l" defTabSz="457200" rtl="0" eaLnBrk="1" latinLnBrk="0" hangingPunct="1">
+      <a:lvl2pPr marL="685800" indent="-228600" algn="l" defTabSz="914400" rtl="0" eaLnBrk="1" latinLnBrk="0" hangingPunct="1">
+        <a:lnSpc>
+          <a:spcPct val="90000"/>
+        </a:lnSpc>
         <a:spcBef>
-          <a:spcPts val="1000"/>
+          <a:spcPts val="500"/>
         </a:spcBef>
-        <a:spcAft>
-          <a:spcPts val="0"/>
-        </a:spcAft>
-        <a:buClr>
-          <a:schemeClr val="accent1"/>
-        </a:buClr>
-        <a:buFont typeface="Wingdings 3" charset="2"/>
-        <a:buChar char=""/>
-        <a:defRPr sz="1600" kern="1200">
+        <a:buFont typeface="Arial" panose="020B0604020202020204" pitchFamily="34" charset="0"/>
+        <a:buChar char="•"/>
+        <a:defRPr sz="2400" kern="1200">
           <a:solidFill>
-            <a:schemeClr val="tx1">
-              <a:lumMod val="75000"/>
-              <a:lumOff val="25000"/>
-            </a:schemeClr>
+            <a:schemeClr val="tx1"/>
           </a:solidFill>
           <a:latin typeface="+mn-lt"/>
           <a:ea typeface="+mn-ea"/>
           <a:cs typeface="+mn-cs"/>
         </a:defRPr>
       </a:lvl2pPr>
-      <a:lvl3pPr marL="1143000" indent="-228600" algn="l" defTabSz="457200" rtl="0" eaLnBrk="1" latinLnBrk="0" hangingPunct="1">
+      <a:lvl3pPr marL="1143000" indent="-228600" algn="l" defTabSz="914400" rtl="0" eaLnBrk="1" latinLnBrk="0" hangingPunct="1">
+        <a:lnSpc>
+          <a:spcPct val="90000"/>
+        </a:lnSpc>
         <a:spcBef>
-          <a:spcPts val="1000"/>
+          <a:spcPts val="500"/>
         </a:spcBef>
-        <a:spcAft>
-          <a:spcPts val="0"/>
-        </a:spcAft>
-        <a:buClr>
-          <a:schemeClr val="accent1"/>
-        </a:buClr>
-        <a:buFont typeface="Wingdings 3" charset="2"/>
-        <a:buChar char=""/>
-        <a:defRPr sz="1400" kern="1200">
+        <a:buFont typeface="Arial" panose="020B0604020202020204" pitchFamily="34" charset="0"/>
+        <a:buChar char="•"/>
+        <a:defRPr sz="2000" kern="1200">
           <a:solidFill>
-            <a:schemeClr val="tx1">
-              <a:lumMod val="75000"/>
-              <a:lumOff val="25000"/>
-            </a:schemeClr>
+            <a:schemeClr val="tx1"/>
           </a:solidFill>
           <a:latin typeface="+mn-lt"/>
           <a:ea typeface="+mn-ea"/>
           <a:cs typeface="+mn-cs"/>
         </a:defRPr>
       </a:lvl3pPr>
-      <a:lvl4pPr marL="1600200" indent="-228600" algn="l" defTabSz="457200" rtl="0" eaLnBrk="1" latinLnBrk="0" hangingPunct="1">
+      <a:lvl4pPr marL="1600200" indent="-228600" algn="l" defTabSz="914400" rtl="0" eaLnBrk="1" latinLnBrk="0" hangingPunct="1">
+        <a:lnSpc>
+          <a:spcPct val="90000"/>
+        </a:lnSpc>
         <a:spcBef>
-          <a:spcPts val="1000"/>
+          <a:spcPts val="500"/>
         </a:spcBef>
-        <a:spcAft>
-          <a:spcPts val="0"/>
-        </a:spcAft>
-        <a:buClr>
-          <a:schemeClr val="accent1"/>
-        </a:buClr>
-        <a:buFont typeface="Wingdings 3" charset="2"/>
-        <a:buChar char=""/>
-        <a:defRPr sz="1200" kern="1200">
+        <a:buFont typeface="Arial" panose="020B0604020202020204" pitchFamily="34" charset="0"/>
+        <a:buChar char="•"/>
+        <a:defRPr sz="1800" kern="1200">
           <a:solidFill>
-            <a:schemeClr val="tx1">
-              <a:lumMod val="75000"/>
-              <a:lumOff val="25000"/>
-            </a:schemeClr>
+            <a:schemeClr val="tx1"/>
           </a:solidFill>
           <a:latin typeface="+mn-lt"/>
           <a:ea typeface="+mn-ea"/>
           <a:cs typeface="+mn-cs"/>
         </a:defRPr>
       </a:lvl4pPr>
-      <a:lvl5pPr marL="2057400" indent="-228600" algn="l" defTabSz="457200" rtl="0" eaLnBrk="1" latinLnBrk="0" hangingPunct="1">
+      <a:lvl5pPr marL="2057400" indent="-228600" algn="l" defTabSz="914400" rtl="0" eaLnBrk="1" latinLnBrk="0" hangingPunct="1">
+        <a:lnSpc>
+          <a:spcPct val="90000"/>
+        </a:lnSpc>
         <a:spcBef>
-          <a:spcPts val="1000"/>
+          <a:spcPts val="500"/>
         </a:spcBef>
-        <a:spcAft>
-          <a:spcPts val="0"/>
-        </a:spcAft>
-        <a:buClr>
-          <a:schemeClr val="accent1"/>
-        </a:buClr>
-        <a:buFont typeface="Wingdings 3" charset="2"/>
-        <a:buChar char=""/>
-        <a:defRPr sz="1200" kern="1200">
+        <a:buFont typeface="Arial" panose="020B0604020202020204" pitchFamily="34" charset="0"/>
+        <a:buChar char="•"/>
+        <a:defRPr sz="1800" kern="1200">
           <a:solidFill>
-            <a:schemeClr val="tx1">
-              <a:lumMod val="75000"/>
-              <a:lumOff val="25000"/>
-            </a:schemeClr>
+            <a:schemeClr val="tx1"/>
           </a:solidFill>
           <a:latin typeface="+mn-lt"/>
           <a:ea typeface="+mn-ea"/>
           <a:cs typeface="+mn-cs"/>
         </a:defRPr>
       </a:lvl5pPr>
-      <a:lvl6pPr marL="2514600" indent="-228600" algn="l" defTabSz="457200" rtl="0" eaLnBrk="1" latinLnBrk="0" hangingPunct="1">
+      <a:lvl6pPr marL="2514600" indent="-228600" algn="l" defTabSz="914400" rtl="0" eaLnBrk="1" latinLnBrk="0" hangingPunct="1">
+        <a:lnSpc>
+          <a:spcPct val="90000"/>
+        </a:lnSpc>
         <a:spcBef>
-          <a:spcPts val="1000"/>
+          <a:spcPts val="500"/>
         </a:spcBef>
-        <a:spcAft>
-          <a:spcPts val="0"/>
-        </a:spcAft>
-        <a:buClr>
-          <a:schemeClr val="accent1"/>
-        </a:buClr>
-        <a:buFont typeface="Wingdings 3" charset="2"/>
-        <a:buChar char=""/>
-        <a:defRPr sz="1200" kern="1200">
+        <a:buFont typeface="Arial" panose="020B0604020202020204" pitchFamily="34" charset="0"/>
+        <a:buChar char="•"/>
+        <a:defRPr sz="1800" kern="1200">
           <a:solidFill>
-            <a:schemeClr val="tx1">
-              <a:lumMod val="75000"/>
-              <a:lumOff val="25000"/>
-            </a:schemeClr>
+            <a:schemeClr val="tx1"/>
           </a:solidFill>
           <a:latin typeface="+mn-lt"/>
           <a:ea typeface="+mn-ea"/>
           <a:cs typeface="+mn-cs"/>
         </a:defRPr>
       </a:lvl6pPr>
-      <a:lvl7pPr marL="2971800" indent="-228600" algn="l" defTabSz="457200" rtl="0" eaLnBrk="1" latinLnBrk="0" hangingPunct="1">
+      <a:lvl7pPr marL="2971800" indent="-228600" algn="l" defTabSz="914400" rtl="0" eaLnBrk="1" latinLnBrk="0" hangingPunct="1">
+        <a:lnSpc>
+          <a:spcPct val="90000"/>
+        </a:lnSpc>
         <a:spcBef>
-          <a:spcPts val="1000"/>
+          <a:spcPts val="500"/>
         </a:spcBef>
-        <a:spcAft>
-          <a:spcPts val="0"/>
-        </a:spcAft>
-        <a:buClr>
-          <a:schemeClr val="accent1"/>
-        </a:buClr>
-        <a:buFont typeface="Wingdings 3" charset="2"/>
-        <a:buChar char=""/>
-        <a:defRPr sz="1200" kern="1200">
+        <a:buFont typeface="Arial" panose="020B0604020202020204" pitchFamily="34" charset="0"/>
+        <a:buChar char="•"/>
+        <a:defRPr sz="1800" kern="1200">
           <a:solidFill>
-            <a:schemeClr val="tx1">
-              <a:lumMod val="75000"/>
-              <a:lumOff val="25000"/>
-            </a:schemeClr>
+            <a:schemeClr val="tx1"/>
           </a:solidFill>
           <a:latin typeface="+mn-lt"/>
           <a:ea typeface="+mn-ea"/>
           <a:cs typeface="+mn-cs"/>
         </a:defRPr>
       </a:lvl7pPr>
-      <a:lvl8pPr marL="3429000" indent="-228600" algn="l" defTabSz="457200" rtl="0" eaLnBrk="1" latinLnBrk="0" hangingPunct="1">
+      <a:lvl8pPr marL="3429000" indent="-228600" algn="l" defTabSz="914400" rtl="0" eaLnBrk="1" latinLnBrk="0" hangingPunct="1">
+        <a:lnSpc>
+          <a:spcPct val="90000"/>
+        </a:lnSpc>
         <a:spcBef>
-          <a:spcPts val="1000"/>
+          <a:spcPts val="500"/>
         </a:spcBef>
-        <a:spcAft>
-          <a:spcPts val="0"/>
-        </a:spcAft>
-        <a:buClr>
-          <a:schemeClr val="accent1"/>
-        </a:buClr>
-        <a:buFont typeface="Wingdings 3" charset="2"/>
-        <a:buChar char=""/>
-        <a:defRPr sz="1200" kern="1200">
+        <a:buFont typeface="Arial" panose="020B0604020202020204" pitchFamily="34" charset="0"/>
+        <a:buChar char="•"/>
+        <a:defRPr sz="1800" kern="1200">
           <a:solidFill>
-            <a:schemeClr val="tx1">
-              <a:lumMod val="75000"/>
-              <a:lumOff val="25000"/>
-            </a:schemeClr>
+            <a:schemeClr val="tx1"/>
           </a:solidFill>
           <a:latin typeface="+mn-lt"/>
           <a:ea typeface="+mn-ea"/>
           <a:cs typeface="+mn-cs"/>
         </a:defRPr>
       </a:lvl8pPr>
-      <a:lvl9pPr marL="3886200" indent="-228600" algn="l" defTabSz="457200" rtl="0" eaLnBrk="1" latinLnBrk="0" hangingPunct="1">
+      <a:lvl9pPr marL="3886200" indent="-228600" algn="l" defTabSz="914400" rtl="0" eaLnBrk="1" latinLnBrk="0" hangingPunct="1">
+        <a:lnSpc>
+          <a:spcPct val="90000"/>
+        </a:lnSpc>
         <a:spcBef>
-          <a:spcPts val="1000"/>
+          <a:spcPts val="500"/>
         </a:spcBef>
-        <a:spcAft>
-          <a:spcPts val="0"/>
-        </a:spcAft>
-        <a:buClr>
-          <a:schemeClr val="accent1"/>
-        </a:buClr>
-        <a:buFont typeface="Wingdings 3" charset="2"/>
-        <a:buChar char=""/>
-        <a:defRPr sz="1200" kern="1200">
+        <a:buFont typeface="Arial" panose="020B0604020202020204" pitchFamily="34" charset="0"/>
+        <a:buChar char="•"/>
+        <a:defRPr sz="1800" kern="1200">
           <a:solidFill>
-            <a:schemeClr val="tx1">
-              <a:lumMod val="75000"/>
-              <a:lumOff val="25000"/>
-            </a:schemeClr>
+            <a:schemeClr val="tx1"/>
           </a:solidFill>
           <a:latin typeface="+mn-lt"/>
           <a:ea typeface="+mn-ea"/>
@@ -13600,7 +9250,7 @@
       <a:defPPr>
         <a:defRPr lang="en-US"/>
       </a:defPPr>
-      <a:lvl1pPr marL="0" algn="l" defTabSz="457200" rtl="0" eaLnBrk="1" latinLnBrk="0" hangingPunct="1">
+      <a:lvl1pPr marL="0" algn="l" defTabSz="914400" rtl="0" eaLnBrk="1" latinLnBrk="0" hangingPunct="1">
         <a:defRPr sz="1800" kern="1200">
           <a:solidFill>
             <a:schemeClr val="tx1"/>
@@ -13610,7 +9260,7 @@
           <a:cs typeface="+mn-cs"/>
         </a:defRPr>
       </a:lvl1pPr>
-      <a:lvl2pPr marL="457200" algn="l" defTabSz="457200" rtl="0" eaLnBrk="1" latinLnBrk="0" hangingPunct="1">
+      <a:lvl2pPr marL="457200" algn="l" defTabSz="914400" rtl="0" eaLnBrk="1" latinLnBrk="0" hangingPunct="1">
         <a:defRPr sz="1800" kern="1200">
           <a:solidFill>
             <a:schemeClr val="tx1"/>
@@ -13620,7 +9270,7 @@
           <a:cs typeface="+mn-cs"/>
         </a:defRPr>
       </a:lvl2pPr>
-      <a:lvl3pPr marL="914400" algn="l" defTabSz="457200" rtl="0" eaLnBrk="1" latinLnBrk="0" hangingPunct="1">
+      <a:lvl3pPr marL="914400" algn="l" defTabSz="914400" rtl="0" eaLnBrk="1" latinLnBrk="0" hangingPunct="1">
         <a:defRPr sz="1800" kern="1200">
           <a:solidFill>
             <a:schemeClr val="tx1"/>
@@ -13630,7 +9280,7 @@
           <a:cs typeface="+mn-cs"/>
         </a:defRPr>
       </a:lvl3pPr>
-      <a:lvl4pPr marL="1371600" algn="l" defTabSz="457200" rtl="0" eaLnBrk="1" latinLnBrk="0" hangingPunct="1">
+      <a:lvl4pPr marL="1371600" algn="l" defTabSz="914400" rtl="0" eaLnBrk="1" latinLnBrk="0" hangingPunct="1">
         <a:defRPr sz="1800" kern="1200">
           <a:solidFill>
             <a:schemeClr val="tx1"/>
@@ -13640,7 +9290,7 @@
           <a:cs typeface="+mn-cs"/>
         </a:defRPr>
       </a:lvl4pPr>
-      <a:lvl5pPr marL="1828800" algn="l" defTabSz="457200" rtl="0" eaLnBrk="1" latinLnBrk="0" hangingPunct="1">
+      <a:lvl5pPr marL="1828800" algn="l" defTabSz="914400" rtl="0" eaLnBrk="1" latinLnBrk="0" hangingPunct="1">
         <a:defRPr sz="1800" kern="1200">
           <a:solidFill>
             <a:schemeClr val="tx1"/>
@@ -13650,7 +9300,7 @@
           <a:cs typeface="+mn-cs"/>
         </a:defRPr>
       </a:lvl5pPr>
-      <a:lvl6pPr marL="2286000" algn="l" defTabSz="457200" rtl="0" eaLnBrk="1" latinLnBrk="0" hangingPunct="1">
+      <a:lvl6pPr marL="2286000" algn="l" defTabSz="914400" rtl="0" eaLnBrk="1" latinLnBrk="0" hangingPunct="1">
         <a:defRPr sz="1800" kern="1200">
           <a:solidFill>
             <a:schemeClr val="tx1"/>
@@ -13660,7 +9310,7 @@
           <a:cs typeface="+mn-cs"/>
         </a:defRPr>
       </a:lvl6pPr>
-      <a:lvl7pPr marL="2743200" algn="l" defTabSz="457200" rtl="0" eaLnBrk="1" latinLnBrk="0" hangingPunct="1">
+      <a:lvl7pPr marL="2743200" algn="l" defTabSz="914400" rtl="0" eaLnBrk="1" latinLnBrk="0" hangingPunct="1">
         <a:defRPr sz="1800" kern="1200">
           <a:solidFill>
             <a:schemeClr val="tx1"/>
@@ -13670,7 +9320,7 @@
           <a:cs typeface="+mn-cs"/>
         </a:defRPr>
       </a:lvl7pPr>
-      <a:lvl8pPr marL="3200400" algn="l" defTabSz="457200" rtl="0" eaLnBrk="1" latinLnBrk="0" hangingPunct="1">
+      <a:lvl8pPr marL="3200400" algn="l" defTabSz="914400" rtl="0" eaLnBrk="1" latinLnBrk="0" hangingPunct="1">
         <a:defRPr sz="1800" kern="1200">
           <a:solidFill>
             <a:schemeClr val="tx1"/>
@@ -13680,7 +9330,7 @@
           <a:cs typeface="+mn-cs"/>
         </a:defRPr>
       </a:lvl8pPr>
-      <a:lvl9pPr marL="3657600" algn="l" defTabSz="457200" rtl="0" eaLnBrk="1" latinLnBrk="0" hangingPunct="1">
+      <a:lvl9pPr marL="3657600" algn="l" defTabSz="914400" rtl="0" eaLnBrk="1" latinLnBrk="0" hangingPunct="1">
         <a:defRPr sz="1800" kern="1200">
           <a:solidFill>
             <a:schemeClr val="tx1"/>
@@ -19789,9 +15439,9 @@
 </file>
 
 <file path=ppt/theme/theme2.xml><?xml version="1.0" encoding="utf-8"?>
-<a:theme xmlns:a="http://schemas.openxmlformats.org/drawingml/2006/main" name="Wisp">
+<a:theme xmlns:a="http://schemas.openxmlformats.org/drawingml/2006/main" name="Office Theme">
   <a:themeElements>
-    <a:clrScheme name="Wisp">
+    <a:clrScheme name="Office">
       <a:dk1>
         <a:sysClr val="windowText" lastClr="000000"/>
       </a:dk1>
@@ -19799,48 +15449,100 @@
         <a:sysClr val="window" lastClr="FFFFFF"/>
       </a:lt1>
       <a:dk2>
-        <a:srgbClr val="766F54"/>
+        <a:srgbClr val="44546A"/>
       </a:dk2>
       <a:lt2>
-        <a:srgbClr val="E3EACF"/>
+        <a:srgbClr val="E7E6E6"/>
       </a:lt2>
       <a:accent1>
-        <a:srgbClr val="A53010"/>
+        <a:srgbClr val="4472C4"/>
       </a:accent1>
       <a:accent2>
-        <a:srgbClr val="DE7E18"/>
+        <a:srgbClr val="ED7D31"/>
       </a:accent2>
       <a:accent3>
-        <a:srgbClr val="9F8351"/>
+        <a:srgbClr val="A5A5A5"/>
       </a:accent3>
       <a:accent4>
-        <a:srgbClr val="728653"/>
+        <a:srgbClr val="FFC000"/>
       </a:accent4>
       <a:accent5>
-        <a:srgbClr val="92AA4C"/>
+        <a:srgbClr val="5B9BD5"/>
       </a:accent5>
       <a:accent6>
-        <a:srgbClr val="6AAC91"/>
+        <a:srgbClr val="70AD47"/>
       </a:accent6>
       <a:hlink>
-        <a:srgbClr val="FB4A18"/>
+        <a:srgbClr val="0563C1"/>
       </a:hlink>
       <a:folHlink>
-        <a:srgbClr val="FB9318"/>
+        <a:srgbClr val="954F72"/>
       </a:folHlink>
     </a:clrScheme>
-    <a:fontScheme name="Wisp">
+    <a:fontScheme name="Office">
       <a:majorFont>
-        <a:latin typeface="Century Gothic" panose="020B0502020202020204"/>
+        <a:latin typeface="Calibri Light" panose="020F0302020204030204"/>
         <a:ea typeface=""/>
         <a:cs typeface=""/>
-        <a:font script="Jpan" typeface="メイリオ"/>
-        <a:font script="Hang" typeface="HY중고딕"/>
-        <a:font script="Hans" typeface="幼圆"/>
-        <a:font script="Hant" typeface="微軟正黑體"/>
-        <a:font script="Arab" typeface="Tahoma"/>
-        <a:font script="Hebr" typeface="Gisha"/>
-        <a:font script="Thai" typeface="DilleniaUPC"/>
+        <a:font script="Jpan" typeface="游ゴシック Light"/>
+        <a:font script="Hang" typeface="맑은 고딕"/>
+        <a:font script="Hans" typeface="等线 Light"/>
+        <a:font script="Hant" typeface="新細明體"/>
+        <a:font script="Arab" typeface="Times New Roman"/>
+        <a:font script="Hebr" typeface="Times New Roman"/>
+        <a:font script="Thai" typeface="Angsana New"/>
+        <a:font script="Ethi" typeface="Nyala"/>
+        <a:font script="Beng" typeface="Vrinda"/>
+        <a:font script="Gujr" typeface="Shruti"/>
+        <a:font script="Khmr" typeface="MoolBoran"/>
+        <a:font script="Knda" typeface="Tunga"/>
+        <a:font script="Guru" typeface="Raavi"/>
+        <a:font script="Cans" typeface="Euphemia"/>
+        <a:font script="Cher" typeface="Plantagenet Cherokee"/>
+        <a:font script="Yiii" typeface="Microsoft Yi Baiti"/>
+        <a:font script="Tibt" typeface="Microsoft Himalaya"/>
+        <a:font script="Thaa" typeface="MV Boli"/>
+        <a:font script="Deva" typeface="Mangal"/>
+        <a:font script="Telu" typeface="Gautami"/>
+        <a:font script="Taml" typeface="Latha"/>
+        <a:font script="Syrc" typeface="Estrangelo Edessa"/>
+        <a:font script="Orya" typeface="Kalinga"/>
+        <a:font script="Mlym" typeface="Kartika"/>
+        <a:font script="Laoo" typeface="DokChampa"/>
+        <a:font script="Sinh" typeface="Iskoola Pota"/>
+        <a:font script="Mong" typeface="Mongolian Baiti"/>
+        <a:font script="Viet" typeface="Times New Roman"/>
+        <a:font script="Uigh" typeface="Microsoft Uighur"/>
+        <a:font script="Geor" typeface="Sylfaen"/>
+        <a:font script="Armn" typeface="Arial"/>
+        <a:font script="Bugi" typeface="Leelawadee UI"/>
+        <a:font script="Bopo" typeface="Microsoft JhengHei"/>
+        <a:font script="Java" typeface="Javanese Text"/>
+        <a:font script="Lisu" typeface="Segoe UI"/>
+        <a:font script="Mymr" typeface="Myanmar Text"/>
+        <a:font script="Nkoo" typeface="Ebrima"/>
+        <a:font script="Olck" typeface="Nirmala UI"/>
+        <a:font script="Osma" typeface="Ebrima"/>
+        <a:font script="Phag" typeface="Phagspa"/>
+        <a:font script="Syrn" typeface="Estrangelo Edessa"/>
+        <a:font script="Syrj" typeface="Estrangelo Edessa"/>
+        <a:font script="Syre" typeface="Estrangelo Edessa"/>
+        <a:font script="Sora" typeface="Nirmala UI"/>
+        <a:font script="Tale" typeface="Microsoft Tai Le"/>
+        <a:font script="Talu" typeface="Microsoft New Tai Lue"/>
+        <a:font script="Tfng" typeface="Ebrima"/>
+      </a:majorFont>
+      <a:minorFont>
+        <a:latin typeface="Calibri" panose="020F0502020204030204"/>
+        <a:ea typeface=""/>
+        <a:cs typeface=""/>
+        <a:font script="Jpan" typeface="游ゴシック"/>
+        <a:font script="Hang" typeface="맑은 고딕"/>
+        <a:font script="Hans" typeface="等线"/>
+        <a:font script="Hant" typeface="新細明體"/>
+        <a:font script="Arab" typeface="Arial"/>
+        <a:font script="Hebr" typeface="Arial"/>
+        <a:font script="Thai" typeface="Cordia New"/>
         <a:font script="Ethi" typeface="Nyala"/>
         <a:font script="Beng" typeface="Vrinda"/>
         <a:font script="Gujr" typeface="Shruti"/>
@@ -19861,69 +15563,80 @@
         <a:font script="Laoo" typeface="DokChampa"/>
         <a:font script="Sinh" typeface="Iskoola Pota"/>
         <a:font script="Mong" typeface="Mongolian Baiti"/>
-        <a:font script="Viet" typeface="Tahoma"/>
+        <a:font script="Viet" typeface="Arial"/>
         <a:font script="Uigh" typeface="Microsoft Uighur"/>
         <a:font script="Geor" typeface="Sylfaen"/>
-      </a:majorFont>
-      <a:minorFont>
-        <a:latin typeface="Century Gothic" panose="020B0502020202020204"/>
-        <a:ea typeface=""/>
-        <a:cs typeface=""/>
-        <a:font script="Jpan" typeface="メイリオ"/>
-        <a:font script="Hang" typeface="HY중고딕"/>
-        <a:font script="Hans" typeface="幼圆"/>
-        <a:font script="Hant" typeface="微軟正黑體"/>
-        <a:font script="Arab" typeface="Tahoma"/>
-        <a:font script="Hebr" typeface="Gisha"/>
-        <a:font script="Thai" typeface="DilleniaUPC"/>
-        <a:font script="Ethi" typeface="Nyala"/>
-        <a:font script="Beng" typeface="Vrinda"/>
-        <a:font script="Gujr" typeface="Shruti"/>
-        <a:font script="Khmr" typeface="DaunPenh"/>
-        <a:font script="Knda" typeface="Tunga"/>
-        <a:font script="Guru" typeface="Raavi"/>
-        <a:font script="Cans" typeface="Euphemia"/>
-        <a:font script="Cher" typeface="Plantagenet Cherokee"/>
-        <a:font script="Yiii" typeface="Microsoft Yi Baiti"/>
-        <a:font script="Tibt" typeface="Microsoft Himalaya"/>
-        <a:font script="Thaa" typeface="MV Boli"/>
-        <a:font script="Deva" typeface="Mangal"/>
-        <a:font script="Telu" typeface="Gautami"/>
-        <a:font script="Taml" typeface="Latha"/>
-        <a:font script="Syrc" typeface="Estrangelo Edessa"/>
-        <a:font script="Orya" typeface="Kalinga"/>
-        <a:font script="Mlym" typeface="Kartika"/>
-        <a:font script="Laoo" typeface="DokChampa"/>
-        <a:font script="Sinh" typeface="Iskoola Pota"/>
-        <a:font script="Mong" typeface="Mongolian Baiti"/>
-        <a:font script="Viet" typeface="Tahoma"/>
-        <a:font script="Uigh" typeface="Microsoft Uighur"/>
-        <a:font script="Geor" typeface="Sylfaen"/>
+        <a:font script="Armn" typeface="Arial"/>
+        <a:font script="Bugi" typeface="Leelawadee UI"/>
+        <a:font script="Bopo" typeface="Microsoft JhengHei"/>
+        <a:font script="Java" typeface="Javanese Text"/>
+        <a:font script="Lisu" typeface="Segoe UI"/>
+        <a:font script="Mymr" typeface="Myanmar Text"/>
+        <a:font script="Nkoo" typeface="Ebrima"/>
+        <a:font script="Olck" typeface="Nirmala UI"/>
+        <a:font script="Osma" typeface="Ebrima"/>
+        <a:font script="Phag" typeface="Phagspa"/>
+        <a:font script="Syrn" typeface="Estrangelo Edessa"/>
+        <a:font script="Syrj" typeface="Estrangelo Edessa"/>
+        <a:font script="Syre" typeface="Estrangelo Edessa"/>
+        <a:font script="Sora" typeface="Nirmala UI"/>
+        <a:font script="Tale" typeface="Microsoft Tai Le"/>
+        <a:font script="Talu" typeface="Microsoft New Tai Lue"/>
+        <a:font script="Tfng" typeface="Ebrima"/>
       </a:minorFont>
     </a:fontScheme>
-    <a:fmtScheme name="Wisp">
+    <a:fmtScheme name="Office">
       <a:fillStyleLst>
         <a:solidFill>
           <a:schemeClr val="phClr"/>
-        </a:solidFill>
-        <a:solidFill>
-          <a:schemeClr val="phClr">
-            <a:tint val="70000"/>
-            <a:lumMod val="104000"/>
-          </a:schemeClr>
         </a:solidFill>
         <a:gradFill rotWithShape="1">
           <a:gsLst>
             <a:gs pos="0">
               <a:schemeClr val="phClr">
-                <a:tint val="96000"/>
-                <a:lumMod val="104000"/>
+                <a:lumMod val="110000"/>
+                <a:satMod val="105000"/>
+                <a:tint val="67000"/>
+              </a:schemeClr>
+            </a:gs>
+            <a:gs pos="50000">
+              <a:schemeClr val="phClr">
+                <a:lumMod val="105000"/>
+                <a:satMod val="103000"/>
+                <a:tint val="73000"/>
               </a:schemeClr>
             </a:gs>
             <a:gs pos="100000">
               <a:schemeClr val="phClr">
-                <a:shade val="98000"/>
-                <a:lumMod val="94000"/>
+                <a:lumMod val="105000"/>
+                <a:satMod val="109000"/>
+                <a:tint val="81000"/>
+              </a:schemeClr>
+            </a:gs>
+          </a:gsLst>
+          <a:lin ang="5400000" scaled="0"/>
+        </a:gradFill>
+        <a:gradFill rotWithShape="1">
+          <a:gsLst>
+            <a:gs pos="0">
+              <a:schemeClr val="phClr">
+                <a:satMod val="103000"/>
+                <a:lumMod val="102000"/>
+                <a:tint val="94000"/>
+              </a:schemeClr>
+            </a:gs>
+            <a:gs pos="50000">
+              <a:schemeClr val="phClr">
+                <a:satMod val="110000"/>
+                <a:lumMod val="100000"/>
+                <a:shade val="100000"/>
+              </a:schemeClr>
+            </a:gs>
+            <a:gs pos="100000">
+              <a:schemeClr val="phClr">
+                <a:lumMod val="99000"/>
+                <a:satMod val="120000"/>
+                <a:shade val="78000"/>
               </a:schemeClr>
             </a:gs>
           </a:gsLst>
@@ -19931,25 +15644,26 @@
         </a:gradFill>
       </a:fillStyleLst>
       <a:lnStyleLst>
-        <a:ln w="9525" cap="rnd" cmpd="sng" algn="ctr">
-          <a:solidFill>
-            <a:schemeClr val="phClr">
-              <a:shade val="90000"/>
-            </a:schemeClr>
-          </a:solidFill>
-          <a:prstDash val="solid"/>
-        </a:ln>
-        <a:ln w="15875" cap="rnd" cmpd="sng" algn="ctr">
+        <a:ln w="6350" cap="flat" cmpd="sng" algn="ctr">
           <a:solidFill>
             <a:schemeClr val="phClr"/>
           </a:solidFill>
           <a:prstDash val="solid"/>
+          <a:miter lim="800000"/>
         </a:ln>
-        <a:ln w="22225" cap="rnd" cmpd="sng" algn="ctr">
+        <a:ln w="12700" cap="flat" cmpd="sng" algn="ctr">
           <a:solidFill>
             <a:schemeClr val="phClr"/>
           </a:solidFill>
           <a:prstDash val="solid"/>
+          <a:miter lim="800000"/>
+        </a:ln>
+        <a:ln w="19050" cap="flat" cmpd="sng" algn="ctr">
+          <a:solidFill>
+            <a:schemeClr val="phClr"/>
+          </a:solidFill>
+          <a:prstDash val="solid"/>
+          <a:miter lim="800000"/>
         </a:ln>
       </a:lnStyleLst>
       <a:effectStyleLst>
@@ -19957,19 +15671,13 @@
           <a:effectLst/>
         </a:effectStyle>
         <a:effectStyle>
-          <a:effectLst>
-            <a:outerShdw blurRad="38100" dist="25400" dir="5400000" rotWithShape="0">
-              <a:srgbClr val="000000">
-                <a:alpha val="25000"/>
-              </a:srgbClr>
-            </a:outerShdw>
-          </a:effectLst>
+          <a:effectLst/>
         </a:effectStyle>
         <a:effectStyle>
           <a:effectLst>
-            <a:outerShdw blurRad="50800" dist="38100" dir="5400000" rotWithShape="0">
+            <a:outerShdw blurRad="57150" dist="19050" dir="5400000" algn="ctr" rotWithShape="0">
               <a:srgbClr val="000000">
-                <a:alpha val="60000"/>
+                <a:alpha val="63000"/>
               </a:srgbClr>
             </a:outerShdw>
           </a:effectLst>
@@ -19979,44 +15687,38 @@
         <a:solidFill>
           <a:schemeClr val="phClr"/>
         </a:solidFill>
+        <a:solidFill>
+          <a:schemeClr val="phClr">
+            <a:tint val="95000"/>
+            <a:satMod val="170000"/>
+          </a:schemeClr>
+        </a:solidFill>
         <a:gradFill rotWithShape="1">
           <a:gsLst>
             <a:gs pos="0">
               <a:schemeClr val="phClr">
-                <a:tint val="90000"/>
-                <a:lumMod val="120000"/>
+                <a:tint val="93000"/>
+                <a:satMod val="150000"/>
+                <a:shade val="98000"/>
+                <a:lumMod val="102000"/>
+              </a:schemeClr>
+            </a:gs>
+            <a:gs pos="50000">
+              <a:schemeClr val="phClr">
+                <a:tint val="98000"/>
+                <a:satMod val="130000"/>
+                <a:shade val="90000"/>
+                <a:lumMod val="103000"/>
               </a:schemeClr>
             </a:gs>
             <a:gs pos="100000">
               <a:schemeClr val="phClr">
-                <a:shade val="98000"/>
+                <a:shade val="63000"/>
                 <a:satMod val="120000"/>
-                <a:lumMod val="98000"/>
               </a:schemeClr>
             </a:gs>
           </a:gsLst>
           <a:lin ang="5400000" scaled="0"/>
-        </a:gradFill>
-        <a:gradFill rotWithShape="1">
-          <a:gsLst>
-            <a:gs pos="0">
-              <a:schemeClr val="phClr">
-                <a:tint val="90000"/>
-                <a:satMod val="92000"/>
-                <a:lumMod val="120000"/>
-              </a:schemeClr>
-            </a:gs>
-            <a:gs pos="100000">
-              <a:schemeClr val="phClr">
-                <a:shade val="98000"/>
-                <a:satMod val="120000"/>
-                <a:lumMod val="98000"/>
-              </a:schemeClr>
-            </a:gs>
-          </a:gsLst>
-          <a:path path="circle">
-            <a:fillToRect l="50000" t="50000" r="100000" b="100000"/>
-          </a:path>
         </a:gradFill>
       </a:bgFillStyleLst>
     </a:fmtScheme>
@@ -20025,7 +15727,7 @@
   <a:extraClrSchemeLst/>
   <a:extLst>
     <a:ext uri="{05A4C25C-085E-4340-85A3-A5531E510DB2}">
-      <thm15:themeFamily xmlns:thm15="http://schemas.microsoft.com/office/thememl/2012/main" name="Wisp" id="{7CB32D59-10C0-40DD-B7BD-2E94284A981C}" vid="{24B1A44C-C006-48B2-A4D7-E5549B3D8CD4}"/>
+      <thm15:themeFamily xmlns:thm15="http://schemas.microsoft.com/office/thememl/2012/main" name="Office Theme" id="{62F939B6-93AF-4DB8-9C6B-D6C7DFDC589F}" vid="{4A3C46E8-61CC-4603-A589-7422A47A8E4A}"/>
     </a:ext>
   </a:extLst>
 </a:theme>
